--- a/ppt/ch01_绪论_1.pptx
+++ b/ppt/ch01_绪论_1.pptx
@@ -72,75 +72,79 @@
     <p:sldId id="880" r:id="rId67"/>
     <p:sldId id="881" r:id="rId68"/>
     <p:sldId id="882" r:id="rId69"/>
-    <p:sldId id="883" r:id="rId70"/>
-    <p:sldId id="884" r:id="rId71"/>
-    <p:sldId id="885" r:id="rId72"/>
-    <p:sldId id="878" r:id="rId73"/>
-    <p:sldId id="886" r:id="rId74"/>
-    <p:sldId id="887" r:id="rId75"/>
-    <p:sldId id="888" r:id="rId76"/>
-    <p:sldId id="889" r:id="rId77"/>
-    <p:sldId id="890" r:id="rId78"/>
-    <p:sldId id="891" r:id="rId79"/>
-    <p:sldId id="892" r:id="rId80"/>
-    <p:sldId id="893" r:id="rId81"/>
-    <p:sldId id="894" r:id="rId82"/>
-    <p:sldId id="896" r:id="rId83"/>
-    <p:sldId id="897" r:id="rId84"/>
-    <p:sldId id="898" r:id="rId85"/>
-    <p:sldId id="899" r:id="rId86"/>
-    <p:sldId id="900" r:id="rId87"/>
-    <p:sldId id="895" r:id="rId88"/>
-    <p:sldId id="902" r:id="rId89"/>
-    <p:sldId id="903" r:id="rId90"/>
-    <p:sldId id="901" r:id="rId91"/>
-    <p:sldId id="905" r:id="rId92"/>
-    <p:sldId id="906" r:id="rId93"/>
-    <p:sldId id="907" r:id="rId94"/>
-    <p:sldId id="904" r:id="rId95"/>
-    <p:sldId id="908" r:id="rId96"/>
-    <p:sldId id="910" r:id="rId97"/>
-    <p:sldId id="909" r:id="rId98"/>
-    <p:sldId id="912" r:id="rId99"/>
-    <p:sldId id="911" r:id="rId100"/>
-    <p:sldId id="914" r:id="rId101"/>
-    <p:sldId id="915" r:id="rId102"/>
-    <p:sldId id="916" r:id="rId103"/>
-    <p:sldId id="917" r:id="rId104"/>
-    <p:sldId id="918" r:id="rId105"/>
-    <p:sldId id="913" r:id="rId106"/>
-    <p:sldId id="920" r:id="rId107"/>
-    <p:sldId id="921" r:id="rId108"/>
-    <p:sldId id="919" r:id="rId109"/>
-    <p:sldId id="923" r:id="rId110"/>
-    <p:sldId id="922" r:id="rId111"/>
-    <p:sldId id="925" r:id="rId112"/>
-    <p:sldId id="926" r:id="rId113"/>
-    <p:sldId id="927" r:id="rId114"/>
-    <p:sldId id="928" r:id="rId115"/>
-    <p:sldId id="924" r:id="rId116"/>
-    <p:sldId id="929" r:id="rId117"/>
-    <p:sldId id="931" r:id="rId118"/>
-    <p:sldId id="932" r:id="rId119"/>
-    <p:sldId id="934" r:id="rId120"/>
-    <p:sldId id="933" r:id="rId121"/>
-    <p:sldId id="935" r:id="rId122"/>
-    <p:sldId id="930" r:id="rId123"/>
-    <p:sldId id="937" r:id="rId124"/>
-    <p:sldId id="938" r:id="rId125"/>
-    <p:sldId id="939" r:id="rId126"/>
-    <p:sldId id="936" r:id="rId127"/>
-    <p:sldId id="941" r:id="rId128"/>
-    <p:sldId id="940" r:id="rId129"/>
-    <p:sldId id="943" r:id="rId130"/>
-    <p:sldId id="942" r:id="rId131"/>
-    <p:sldId id="945" r:id="rId132"/>
-    <p:sldId id="944" r:id="rId133"/>
+    <p:sldId id="953" r:id="rId70"/>
+    <p:sldId id="883" r:id="rId71"/>
+    <p:sldId id="884" r:id="rId72"/>
+    <p:sldId id="954" r:id="rId73"/>
+    <p:sldId id="885" r:id="rId74"/>
+    <p:sldId id="878" r:id="rId75"/>
+    <p:sldId id="886" r:id="rId76"/>
+    <p:sldId id="887" r:id="rId77"/>
+    <p:sldId id="888" r:id="rId78"/>
+    <p:sldId id="889" r:id="rId79"/>
+    <p:sldId id="890" r:id="rId80"/>
+    <p:sldId id="891" r:id="rId81"/>
+    <p:sldId id="892" r:id="rId82"/>
+    <p:sldId id="893" r:id="rId83"/>
+    <p:sldId id="894" r:id="rId84"/>
+    <p:sldId id="896" r:id="rId85"/>
+    <p:sldId id="897" r:id="rId86"/>
+    <p:sldId id="898" r:id="rId87"/>
+    <p:sldId id="899" r:id="rId88"/>
+    <p:sldId id="900" r:id="rId89"/>
+    <p:sldId id="895" r:id="rId90"/>
+    <p:sldId id="902" r:id="rId91"/>
+    <p:sldId id="903" r:id="rId92"/>
+    <p:sldId id="901" r:id="rId93"/>
+    <p:sldId id="905" r:id="rId94"/>
+    <p:sldId id="906" r:id="rId95"/>
+    <p:sldId id="907" r:id="rId96"/>
+    <p:sldId id="904" r:id="rId97"/>
+    <p:sldId id="908" r:id="rId98"/>
+    <p:sldId id="910" r:id="rId99"/>
+    <p:sldId id="909" r:id="rId100"/>
+    <p:sldId id="912" r:id="rId101"/>
+    <p:sldId id="911" r:id="rId102"/>
+    <p:sldId id="914" r:id="rId103"/>
+    <p:sldId id="915" r:id="rId104"/>
+    <p:sldId id="916" r:id="rId105"/>
+    <p:sldId id="917" r:id="rId106"/>
+    <p:sldId id="918" r:id="rId107"/>
+    <p:sldId id="913" r:id="rId108"/>
+    <p:sldId id="920" r:id="rId109"/>
+    <p:sldId id="921" r:id="rId110"/>
+    <p:sldId id="919" r:id="rId111"/>
+    <p:sldId id="923" r:id="rId112"/>
+    <p:sldId id="955" r:id="rId113"/>
+    <p:sldId id="922" r:id="rId114"/>
+    <p:sldId id="925" r:id="rId115"/>
+    <p:sldId id="926" r:id="rId116"/>
+    <p:sldId id="927" r:id="rId117"/>
+    <p:sldId id="928" r:id="rId118"/>
+    <p:sldId id="924" r:id="rId119"/>
+    <p:sldId id="929" r:id="rId120"/>
+    <p:sldId id="931" r:id="rId121"/>
+    <p:sldId id="932" r:id="rId122"/>
+    <p:sldId id="934" r:id="rId123"/>
+    <p:sldId id="933" r:id="rId124"/>
+    <p:sldId id="935" r:id="rId125"/>
+    <p:sldId id="930" r:id="rId126"/>
+    <p:sldId id="937" r:id="rId127"/>
+    <p:sldId id="938" r:id="rId128"/>
+    <p:sldId id="939" r:id="rId129"/>
+    <p:sldId id="936" r:id="rId130"/>
+    <p:sldId id="941" r:id="rId131"/>
+    <p:sldId id="940" r:id="rId132"/>
+    <p:sldId id="943" r:id="rId133"/>
+    <p:sldId id="942" r:id="rId134"/>
+    <p:sldId id="945" r:id="rId135"/>
+    <p:sldId id="944" r:id="rId136"/>
+    <p:sldId id="956" r:id="rId137"/>
   </p:sldIdLst>
   <p:sldSz cx="9144000" cy="6858000" type="screen4x3"/>
   <p:notesSz cx="6858000" cy="9144000"/>
   <p:custDataLst>
-    <p:tags r:id="rId137"/>
+    <p:tags r:id="rId141"/>
   </p:custDataLst>
   <p:defaultTextStyle>
     <a:defPPr>
@@ -14658,6 +14662,290 @@
         <p:spPr>
           <a:xfrm>
             <a:off x="871855" y="2675255"/>
+            <a:ext cx="7408545" cy="473710"/>
+          </a:xfrm>
+        </p:spPr>
+        <p:txBody>
+          <a:bodyPr>
+            <a:normAutofit lnSpcReduction="20000"/>
+          </a:bodyPr>
+          <a:p>
+            <a:r>
+              <a:rPr lang="zh-CN" altLang="en-US">
+                <a:sym typeface="+mn-ea"/>
+              </a:rPr>
+              <a:t>选择</a:t>
+            </a:r>
+            <a:r>
+              <a:rPr lang="en-US" altLang="zh-CN">
+                <a:sym typeface="+mn-ea"/>
+              </a:rPr>
+              <a:t>“</a:t>
+            </a:r>
+            <a:r>
+              <a:rPr lang="zh-CN" altLang="en-US">
+                <a:sym typeface="+mn-ea"/>
+              </a:rPr>
+              <a:t>我同意此协议</a:t>
+            </a:r>
+            <a:r>
+              <a:rPr lang="en-US" altLang="zh-CN">
+                <a:sym typeface="+mn-ea"/>
+              </a:rPr>
+              <a:t>”</a:t>
+            </a:r>
+            <a:r>
+              <a:rPr lang="zh-CN" altLang="en-US">
+                <a:sym typeface="+mn-ea"/>
+              </a:rPr>
+              <a:t>，然后点击</a:t>
+            </a:r>
+            <a:r>
+              <a:rPr lang="en-US" altLang="zh-CN">
+                <a:sym typeface="+mn-ea"/>
+              </a:rPr>
+              <a:t>“</a:t>
+            </a:r>
+            <a:r>
+              <a:rPr lang="zh-CN" altLang="en-US">
+                <a:sym typeface="+mn-ea"/>
+              </a:rPr>
+              <a:t>下一步</a:t>
+            </a:r>
+            <a:r>
+              <a:rPr lang="en-US" altLang="zh-CN">
+                <a:sym typeface="+mn-ea"/>
+              </a:rPr>
+              <a:t>”</a:t>
+            </a:r>
+            <a:endParaRPr lang="zh-CN" altLang="en-US"/>
+          </a:p>
+        </p:txBody>
+      </p:sp>
+      <p:sp>
+        <p:nvSpPr>
+          <p:cNvPr id="3" name="标题 2"/>
+          <p:cNvSpPr>
+            <a:spLocks noGrp="1"/>
+          </p:cNvSpPr>
+          <p:nvPr>
+            <p:ph type="title"/>
+          </p:nvPr>
+        </p:nvSpPr>
+        <p:spPr/>
+        <p:txBody>
+          <a:bodyPr/>
+          <a:p>
+            <a:r>
+              <a:rPr lang="en-US" altLang="zh-CN">
+                <a:sym typeface="+mn-ea"/>
+              </a:rPr>
+              <a:t>1.13 </a:t>
+            </a:r>
+            <a:r>
+              <a:rPr lang="zh-CN" altLang="en-US">
+                <a:sym typeface="+mn-ea"/>
+              </a:rPr>
+              <a:t>安装</a:t>
+            </a:r>
+            <a:r>
+              <a:rPr lang="en-US" altLang="zh-CN">
+                <a:sym typeface="+mn-ea"/>
+              </a:rPr>
+              <a:t>Visual Studio Code</a:t>
+            </a:r>
+            <a:endParaRPr lang="zh-CN" altLang="en-US"/>
+          </a:p>
+        </p:txBody>
+      </p:sp>
+      <p:pic>
+        <p:nvPicPr>
+          <p:cNvPr id="4" name="图片 3"/>
+          <p:cNvPicPr>
+            <a:picLocks noChangeAspect="1"/>
+          </p:cNvPicPr>
+          <p:nvPr>
+            <p:custDataLst>
+              <p:tags r:id="rId1"/>
+            </p:custDataLst>
+          </p:nvPr>
+        </p:nvPicPr>
+        <p:blipFill>
+          <a:blip r:embed="rId2"/>
+          <a:stretch>
+            <a:fillRect/>
+          </a:stretch>
+        </p:blipFill>
+        <p:spPr>
+          <a:xfrm>
+            <a:off x="1692275" y="3213100"/>
+            <a:ext cx="3936365" cy="3220085"/>
+          </a:xfrm>
+          <a:prstGeom prst="rect">
+            <a:avLst/>
+          </a:prstGeom>
+        </p:spPr>
+      </p:pic>
+    </p:spTree>
+  </p:cSld>
+  <p:clrMapOvr>
+    <a:masterClrMapping/>
+  </p:clrMapOvr>
+</p:sld>
+</file>
+
+<file path=ppt/slides/slide101.xml><?xml version="1.0" encoding="utf-8"?>
+<p:sld xmlns:a="http://schemas.openxmlformats.org/drawingml/2006/main" xmlns:r="http://schemas.openxmlformats.org/officeDocument/2006/relationships" xmlns:p="http://schemas.openxmlformats.org/presentationml/2006/main">
+  <p:cSld>
+    <p:spTree>
+      <p:nvGrpSpPr>
+        <p:cNvPr id="1" name=""/>
+        <p:cNvGrpSpPr/>
+        <p:nvPr/>
+      </p:nvGrpSpPr>
+      <p:grpSpPr/>
+      <p:sp>
+        <p:nvSpPr>
+          <p:cNvPr id="2" name="内容占位符 1"/>
+          <p:cNvSpPr>
+            <a:spLocks noGrp="1"/>
+          </p:cNvSpPr>
+          <p:nvPr>
+            <p:ph idx="1"/>
+          </p:nvPr>
+        </p:nvSpPr>
+        <p:spPr>
+          <a:xfrm>
+            <a:off x="871855" y="2675255"/>
+            <a:ext cx="7408545" cy="534035"/>
+          </a:xfrm>
+        </p:spPr>
+        <p:txBody>
+          <a:bodyPr/>
+          <a:p>
+            <a:r>
+              <a:rPr lang="zh-CN" altLang="en-US">
+                <a:sym typeface="+mn-ea"/>
+              </a:rPr>
+              <a:t>此处可以修改安装目录，如果不想修改点</a:t>
+            </a:r>
+            <a:r>
+              <a:rPr lang="en-US" altLang="zh-CN">
+                <a:sym typeface="+mn-ea"/>
+              </a:rPr>
+              <a:t>“</a:t>
+            </a:r>
+            <a:r>
+              <a:rPr lang="zh-CN" altLang="en-US">
+                <a:sym typeface="+mn-ea"/>
+              </a:rPr>
+              <a:t>下一步</a:t>
+            </a:r>
+            <a:r>
+              <a:rPr lang="en-US" altLang="zh-CN">
+                <a:sym typeface="+mn-ea"/>
+              </a:rPr>
+              <a:t>”</a:t>
+            </a:r>
+            <a:endParaRPr lang="zh-CN" altLang="en-US"/>
+          </a:p>
+        </p:txBody>
+      </p:sp>
+      <p:sp>
+        <p:nvSpPr>
+          <p:cNvPr id="3" name="标题 2"/>
+          <p:cNvSpPr>
+            <a:spLocks noGrp="1"/>
+          </p:cNvSpPr>
+          <p:nvPr>
+            <p:ph type="title"/>
+          </p:nvPr>
+        </p:nvSpPr>
+        <p:spPr/>
+        <p:txBody>
+          <a:bodyPr/>
+          <a:p>
+            <a:r>
+              <a:rPr lang="en-US" altLang="zh-CN">
+                <a:sym typeface="+mn-ea"/>
+              </a:rPr>
+              <a:t>1.13 </a:t>
+            </a:r>
+            <a:r>
+              <a:rPr lang="zh-CN" altLang="en-US">
+                <a:sym typeface="+mn-ea"/>
+              </a:rPr>
+              <a:t>安装</a:t>
+            </a:r>
+            <a:r>
+              <a:rPr lang="en-US" altLang="zh-CN">
+                <a:sym typeface="+mn-ea"/>
+              </a:rPr>
+              <a:t>Visual Studio Code</a:t>
+            </a:r>
+            <a:endParaRPr lang="zh-CN" altLang="en-US"/>
+          </a:p>
+        </p:txBody>
+      </p:sp>
+      <p:pic>
+        <p:nvPicPr>
+          <p:cNvPr id="4" name="图片 3"/>
+          <p:cNvPicPr>
+            <a:picLocks noChangeAspect="1"/>
+          </p:cNvPicPr>
+          <p:nvPr>
+            <p:custDataLst>
+              <p:tags r:id="rId1"/>
+            </p:custDataLst>
+          </p:nvPr>
+        </p:nvPicPr>
+        <p:blipFill>
+          <a:blip r:embed="rId2"/>
+          <a:stretch>
+            <a:fillRect/>
+          </a:stretch>
+        </p:blipFill>
+        <p:spPr>
+          <a:xfrm>
+            <a:off x="1403985" y="3141345"/>
+            <a:ext cx="4020820" cy="3289300"/>
+          </a:xfrm>
+          <a:prstGeom prst="rect">
+            <a:avLst/>
+          </a:prstGeom>
+        </p:spPr>
+      </p:pic>
+    </p:spTree>
+  </p:cSld>
+  <p:clrMapOvr>
+    <a:masterClrMapping/>
+  </p:clrMapOvr>
+</p:sld>
+</file>
+
+<file path=ppt/slides/slide102.xml><?xml version="1.0" encoding="utf-8"?>
+<p:sld xmlns:a="http://schemas.openxmlformats.org/drawingml/2006/main" xmlns:r="http://schemas.openxmlformats.org/officeDocument/2006/relationships" xmlns:p="http://schemas.openxmlformats.org/presentationml/2006/main">
+  <p:cSld>
+    <p:spTree>
+      <p:nvGrpSpPr>
+        <p:cNvPr id="1" name=""/>
+        <p:cNvGrpSpPr/>
+        <p:nvPr/>
+      </p:nvGrpSpPr>
+      <p:grpSpPr/>
+      <p:sp>
+        <p:nvSpPr>
+          <p:cNvPr id="2" name="内容占位符 1"/>
+          <p:cNvSpPr>
+            <a:spLocks noGrp="1"/>
+          </p:cNvSpPr>
+          <p:nvPr>
+            <p:ph idx="1"/>
+          </p:nvPr>
+        </p:nvSpPr>
+        <p:spPr>
+          <a:xfrm>
+            <a:off x="871855" y="2675255"/>
             <a:ext cx="7408545" cy="539750"/>
           </a:xfrm>
         </p:spPr>
@@ -14764,7 +15052,7 @@
 </p:sld>
 </file>
 
-<file path=ppt/slides/slide101.xml><?xml version="1.0" encoding="utf-8"?>
+<file path=ppt/slides/slide103.xml><?xml version="1.0" encoding="utf-8"?>
 <p:sld xmlns:a="http://schemas.openxmlformats.org/drawingml/2006/main" xmlns:r="http://schemas.openxmlformats.org/officeDocument/2006/relationships" xmlns:p="http://schemas.openxmlformats.org/presentationml/2006/main">
   <p:cSld>
     <p:spTree>
@@ -14917,7 +15205,7 @@
 </p:sld>
 </file>
 
-<file path=ppt/slides/slide102.xml><?xml version="1.0" encoding="utf-8"?>
+<file path=ppt/slides/slide104.xml><?xml version="1.0" encoding="utf-8"?>
 <p:sld xmlns:a="http://schemas.openxmlformats.org/drawingml/2006/main" xmlns:r="http://schemas.openxmlformats.org/officeDocument/2006/relationships" xmlns:p="http://schemas.openxmlformats.org/presentationml/2006/main">
   <p:cSld>
     <p:spTree>
@@ -15046,7 +15334,7 @@
 </p:sld>
 </file>
 
-<file path=ppt/slides/slide103.xml><?xml version="1.0" encoding="utf-8"?>
+<file path=ppt/slides/slide105.xml><?xml version="1.0" encoding="utf-8"?>
 <p:sld xmlns:a="http://schemas.openxmlformats.org/drawingml/2006/main" xmlns:r="http://schemas.openxmlformats.org/officeDocument/2006/relationships" xmlns:p="http://schemas.openxmlformats.org/presentationml/2006/main">
   <p:cSld>
     <p:spTree>
@@ -15175,7 +15463,7 @@
 </p:sld>
 </file>
 
-<file path=ppt/slides/slide104.xml><?xml version="1.0" encoding="utf-8"?>
+<file path=ppt/slides/slide106.xml><?xml version="1.0" encoding="utf-8"?>
 <p:sld xmlns:a="http://schemas.openxmlformats.org/drawingml/2006/main" xmlns:r="http://schemas.openxmlformats.org/officeDocument/2006/relationships" xmlns:p="http://schemas.openxmlformats.org/presentationml/2006/main">
   <p:cSld>
     <p:spTree>
@@ -15292,7 +15580,7 @@
 </p:sld>
 </file>
 
-<file path=ppt/slides/slide105.xml><?xml version="1.0" encoding="utf-8"?>
+<file path=ppt/slides/slide107.xml><?xml version="1.0" encoding="utf-8"?>
 <p:sld xmlns:a="http://schemas.openxmlformats.org/drawingml/2006/main" xmlns:r="http://schemas.openxmlformats.org/officeDocument/2006/relationships" xmlns:p="http://schemas.openxmlformats.org/presentationml/2006/main">
   <p:cSld>
     <p:spTree>
@@ -15409,7 +15697,7 @@
 </p:sld>
 </file>
 
-<file path=ppt/slides/slide106.xml><?xml version="1.0" encoding="utf-8"?>
+<file path=ppt/slides/slide108.xml><?xml version="1.0" encoding="utf-8"?>
 <p:sld xmlns:a="http://schemas.openxmlformats.org/drawingml/2006/main" xmlns:r="http://schemas.openxmlformats.org/officeDocument/2006/relationships" xmlns:p="http://schemas.openxmlformats.org/presentationml/2006/main">
   <p:cSld>
     <p:spTree>
@@ -15491,7 +15779,7 @@
 </p:sld>
 </file>
 
-<file path=ppt/slides/slide107.xml><?xml version="1.0" encoding="utf-8"?>
+<file path=ppt/slides/slide109.xml><?xml version="1.0" encoding="utf-8"?>
 <p:sld xmlns:a="http://schemas.openxmlformats.org/drawingml/2006/main" xmlns:r="http://schemas.openxmlformats.org/officeDocument/2006/relationships" xmlns:p="http://schemas.openxmlformats.org/presentationml/2006/main">
   <p:cSld>
     <p:spTree>
@@ -15525,7 +15813,7 @@
               <a:rPr lang="en-US" altLang="zh-CN">
                 <a:sym typeface="+mn-ea"/>
               </a:rPr>
-              <a:t>“d:\yjcpp22”</a:t>
+              <a:t>“d:\yjcpp218”</a:t>
             </a:r>
             <a:r>
               <a:rPr lang="zh-CN" altLang="en-US">
@@ -15579,339 +15867,6 @@
           </a:p>
         </p:txBody>
       </p:sp>
-    </p:spTree>
-  </p:cSld>
-  <p:clrMapOvr>
-    <a:masterClrMapping/>
-  </p:clrMapOvr>
-</p:sld>
-</file>
-
-<file path=ppt/slides/slide108.xml><?xml version="1.0" encoding="utf-8"?>
-<p:sld xmlns:a="http://schemas.openxmlformats.org/drawingml/2006/main" xmlns:r="http://schemas.openxmlformats.org/officeDocument/2006/relationships" xmlns:p="http://schemas.openxmlformats.org/presentationml/2006/main">
-  <p:cSld>
-    <p:spTree>
-      <p:nvGrpSpPr>
-        <p:cNvPr id="1" name=""/>
-        <p:cNvGrpSpPr/>
-        <p:nvPr/>
-      </p:nvGrpSpPr>
-      <p:grpSpPr/>
-      <p:sp>
-        <p:nvSpPr>
-          <p:cNvPr id="2" name="内容占位符 1"/>
-          <p:cNvSpPr>
-            <a:spLocks noGrp="1"/>
-          </p:cNvSpPr>
-          <p:nvPr>
-            <p:ph idx="1"/>
-          </p:nvPr>
-        </p:nvSpPr>
-        <p:spPr>
-          <a:xfrm>
-            <a:off x="871855" y="2675255"/>
-            <a:ext cx="7408545" cy="893445"/>
-          </a:xfrm>
-        </p:spPr>
-        <p:txBody>
-          <a:bodyPr/>
-          <a:p>
-            <a:r>
-              <a:rPr lang="zh-CN" altLang="en-US">
-                <a:sym typeface="+mn-ea"/>
-              </a:rPr>
-              <a:t>点击左下角的</a:t>
-            </a:r>
-            <a:r>
-              <a:rPr lang="en-US" altLang="zh-CN">
-                <a:sym typeface="+mn-ea"/>
-              </a:rPr>
-              <a:t>“</a:t>
-            </a:r>
-            <a:r>
-              <a:rPr lang="zh-CN" altLang="en-US">
-                <a:sym typeface="+mn-ea"/>
-              </a:rPr>
-              <a:t>管理</a:t>
-            </a:r>
-            <a:r>
-              <a:rPr lang="en-US" altLang="zh-CN">
-                <a:sym typeface="+mn-ea"/>
-              </a:rPr>
-              <a:t>” - “</a:t>
-            </a:r>
-            <a:r>
-              <a:rPr lang="zh-CN" altLang="en-US">
-                <a:sym typeface="+mn-ea"/>
-              </a:rPr>
-              <a:t>颜色主题</a:t>
-            </a:r>
-            <a:r>
-              <a:rPr lang="en-US" altLang="zh-CN">
-                <a:sym typeface="+mn-ea"/>
-              </a:rPr>
-              <a:t>”</a:t>
-            </a:r>
-            <a:r>
-              <a:rPr lang="zh-CN" altLang="en-US">
-                <a:sym typeface="+mn-ea"/>
-              </a:rPr>
-              <a:t>，可以将颜色主题修改为浅色</a:t>
-            </a:r>
-            <a:endParaRPr lang="zh-CN" altLang="en-US"/>
-          </a:p>
-        </p:txBody>
-      </p:sp>
-      <p:sp>
-        <p:nvSpPr>
-          <p:cNvPr id="3" name="标题 2"/>
-          <p:cNvSpPr>
-            <a:spLocks noGrp="1"/>
-          </p:cNvSpPr>
-          <p:nvPr>
-            <p:ph type="title"/>
-          </p:nvPr>
-        </p:nvSpPr>
-        <p:spPr/>
-        <p:txBody>
-          <a:bodyPr/>
-          <a:p>
-            <a:r>
-              <a:rPr lang="en-US" altLang="zh-CN">
-                <a:sym typeface="+mn-ea"/>
-              </a:rPr>
-              <a:t>1.13 </a:t>
-            </a:r>
-            <a:r>
-              <a:rPr lang="zh-CN" altLang="en-US">
-                <a:sym typeface="+mn-ea"/>
-              </a:rPr>
-              <a:t>安装</a:t>
-            </a:r>
-            <a:r>
-              <a:rPr lang="en-US" altLang="zh-CN">
-                <a:sym typeface="+mn-ea"/>
-              </a:rPr>
-              <a:t>Visual Studio Code</a:t>
-            </a:r>
-            <a:endParaRPr lang="zh-CN" altLang="en-US"/>
-          </a:p>
-        </p:txBody>
-      </p:sp>
-      <p:pic>
-        <p:nvPicPr>
-          <p:cNvPr id="5" name="图片 4"/>
-          <p:cNvPicPr>
-            <a:picLocks noChangeAspect="1"/>
-          </p:cNvPicPr>
-          <p:nvPr>
-            <p:custDataLst>
-              <p:tags r:id="rId1"/>
-            </p:custDataLst>
-          </p:nvPr>
-        </p:nvPicPr>
-        <p:blipFill>
-          <a:blip r:embed="rId2"/>
-          <a:stretch>
-            <a:fillRect/>
-          </a:stretch>
-        </p:blipFill>
-        <p:spPr>
-          <a:xfrm>
-            <a:off x="1259840" y="3501390"/>
-            <a:ext cx="6301740" cy="3318510"/>
-          </a:xfrm>
-          <a:prstGeom prst="rect">
-            <a:avLst/>
-          </a:prstGeom>
-        </p:spPr>
-      </p:pic>
-    </p:spTree>
-  </p:cSld>
-  <p:clrMapOvr>
-    <a:masterClrMapping/>
-  </p:clrMapOvr>
-</p:sld>
-</file>
-
-<file path=ppt/slides/slide109.xml><?xml version="1.0" encoding="utf-8"?>
-<p:sld xmlns:a="http://schemas.openxmlformats.org/drawingml/2006/main" xmlns:r="http://schemas.openxmlformats.org/officeDocument/2006/relationships" xmlns:p="http://schemas.openxmlformats.org/presentationml/2006/main">
-  <p:cSld>
-    <p:spTree>
-      <p:nvGrpSpPr>
-        <p:cNvPr id="1" name=""/>
-        <p:cNvGrpSpPr/>
-        <p:nvPr/>
-      </p:nvGrpSpPr>
-      <p:grpSpPr/>
-      <p:sp>
-        <p:nvSpPr>
-          <p:cNvPr id="2" name="内容占位符 1"/>
-          <p:cNvSpPr>
-            <a:spLocks noGrp="1"/>
-          </p:cNvSpPr>
-          <p:nvPr>
-            <p:ph idx="1"/>
-          </p:nvPr>
-        </p:nvSpPr>
-        <p:spPr>
-          <a:xfrm>
-            <a:off x="871855" y="2675255"/>
-            <a:ext cx="7408545" cy="828675"/>
-          </a:xfrm>
-        </p:spPr>
-        <p:txBody>
-          <a:bodyPr>
-            <a:normAutofit lnSpcReduction="10000"/>
-          </a:bodyPr>
-          <a:p>
-            <a:r>
-              <a:rPr lang="zh-CN" altLang="en-US">
-                <a:sym typeface="+mn-ea"/>
-              </a:rPr>
-              <a:t>在打开的工作文件夹</a:t>
-            </a:r>
-            <a:r>
-              <a:rPr lang="en-US" altLang="zh-CN">
-                <a:sym typeface="+mn-ea"/>
-              </a:rPr>
-              <a:t>vscpp</a:t>
-            </a:r>
-            <a:r>
-              <a:rPr lang="zh-CN" altLang="en-US">
-                <a:sym typeface="+mn-ea"/>
-              </a:rPr>
-              <a:t>的旁边，点击</a:t>
-            </a:r>
-            <a:r>
-              <a:rPr lang="en-US" altLang="zh-CN">
-                <a:sym typeface="+mn-ea"/>
-              </a:rPr>
-              <a:t>“</a:t>
-            </a:r>
-            <a:r>
-              <a:rPr lang="zh-CN" altLang="en-US">
-                <a:sym typeface="+mn-ea"/>
-              </a:rPr>
-              <a:t>新建文件</a:t>
-            </a:r>
-            <a:r>
-              <a:rPr lang="en-US" altLang="zh-CN">
-                <a:sym typeface="+mn-ea"/>
-              </a:rPr>
-              <a:t>”</a:t>
-            </a:r>
-            <a:r>
-              <a:rPr lang="zh-CN" altLang="en-US">
-                <a:sym typeface="+mn-ea"/>
-              </a:rPr>
-              <a:t>按钮，创建一个</a:t>
-            </a:r>
-            <a:r>
-              <a:rPr lang="en-US" altLang="zh-CN">
-                <a:sym typeface="+mn-ea"/>
-              </a:rPr>
-              <a:t>hello.cpp</a:t>
-            </a:r>
-            <a:r>
-              <a:rPr lang="zh-CN" altLang="en-US">
-                <a:sym typeface="+mn-ea"/>
-              </a:rPr>
-              <a:t>文件</a:t>
-            </a:r>
-            <a:endParaRPr lang="zh-CN" altLang="en-US"/>
-          </a:p>
-        </p:txBody>
-      </p:sp>
-      <p:sp>
-        <p:nvSpPr>
-          <p:cNvPr id="3" name="标题 2"/>
-          <p:cNvSpPr>
-            <a:spLocks noGrp="1"/>
-          </p:cNvSpPr>
-          <p:nvPr>
-            <p:ph type="title"/>
-          </p:nvPr>
-        </p:nvSpPr>
-        <p:spPr/>
-        <p:txBody>
-          <a:bodyPr/>
-          <a:p>
-            <a:r>
-              <a:rPr lang="en-US" altLang="zh-CN">
-                <a:sym typeface="+mn-ea"/>
-              </a:rPr>
-              <a:t>1.13 </a:t>
-            </a:r>
-            <a:r>
-              <a:rPr lang="zh-CN" altLang="en-US">
-                <a:sym typeface="+mn-ea"/>
-              </a:rPr>
-              <a:t>安装</a:t>
-            </a:r>
-            <a:r>
-              <a:rPr lang="en-US" altLang="zh-CN">
-                <a:sym typeface="+mn-ea"/>
-              </a:rPr>
-              <a:t>Visual Studio Code</a:t>
-            </a:r>
-            <a:endParaRPr lang="zh-CN" altLang="en-US"/>
-          </a:p>
-        </p:txBody>
-      </p:sp>
-      <p:graphicFrame>
-        <p:nvGraphicFramePr>
-          <p:cNvPr id="6" name="对象 5"/>
-          <p:cNvGraphicFramePr/>
-          <p:nvPr>
-            <p:custDataLst>
-              <p:tags r:id="rId1"/>
-            </p:custDataLst>
-          </p:nvPr>
-        </p:nvGraphicFramePr>
-        <p:xfrm>
-          <a:off x="1259840" y="3789045"/>
-          <a:ext cx="4110355" cy="2226945"/>
-        </p:xfrm>
-        <a:graphic>
-          <a:graphicData uri="http://schemas.openxmlformats.org/presentationml/2006/ole">
-            <mc:AlternateContent xmlns:mc="http://schemas.openxmlformats.org/markup-compatibility/2006">
-              <mc:Choice xmlns:v="urn:schemas-microsoft-com:vml" Requires="v">
-                <p:oleObj spid="_x0000_s7" name="" r:id="rId2" imgW="4107180" imgH="2225040" progId="Paint.Picture">
-                  <p:embed/>
-                </p:oleObj>
-              </mc:Choice>
-              <mc:Fallback>
-                <p:oleObj name="" r:id="rId2" imgW="4107180" imgH="2225040" progId="Paint.Picture">
-                  <p:embed/>
-                  <p:pic>
-                    <p:nvPicPr>
-                      <p:cNvPr id="0" name="图片 6"/>
-                      <p:cNvPicPr/>
-                      <p:nvPr/>
-                    </p:nvPicPr>
-                    <p:blipFill>
-                      <a:blip r:embed="rId3"/>
-                      <a:stretch>
-                        <a:fillRect/>
-                      </a:stretch>
-                    </p:blipFill>
-                    <p:spPr>
-                      <a:xfrm>
-                        <a:off x="1259840" y="3789045"/>
-                        <a:ext cx="4110355" cy="2226945"/>
-                      </a:xfrm>
-                      <a:prstGeom prst="rect">
-                        <a:avLst/>
-                      </a:prstGeom>
-                    </p:spPr>
-                  </p:pic>
-                </p:oleObj>
-              </mc:Fallback>
-            </mc:AlternateContent>
-          </a:graphicData>
-        </a:graphic>
-      </p:graphicFrame>
     </p:spTree>
   </p:cSld>
   <p:clrMapOvr>
@@ -16059,91 +16014,56 @@
             <p:ph idx="1"/>
           </p:nvPr>
         </p:nvSpPr>
-        <p:spPr/>
+        <p:spPr>
+          <a:xfrm>
+            <a:off x="871855" y="2675255"/>
+            <a:ext cx="7408545" cy="893445"/>
+          </a:xfrm>
+        </p:spPr>
         <p:txBody>
-          <a:bodyPr>
-            <a:normAutofit lnSpcReduction="20000"/>
-          </a:bodyPr>
-          <a:p>
+          <a:bodyPr/>
+          <a:p>
+            <a:r>
+              <a:rPr lang="zh-CN" altLang="en-US">
+                <a:sym typeface="+mn-ea"/>
+              </a:rPr>
+              <a:t>点击左下角的</a:t>
+            </a:r>
             <a:r>
               <a:rPr lang="en-US" altLang="zh-CN">
                 <a:sym typeface="+mn-ea"/>
               </a:rPr>
-              <a:t>// helloWorld.cpp</a:t>
-            </a:r>
-            <a:endParaRPr lang="zh-CN" altLang="en-US">
-              <a:sym typeface="+mn-ea"/>
-            </a:endParaRPr>
-          </a:p>
-          <a:p>
-            <a:r>
-              <a:rPr lang="zh-CN" altLang="en-US">
-                <a:sym typeface="+mn-ea"/>
-              </a:rPr>
-              <a:t>#include&lt;iostream&gt;</a:t>
-            </a:r>
-            <a:endParaRPr lang="zh-CN" altLang="en-US"/>
-          </a:p>
-          <a:p>
-            <a:r>
-              <a:rPr lang="zh-CN" altLang="en-US">
-                <a:sym typeface="+mn-ea"/>
-              </a:rPr>
-              <a:t>using namespace std;</a:t>
-            </a:r>
-            <a:endParaRPr lang="zh-CN" altLang="en-US"/>
-          </a:p>
-          <a:p>
-            <a:endParaRPr lang="zh-CN" altLang="en-US"/>
-          </a:p>
-          <a:p>
-            <a:r>
-              <a:rPr lang="zh-CN" altLang="en-US">
-                <a:sym typeface="+mn-ea"/>
-              </a:rPr>
-              <a:t>int main()</a:t>
-            </a:r>
-            <a:endParaRPr lang="zh-CN" altLang="en-US"/>
-          </a:p>
-          <a:p>
-            <a:r>
-              <a:rPr lang="zh-CN" altLang="en-US">
-                <a:sym typeface="+mn-ea"/>
-              </a:rPr>
-              <a:t>{</a:t>
-            </a:r>
-            <a:endParaRPr lang="zh-CN" altLang="en-US"/>
-          </a:p>
-          <a:p>
-            <a:r>
-              <a:rPr lang="zh-CN" altLang="en-US">
-                <a:sym typeface="+mn-ea"/>
-              </a:rPr>
-              <a:t>    cout&lt;&lt;"Hello, the World!"&lt;&lt;endl;</a:t>
-            </a:r>
-            <a:endParaRPr lang="zh-CN" altLang="en-US"/>
-          </a:p>
-          <a:p>
-            <a:r>
-              <a:rPr lang="zh-CN" altLang="en-US">
-                <a:sym typeface="+mn-ea"/>
-              </a:rPr>
-              <a:t> </a:t>
+              <a:t>“</a:t>
+            </a:r>
+            <a:r>
+              <a:rPr lang="zh-CN" altLang="en-US">
+                <a:sym typeface="+mn-ea"/>
+              </a:rPr>
+              <a:t>管理</a:t>
             </a:r>
             <a:r>
               <a:rPr lang="en-US" altLang="zh-CN">
                 <a:sym typeface="+mn-ea"/>
               </a:rPr>
-              <a:t>   return 0;</a:t>
-            </a:r>
-            <a:endParaRPr lang="zh-CN" altLang="en-US"/>
-          </a:p>
-          <a:p>
-            <a:r>
-              <a:rPr lang="zh-CN" altLang="en-US">
-                <a:sym typeface="+mn-ea"/>
-              </a:rPr>
-              <a:t>}</a:t>
+              <a:t>” - “</a:t>
+            </a:r>
+            <a:r>
+              <a:rPr lang="zh-CN" altLang="en-US">
+                <a:sym typeface="+mn-ea"/>
+              </a:rPr>
+              <a:t>颜色主题</a:t>
+            </a:r>
+            <a:r>
+              <a:rPr lang="en-US" altLang="zh-CN">
+                <a:sym typeface="+mn-ea"/>
+              </a:rPr>
+              <a:t>”</a:t>
+            </a:r>
+            <a:r>
+              <a:rPr lang="zh-CN" altLang="en-US">
+                <a:sym typeface="+mn-ea"/>
+              </a:rPr>
+              <a:t>，可以将颜色主题修改为浅色</a:t>
             </a:r>
             <a:endParaRPr lang="zh-CN" altLang="en-US"/>
           </a:p>
@@ -16194,6 +16114,404 @@
 </file>
 
 <file path=ppt/slides/slide111.xml><?xml version="1.0" encoding="utf-8"?>
+<p:sld xmlns:a="http://schemas.openxmlformats.org/drawingml/2006/main" xmlns:r="http://schemas.openxmlformats.org/officeDocument/2006/relationships" xmlns:p="http://schemas.openxmlformats.org/presentationml/2006/main">
+  <p:cSld>
+    <p:spTree>
+      <p:nvGrpSpPr>
+        <p:cNvPr id="1" name=""/>
+        <p:cNvGrpSpPr/>
+        <p:nvPr/>
+      </p:nvGrpSpPr>
+      <p:grpSpPr/>
+      <p:sp>
+        <p:nvSpPr>
+          <p:cNvPr id="3" name="标题 2"/>
+          <p:cNvSpPr>
+            <a:spLocks noGrp="1"/>
+          </p:cNvSpPr>
+          <p:nvPr>
+            <p:ph type="title"/>
+          </p:nvPr>
+        </p:nvSpPr>
+        <p:spPr/>
+        <p:txBody>
+          <a:bodyPr/>
+          <a:p>
+            <a:r>
+              <a:rPr lang="en-US" altLang="zh-CN">
+                <a:sym typeface="+mn-ea"/>
+              </a:rPr>
+              <a:t>1.13 </a:t>
+            </a:r>
+            <a:r>
+              <a:rPr lang="zh-CN" altLang="en-US">
+                <a:sym typeface="+mn-ea"/>
+              </a:rPr>
+              <a:t>安装</a:t>
+            </a:r>
+            <a:r>
+              <a:rPr lang="en-US" altLang="zh-CN">
+                <a:sym typeface="+mn-ea"/>
+              </a:rPr>
+              <a:t>Visual Studio Code</a:t>
+            </a:r>
+            <a:endParaRPr lang="zh-CN" altLang="en-US"/>
+          </a:p>
+        </p:txBody>
+      </p:sp>
+      <p:pic>
+        <p:nvPicPr>
+          <p:cNvPr id="6" name="图片 5"/>
+          <p:cNvPicPr>
+            <a:picLocks noChangeAspect="1"/>
+          </p:cNvPicPr>
+          <p:nvPr>
+            <p:custDataLst>
+              <p:tags r:id="rId1"/>
+            </p:custDataLst>
+          </p:nvPr>
+        </p:nvPicPr>
+        <p:blipFill>
+          <a:blip r:embed="rId2"/>
+          <a:stretch>
+            <a:fillRect/>
+          </a:stretch>
+        </p:blipFill>
+        <p:spPr>
+          <a:xfrm>
+            <a:off x="1115695" y="2132965"/>
+            <a:ext cx="7083425" cy="4407535"/>
+          </a:xfrm>
+          <a:prstGeom prst="rect">
+            <a:avLst/>
+          </a:prstGeom>
+        </p:spPr>
+      </p:pic>
+    </p:spTree>
+  </p:cSld>
+  <p:clrMapOvr>
+    <a:masterClrMapping/>
+  </p:clrMapOvr>
+</p:sld>
+</file>
+
+<file path=ppt/slides/slide112.xml><?xml version="1.0" encoding="utf-8"?>
+<p:sld xmlns:a="http://schemas.openxmlformats.org/drawingml/2006/main" xmlns:r="http://schemas.openxmlformats.org/officeDocument/2006/relationships" xmlns:p="http://schemas.openxmlformats.org/presentationml/2006/main">
+  <p:cSld>
+    <p:spTree>
+      <p:nvGrpSpPr>
+        <p:cNvPr id="1" name=""/>
+        <p:cNvGrpSpPr/>
+        <p:nvPr/>
+      </p:nvGrpSpPr>
+      <p:grpSpPr/>
+      <p:sp>
+        <p:nvSpPr>
+          <p:cNvPr id="2" name="内容占位符 1"/>
+          <p:cNvSpPr>
+            <a:spLocks noGrp="1"/>
+          </p:cNvSpPr>
+          <p:nvPr>
+            <p:ph idx="1"/>
+          </p:nvPr>
+        </p:nvSpPr>
+        <p:spPr>
+          <a:xfrm>
+            <a:off x="871855" y="2675255"/>
+            <a:ext cx="7408545" cy="2048510"/>
+          </a:xfrm>
+        </p:spPr>
+        <p:txBody>
+          <a:bodyPr>
+            <a:normAutofit/>
+          </a:bodyPr>
+          <a:p>
+            <a:r>
+              <a:rPr lang="zh-CN" altLang="en-US">
+                <a:sym typeface="+mn-ea"/>
+              </a:rPr>
+              <a:t>在打开的工作文件夹</a:t>
+            </a:r>
+            <a:r>
+              <a:rPr lang="en-US" altLang="zh-CN">
+                <a:sym typeface="+mn-ea"/>
+              </a:rPr>
+              <a:t>vscpp</a:t>
+            </a:r>
+            <a:r>
+              <a:rPr lang="zh-CN" altLang="en-US">
+                <a:sym typeface="+mn-ea"/>
+              </a:rPr>
+              <a:t>的旁边，点击</a:t>
+            </a:r>
+            <a:r>
+              <a:rPr lang="en-US" altLang="zh-CN">
+                <a:sym typeface="+mn-ea"/>
+              </a:rPr>
+              <a:t>“</a:t>
+            </a:r>
+            <a:r>
+              <a:rPr lang="zh-CN" altLang="en-US">
+                <a:sym typeface="+mn-ea"/>
+              </a:rPr>
+              <a:t>新建文件</a:t>
+            </a:r>
+            <a:r>
+              <a:rPr lang="en-US" altLang="zh-CN">
+                <a:sym typeface="+mn-ea"/>
+              </a:rPr>
+              <a:t>”</a:t>
+            </a:r>
+            <a:r>
+              <a:rPr lang="zh-CN" altLang="en-US">
+                <a:sym typeface="+mn-ea"/>
+              </a:rPr>
+              <a:t>按钮，在文件名称</a:t>
+            </a:r>
+            <a:r>
+              <a:rPr lang="en-US" altLang="zh-CN">
+                <a:sym typeface="+mn-ea"/>
+              </a:rPr>
+              <a:t>yjcpp218</a:t>
+            </a:r>
+            <a:r>
+              <a:rPr lang="zh-CN" altLang="en-US">
+                <a:sym typeface="+mn-ea"/>
+              </a:rPr>
+              <a:t>旁边</a:t>
+            </a:r>
+            <a:endParaRPr lang="zh-CN" altLang="en-US">
+              <a:sym typeface="+mn-ea"/>
+            </a:endParaRPr>
+          </a:p>
+          <a:p>
+            <a:r>
+              <a:rPr lang="zh-CN" altLang="en-US">
+                <a:sym typeface="+mn-ea"/>
+              </a:rPr>
+              <a:t>创建一个</a:t>
+            </a:r>
+            <a:r>
+              <a:rPr lang="en-US" altLang="zh-CN">
+                <a:sym typeface="+mn-ea"/>
+              </a:rPr>
+              <a:t>hello</a:t>
+            </a:r>
+            <a:r>
+              <a:rPr lang="en-US" altLang="zh-CN">
+                <a:sym typeface="+mn-ea"/>
+              </a:rPr>
+              <a:t>World.cpp</a:t>
+            </a:r>
+            <a:r>
+              <a:rPr lang="zh-CN" altLang="en-US">
+                <a:sym typeface="+mn-ea"/>
+              </a:rPr>
+              <a:t>文件</a:t>
+            </a:r>
+            <a:endParaRPr lang="zh-CN" altLang="en-US"/>
+          </a:p>
+        </p:txBody>
+      </p:sp>
+      <p:sp>
+        <p:nvSpPr>
+          <p:cNvPr id="3" name="标题 2"/>
+          <p:cNvSpPr>
+            <a:spLocks noGrp="1"/>
+          </p:cNvSpPr>
+          <p:nvPr>
+            <p:ph type="title"/>
+          </p:nvPr>
+        </p:nvSpPr>
+        <p:spPr/>
+        <p:txBody>
+          <a:bodyPr/>
+          <a:p>
+            <a:r>
+              <a:rPr lang="en-US" altLang="zh-CN">
+                <a:sym typeface="+mn-ea"/>
+              </a:rPr>
+              <a:t>1.13 </a:t>
+            </a:r>
+            <a:r>
+              <a:rPr lang="zh-CN" altLang="en-US">
+                <a:sym typeface="+mn-ea"/>
+              </a:rPr>
+              <a:t>安装</a:t>
+            </a:r>
+            <a:r>
+              <a:rPr lang="en-US" altLang="zh-CN">
+                <a:sym typeface="+mn-ea"/>
+              </a:rPr>
+              <a:t>Visual Studio Code</a:t>
+            </a:r>
+            <a:endParaRPr lang="zh-CN" altLang="en-US"/>
+          </a:p>
+        </p:txBody>
+      </p:sp>
+    </p:spTree>
+  </p:cSld>
+  <p:clrMapOvr>
+    <a:masterClrMapping/>
+  </p:clrMapOvr>
+</p:sld>
+</file>
+
+<file path=ppt/slides/slide113.xml><?xml version="1.0" encoding="utf-8"?>
+<p:sld xmlns:a="http://schemas.openxmlformats.org/drawingml/2006/main" xmlns:r="http://schemas.openxmlformats.org/officeDocument/2006/relationships" xmlns:p="http://schemas.openxmlformats.org/presentationml/2006/main">
+  <p:cSld>
+    <p:spTree>
+      <p:nvGrpSpPr>
+        <p:cNvPr id="1" name=""/>
+        <p:cNvGrpSpPr/>
+        <p:nvPr/>
+      </p:nvGrpSpPr>
+      <p:grpSpPr/>
+      <p:sp>
+        <p:nvSpPr>
+          <p:cNvPr id="2" name="内容占位符 1"/>
+          <p:cNvSpPr>
+            <a:spLocks noGrp="1"/>
+          </p:cNvSpPr>
+          <p:nvPr>
+            <p:ph idx="1"/>
+          </p:nvPr>
+        </p:nvSpPr>
+        <p:spPr/>
+        <p:txBody>
+          <a:bodyPr>
+            <a:normAutofit lnSpcReduction="20000"/>
+          </a:bodyPr>
+          <a:p>
+            <a:r>
+              <a:rPr lang="en-US" altLang="zh-CN">
+                <a:sym typeface="+mn-ea"/>
+              </a:rPr>
+              <a:t>// helloWorld.cpp</a:t>
+            </a:r>
+            <a:endParaRPr lang="zh-CN" altLang="en-US">
+              <a:sym typeface="+mn-ea"/>
+            </a:endParaRPr>
+          </a:p>
+          <a:p>
+            <a:r>
+              <a:rPr lang="zh-CN" altLang="en-US">
+                <a:sym typeface="+mn-ea"/>
+              </a:rPr>
+              <a:t>#include&lt;iostream&gt;</a:t>
+            </a:r>
+            <a:endParaRPr lang="zh-CN" altLang="en-US"/>
+          </a:p>
+          <a:p>
+            <a:r>
+              <a:rPr lang="zh-CN" altLang="en-US">
+                <a:sym typeface="+mn-ea"/>
+              </a:rPr>
+              <a:t>using namespace std;</a:t>
+            </a:r>
+            <a:endParaRPr lang="zh-CN" altLang="en-US"/>
+          </a:p>
+          <a:p>
+            <a:endParaRPr lang="zh-CN" altLang="en-US"/>
+          </a:p>
+          <a:p>
+            <a:r>
+              <a:rPr lang="zh-CN" altLang="en-US">
+                <a:sym typeface="+mn-ea"/>
+              </a:rPr>
+              <a:t>int main()</a:t>
+            </a:r>
+            <a:endParaRPr lang="zh-CN" altLang="en-US"/>
+          </a:p>
+          <a:p>
+            <a:r>
+              <a:rPr lang="zh-CN" altLang="en-US">
+                <a:sym typeface="+mn-ea"/>
+              </a:rPr>
+              <a:t>{</a:t>
+            </a:r>
+            <a:endParaRPr lang="zh-CN" altLang="en-US"/>
+          </a:p>
+          <a:p>
+            <a:r>
+              <a:rPr lang="zh-CN" altLang="en-US">
+                <a:sym typeface="+mn-ea"/>
+              </a:rPr>
+              <a:t>    cout&lt;&lt;"Hello, the World!"&lt;&lt;endl;</a:t>
+            </a:r>
+            <a:endParaRPr lang="zh-CN" altLang="en-US"/>
+          </a:p>
+          <a:p>
+            <a:r>
+              <a:rPr lang="zh-CN" altLang="en-US">
+                <a:sym typeface="+mn-ea"/>
+              </a:rPr>
+              <a:t> </a:t>
+            </a:r>
+            <a:r>
+              <a:rPr lang="en-US" altLang="zh-CN">
+                <a:sym typeface="+mn-ea"/>
+              </a:rPr>
+              <a:t>   return 0;</a:t>
+            </a:r>
+            <a:endParaRPr lang="zh-CN" altLang="en-US"/>
+          </a:p>
+          <a:p>
+            <a:r>
+              <a:rPr lang="zh-CN" altLang="en-US">
+                <a:sym typeface="+mn-ea"/>
+              </a:rPr>
+              <a:t>}</a:t>
+            </a:r>
+            <a:endParaRPr lang="zh-CN" altLang="en-US"/>
+          </a:p>
+        </p:txBody>
+      </p:sp>
+      <p:sp>
+        <p:nvSpPr>
+          <p:cNvPr id="3" name="标题 2"/>
+          <p:cNvSpPr>
+            <a:spLocks noGrp="1"/>
+          </p:cNvSpPr>
+          <p:nvPr>
+            <p:ph type="title"/>
+          </p:nvPr>
+        </p:nvSpPr>
+        <p:spPr/>
+        <p:txBody>
+          <a:bodyPr/>
+          <a:p>
+            <a:r>
+              <a:rPr lang="en-US" altLang="zh-CN">
+                <a:sym typeface="+mn-ea"/>
+              </a:rPr>
+              <a:t>1.13 </a:t>
+            </a:r>
+            <a:r>
+              <a:rPr lang="zh-CN" altLang="en-US">
+                <a:sym typeface="+mn-ea"/>
+              </a:rPr>
+              <a:t>安装</a:t>
+            </a:r>
+            <a:r>
+              <a:rPr lang="en-US" altLang="zh-CN">
+                <a:sym typeface="+mn-ea"/>
+              </a:rPr>
+              <a:t>Visual Studio Code</a:t>
+            </a:r>
+            <a:endParaRPr lang="zh-CN" altLang="en-US"/>
+          </a:p>
+        </p:txBody>
+      </p:sp>
+    </p:spTree>
+  </p:cSld>
+  <p:clrMapOvr>
+    <a:masterClrMapping/>
+  </p:clrMapOvr>
+</p:sld>
+</file>
+
+<file path=ppt/slides/slide114.xml><?xml version="1.0" encoding="utf-8"?>
 <p:sld xmlns:a="http://schemas.openxmlformats.org/drawingml/2006/main" xmlns:r="http://schemas.openxmlformats.org/officeDocument/2006/relationships" xmlns:p="http://schemas.openxmlformats.org/presentationml/2006/main">
   <p:cSld>
     <p:spTree>
@@ -16374,7 +16692,7 @@
 </p:sld>
 </file>
 
-<file path=ppt/slides/slide112.xml><?xml version="1.0" encoding="utf-8"?>
+<file path=ppt/slides/slide115.xml><?xml version="1.0" encoding="utf-8"?>
 <p:sld xmlns:a="http://schemas.openxmlformats.org/drawingml/2006/main" xmlns:r="http://schemas.openxmlformats.org/officeDocument/2006/relationships" xmlns:p="http://schemas.openxmlformats.org/presentationml/2006/main">
   <p:cSld>
     <p:spTree>
@@ -16528,7 +16846,7 @@
 </p:sld>
 </file>
 
-<file path=ppt/slides/slide113.xml><?xml version="1.0" encoding="utf-8"?>
+<file path=ppt/slides/slide116.xml><?xml version="1.0" encoding="utf-8"?>
 <p:sld xmlns:a="http://schemas.openxmlformats.org/drawingml/2006/main" xmlns:r="http://schemas.openxmlformats.org/officeDocument/2006/relationships" xmlns:p="http://schemas.openxmlformats.org/presentationml/2006/main">
   <p:cSld>
     <p:spTree>
@@ -16627,7 +16945,7 @@
 </p:sld>
 </file>
 
-<file path=ppt/slides/slide114.xml><?xml version="1.0" encoding="utf-8"?>
+<file path=ppt/slides/slide117.xml><?xml version="1.0" encoding="utf-8"?>
 <p:sld xmlns:a="http://schemas.openxmlformats.org/drawingml/2006/main" xmlns:r="http://schemas.openxmlformats.org/officeDocument/2006/relationships" xmlns:p="http://schemas.openxmlformats.org/presentationml/2006/main">
   <p:cSld>
     <p:spTree>
@@ -16734,7 +17052,7 @@
 </p:sld>
 </file>
 
-<file path=ppt/slides/slide115.xml><?xml version="1.0" encoding="utf-8"?>
+<file path=ppt/slides/slide118.xml><?xml version="1.0" encoding="utf-8"?>
 <p:sld xmlns:a="http://schemas.openxmlformats.org/drawingml/2006/main" xmlns:r="http://schemas.openxmlformats.org/officeDocument/2006/relationships" xmlns:p="http://schemas.openxmlformats.org/presentationml/2006/main">
   <p:cSld>
     <p:spTree>
@@ -16898,461 +17216,6 @@
               </a:rPr>
               <a:t>c++20</a:t>
             </a:r>
-            <a:endParaRPr lang="zh-CN" altLang="en-US"/>
-          </a:p>
-        </p:txBody>
-      </p:sp>
-      <p:sp>
-        <p:nvSpPr>
-          <p:cNvPr id="3" name="标题 2"/>
-          <p:cNvSpPr>
-            <a:spLocks noGrp="1"/>
-          </p:cNvSpPr>
-          <p:nvPr>
-            <p:ph type="title"/>
-          </p:nvPr>
-        </p:nvSpPr>
-        <p:spPr/>
-        <p:txBody>
-          <a:bodyPr/>
-          <a:p>
-            <a:r>
-              <a:rPr lang="en-US" altLang="zh-CN">
-                <a:sym typeface="+mn-ea"/>
-              </a:rPr>
-              <a:t>1.13 </a:t>
-            </a:r>
-            <a:r>
-              <a:rPr lang="zh-CN" altLang="en-US">
-                <a:sym typeface="+mn-ea"/>
-              </a:rPr>
-              <a:t>安装</a:t>
-            </a:r>
-            <a:r>
-              <a:rPr lang="en-US" altLang="zh-CN">
-                <a:sym typeface="+mn-ea"/>
-              </a:rPr>
-              <a:t>Visual Studio Code</a:t>
-            </a:r>
-            <a:endParaRPr lang="zh-CN" altLang="en-US"/>
-          </a:p>
-        </p:txBody>
-      </p:sp>
-    </p:spTree>
-  </p:cSld>
-  <p:clrMapOvr>
-    <a:masterClrMapping/>
-  </p:clrMapOvr>
-</p:sld>
-</file>
-
-<file path=ppt/slides/slide116.xml><?xml version="1.0" encoding="utf-8"?>
-<p:sld xmlns:a="http://schemas.openxmlformats.org/drawingml/2006/main" xmlns:r="http://schemas.openxmlformats.org/officeDocument/2006/relationships" xmlns:p="http://schemas.openxmlformats.org/presentationml/2006/main">
-  <p:cSld>
-    <p:spTree>
-      <p:nvGrpSpPr>
-        <p:cNvPr id="1" name=""/>
-        <p:cNvGrpSpPr/>
-        <p:nvPr/>
-      </p:nvGrpSpPr>
-      <p:grpSpPr/>
-      <p:sp>
-        <p:nvSpPr>
-          <p:cNvPr id="2" name="内容占位符 1"/>
-          <p:cNvSpPr>
-            <a:spLocks noGrp="1"/>
-          </p:cNvSpPr>
-          <p:nvPr>
-            <p:ph idx="1"/>
-          </p:nvPr>
-        </p:nvSpPr>
-        <p:spPr/>
-        <p:txBody>
-          <a:bodyPr/>
-          <a:p>
-            <a:r>
-              <a:rPr lang="zh-CN" altLang="en-US">
-                <a:sym typeface="+mn-ea"/>
-              </a:rPr>
-              <a:t>此时会在</a:t>
-            </a:r>
-            <a:r>
-              <a:rPr lang="en-US" altLang="zh-CN">
-                <a:sym typeface="+mn-ea"/>
-              </a:rPr>
-              <a:t>vscpp</a:t>
-            </a:r>
-            <a:r>
-              <a:rPr lang="zh-CN" altLang="en-US">
-                <a:sym typeface="+mn-ea"/>
-              </a:rPr>
-              <a:t>目录中生成一个</a:t>
-            </a:r>
-            <a:r>
-              <a:rPr lang="en-US" altLang="zh-CN">
-                <a:sym typeface="+mn-ea"/>
-              </a:rPr>
-              <a:t>.vscode</a:t>
-            </a:r>
-            <a:r>
-              <a:rPr lang="zh-CN" altLang="en-US">
-                <a:sym typeface="+mn-ea"/>
-              </a:rPr>
-              <a:t>文件夹，里面有一个c_cpp_properties.json文件</a:t>
-            </a:r>
-            <a:endParaRPr lang="zh-CN" altLang="en-US"/>
-          </a:p>
-        </p:txBody>
-      </p:sp>
-      <p:sp>
-        <p:nvSpPr>
-          <p:cNvPr id="3" name="标题 2"/>
-          <p:cNvSpPr>
-            <a:spLocks noGrp="1"/>
-          </p:cNvSpPr>
-          <p:nvPr>
-            <p:ph type="title"/>
-          </p:nvPr>
-        </p:nvSpPr>
-        <p:spPr/>
-        <p:txBody>
-          <a:bodyPr/>
-          <a:p>
-            <a:r>
-              <a:rPr lang="en-US" altLang="zh-CN">
-                <a:sym typeface="+mn-ea"/>
-              </a:rPr>
-              <a:t>1.13 </a:t>
-            </a:r>
-            <a:r>
-              <a:rPr lang="zh-CN" altLang="en-US">
-                <a:sym typeface="+mn-ea"/>
-              </a:rPr>
-              <a:t>安装</a:t>
-            </a:r>
-            <a:r>
-              <a:rPr lang="en-US" altLang="zh-CN">
-                <a:sym typeface="+mn-ea"/>
-              </a:rPr>
-              <a:t>Visual Studio Code</a:t>
-            </a:r>
-            <a:endParaRPr lang="zh-CN" altLang="en-US"/>
-          </a:p>
-        </p:txBody>
-      </p:sp>
-    </p:spTree>
-  </p:cSld>
-  <p:clrMapOvr>
-    <a:masterClrMapping/>
-  </p:clrMapOvr>
-</p:sld>
-</file>
-
-<file path=ppt/slides/slide117.xml><?xml version="1.0" encoding="utf-8"?>
-<p:sld xmlns:a="http://schemas.openxmlformats.org/drawingml/2006/main" xmlns:r="http://schemas.openxmlformats.org/officeDocument/2006/relationships" xmlns:p="http://schemas.openxmlformats.org/presentationml/2006/main">
-  <p:cSld>
-    <p:spTree>
-      <p:nvGrpSpPr>
-        <p:cNvPr id="1" name=""/>
-        <p:cNvGrpSpPr/>
-        <p:nvPr/>
-      </p:nvGrpSpPr>
-      <p:grpSpPr/>
-      <p:sp>
-        <p:nvSpPr>
-          <p:cNvPr id="2" name="内容占位符 1"/>
-          <p:cNvSpPr>
-            <a:spLocks noGrp="1"/>
-          </p:cNvSpPr>
-          <p:nvPr>
-            <p:ph idx="1"/>
-          </p:nvPr>
-        </p:nvSpPr>
-        <p:spPr/>
-        <p:txBody>
-          <a:bodyPr>
-            <a:normAutofit fontScale="60000"/>
-          </a:bodyPr>
-          <a:p>
-            <a:r>
-              <a:rPr lang="zh-CN" altLang="en-US"/>
-              <a:t>{</a:t>
-            </a:r>
-            <a:endParaRPr lang="zh-CN" altLang="en-US"/>
-          </a:p>
-          <a:p>
-            <a:r>
-              <a:rPr lang="zh-CN" altLang="en-US"/>
-              <a:t>    "configurations": [</a:t>
-            </a:r>
-            <a:endParaRPr lang="zh-CN" altLang="en-US"/>
-          </a:p>
-          <a:p>
-            <a:r>
-              <a:rPr lang="zh-CN" altLang="en-US"/>
-              <a:t>        {</a:t>
-            </a:r>
-            <a:endParaRPr lang="zh-CN" altLang="en-US"/>
-          </a:p>
-          <a:p>
-            <a:r>
-              <a:rPr lang="zh-CN" altLang="en-US"/>
-              <a:t>            "name": "Win32",</a:t>
-            </a:r>
-            <a:endParaRPr lang="zh-CN" altLang="en-US"/>
-          </a:p>
-          <a:p>
-            <a:r>
-              <a:rPr lang="zh-CN" altLang="en-US"/>
-              <a:t>            "includePath": [</a:t>
-            </a:r>
-            <a:endParaRPr lang="zh-CN" altLang="en-US"/>
-          </a:p>
-          <a:p>
-            <a:r>
-              <a:rPr lang="zh-CN" altLang="en-US"/>
-              <a:t>                "${workspaceFolder}/**",</a:t>
-            </a:r>
-            <a:endParaRPr lang="zh-CN" altLang="en-US"/>
-          </a:p>
-          <a:p>
-            <a:r>
-              <a:rPr lang="zh-CN" altLang="en-US"/>
-              <a:t>                "D:\\vcpkg\\installed\\x64-windows\\include"</a:t>
-            </a:r>
-            <a:endParaRPr lang="zh-CN" altLang="en-US"/>
-          </a:p>
-          <a:p>
-            <a:r>
-              <a:rPr lang="zh-CN" altLang="en-US"/>
-              <a:t>            ],</a:t>
-            </a:r>
-            <a:endParaRPr lang="zh-CN" altLang="en-US"/>
-          </a:p>
-          <a:p>
-            <a:r>
-              <a:rPr lang="zh-CN" altLang="en-US"/>
-              <a:t>            "defines": [</a:t>
-            </a:r>
-            <a:endParaRPr lang="zh-CN" altLang="en-US"/>
-          </a:p>
-          <a:p>
-            <a:r>
-              <a:rPr lang="zh-CN" altLang="en-US"/>
-              <a:t>                "_DEBUG",</a:t>
-            </a:r>
-            <a:endParaRPr lang="zh-CN" altLang="en-US"/>
-          </a:p>
-          <a:p>
-            <a:r>
-              <a:rPr lang="zh-CN" altLang="en-US"/>
-              <a:t>                "UNICODE",</a:t>
-            </a:r>
-            <a:endParaRPr lang="zh-CN" altLang="en-US"/>
-          </a:p>
-          <a:p>
-            <a:r>
-              <a:rPr lang="zh-CN" altLang="en-US"/>
-              <a:t>                "_UNICODE"</a:t>
-            </a:r>
-            <a:endParaRPr lang="zh-CN" altLang="en-US"/>
-          </a:p>
-          <a:p>
-            <a:r>
-              <a:rPr lang="zh-CN" altLang="en-US"/>
-              <a:t>            ],</a:t>
-            </a:r>
-            <a:endParaRPr lang="zh-CN" altLang="en-US"/>
-          </a:p>
-        </p:txBody>
-      </p:sp>
-      <p:sp>
-        <p:nvSpPr>
-          <p:cNvPr id="3" name="标题 2"/>
-          <p:cNvSpPr>
-            <a:spLocks noGrp="1"/>
-          </p:cNvSpPr>
-          <p:nvPr>
-            <p:ph type="title"/>
-          </p:nvPr>
-        </p:nvSpPr>
-        <p:spPr/>
-        <p:txBody>
-          <a:bodyPr/>
-          <a:p>
-            <a:r>
-              <a:rPr lang="en-US" altLang="zh-CN">
-                <a:sym typeface="+mn-ea"/>
-              </a:rPr>
-              <a:t>1.13 </a:t>
-            </a:r>
-            <a:r>
-              <a:rPr lang="zh-CN" altLang="en-US">
-                <a:sym typeface="+mn-ea"/>
-              </a:rPr>
-              <a:t>安装</a:t>
-            </a:r>
-            <a:r>
-              <a:rPr lang="en-US" altLang="zh-CN">
-                <a:sym typeface="+mn-ea"/>
-              </a:rPr>
-              <a:t>Visual Studio Code</a:t>
-            </a:r>
-            <a:endParaRPr lang="zh-CN" altLang="en-US"/>
-          </a:p>
-        </p:txBody>
-      </p:sp>
-    </p:spTree>
-  </p:cSld>
-  <p:clrMapOvr>
-    <a:masterClrMapping/>
-  </p:clrMapOvr>
-</p:sld>
-</file>
-
-<file path=ppt/slides/slide118.xml><?xml version="1.0" encoding="utf-8"?>
-<p:sld xmlns:a="http://schemas.openxmlformats.org/drawingml/2006/main" xmlns:r="http://schemas.openxmlformats.org/officeDocument/2006/relationships" xmlns:p="http://schemas.openxmlformats.org/presentationml/2006/main">
-  <p:cSld>
-    <p:spTree>
-      <p:nvGrpSpPr>
-        <p:cNvPr id="1" name=""/>
-        <p:cNvGrpSpPr/>
-        <p:nvPr/>
-      </p:nvGrpSpPr>
-      <p:grpSpPr/>
-      <p:sp>
-        <p:nvSpPr>
-          <p:cNvPr id="2" name="内容占位符 1"/>
-          <p:cNvSpPr>
-            <a:spLocks noGrp="1"/>
-          </p:cNvSpPr>
-          <p:nvPr>
-            <p:ph idx="1"/>
-          </p:nvPr>
-        </p:nvSpPr>
-        <p:spPr/>
-        <p:txBody>
-          <a:bodyPr>
-            <a:normAutofit fontScale="60000"/>
-          </a:bodyPr>
-          <a:p>
-            <a:r>
-              <a:rPr lang="zh-CN" altLang="en-US">
-                <a:sym typeface="+mn-ea"/>
-              </a:rPr>
-              <a:t>            "windowsSdkVersion": "10.0.22000.0",</a:t>
-            </a:r>
-            <a:endParaRPr lang="zh-CN" altLang="en-US"/>
-          </a:p>
-          <a:p>
-            <a:r>
-              <a:rPr lang="zh-CN" altLang="en-US">
-                <a:sym typeface="+mn-ea"/>
-              </a:rPr>
-              <a:t>            "compilerPath": "D:/msys64/mingw64/bin/g++.exe",</a:t>
-            </a:r>
-            <a:endParaRPr lang="zh-CN" altLang="en-US"/>
-          </a:p>
-          <a:p>
-            <a:r>
-              <a:rPr lang="zh-CN" altLang="en-US">
-                <a:sym typeface="+mn-ea"/>
-              </a:rPr>
-              <a:t>            "cStandard": "c17",</a:t>
-            </a:r>
-            <a:endParaRPr lang="zh-CN" altLang="en-US"/>
-          </a:p>
-          <a:p>
-            <a:r>
-              <a:rPr lang="zh-CN" altLang="en-US">
-                <a:sym typeface="+mn-ea"/>
-              </a:rPr>
-              <a:t>            "cppStandard": "c++20",</a:t>
-            </a:r>
-            <a:endParaRPr lang="zh-CN" altLang="en-US"/>
-          </a:p>
-          <a:p>
-            <a:r>
-              <a:rPr lang="zh-CN" altLang="en-US">
-                <a:sym typeface="+mn-ea"/>
-              </a:rPr>
-              <a:t>            "intelliSenseMode": "windows-gcc-x64",</a:t>
-            </a:r>
-            <a:endParaRPr lang="zh-CN" altLang="en-US"/>
-          </a:p>
-          <a:p>
-            <a:r>
-              <a:rPr lang="zh-CN" altLang="en-US">
-                <a:sym typeface="+mn-ea"/>
-              </a:rPr>
-              <a:t>            "compilerArgs": [</a:t>
-            </a:r>
-            <a:endParaRPr lang="zh-CN" altLang="en-US"/>
-          </a:p>
-          <a:p>
-            <a:r>
-              <a:rPr lang="zh-CN" altLang="en-US">
-                <a:sym typeface="+mn-ea"/>
-              </a:rPr>
-              <a:t>                "-std=c++20",</a:t>
-            </a:r>
-            <a:endParaRPr lang="zh-CN" altLang="en-US"/>
-          </a:p>
-          <a:p>
-            <a:r>
-              <a:rPr lang="zh-CN" altLang="en-US">
-                <a:sym typeface="+mn-ea"/>
-              </a:rPr>
-              <a:t>                "-Mmodules"</a:t>
-            </a:r>
-            <a:endParaRPr lang="zh-CN" altLang="en-US"/>
-          </a:p>
-          <a:p>
-            <a:r>
-              <a:rPr lang="zh-CN" altLang="en-US">
-                <a:sym typeface="+mn-ea"/>
-              </a:rPr>
-              <a:t>            ]</a:t>
-            </a:r>
-            <a:endParaRPr lang="zh-CN" altLang="en-US"/>
-          </a:p>
-          <a:p>
-            <a:r>
-              <a:rPr lang="zh-CN" altLang="en-US">
-                <a:sym typeface="+mn-ea"/>
-              </a:rPr>
-              <a:t>        }</a:t>
-            </a:r>
-            <a:endParaRPr lang="zh-CN" altLang="en-US"/>
-          </a:p>
-          <a:p>
-            <a:r>
-              <a:rPr lang="zh-CN" altLang="en-US">
-                <a:sym typeface="+mn-ea"/>
-              </a:rPr>
-              <a:t>    ],</a:t>
-            </a:r>
-            <a:endParaRPr lang="zh-CN" altLang="en-US"/>
-          </a:p>
-          <a:p>
-            <a:r>
-              <a:rPr lang="zh-CN" altLang="en-US">
-                <a:sym typeface="+mn-ea"/>
-              </a:rPr>
-              <a:t>    "version": 4</a:t>
-            </a:r>
-            <a:endParaRPr lang="zh-CN" altLang="en-US"/>
-          </a:p>
-          <a:p>
-            <a:r>
-              <a:rPr lang="zh-CN" altLang="en-US">
-                <a:sym typeface="+mn-ea"/>
-              </a:rPr>
-              <a:t>}</a:t>
-            </a:r>
-            <a:endParaRPr lang="zh-CN" altLang="en-US"/>
-          </a:p>
-          <a:p>
             <a:endParaRPr lang="zh-CN" altLang="en-US"/>
           </a:p>
         </p:txBody>
@@ -17429,29 +17292,31 @@
               <a:rPr lang="zh-CN" altLang="en-US">
                 <a:sym typeface="+mn-ea"/>
               </a:rPr>
-              <a:t>创建一个tasks.json文件来告诉VS Code如何构建（编译）程序。</a:t>
-            </a:r>
-            <a:endParaRPr lang="zh-CN" altLang="en-US">
-              <a:sym typeface="+mn-ea"/>
-            </a:endParaRPr>
-          </a:p>
-          <a:p>
-            <a:r>
-              <a:rPr lang="zh-CN" altLang="en-US">
-                <a:sym typeface="+mn-ea"/>
-              </a:rPr>
-              <a:t>该任务将调用g++编译器基于源代码创建可执行文件。 </a:t>
-            </a:r>
-            <a:endParaRPr lang="zh-CN" altLang="en-US">
-              <a:sym typeface="+mn-ea"/>
-            </a:endParaRPr>
-          </a:p>
-          <a:p>
-            <a:r>
-              <a:rPr lang="zh-CN" altLang="en-US">
-                <a:sym typeface="+mn-ea"/>
-              </a:rPr>
-              <a:t>按快捷键Ctrl+Shift+P调出命令面板，输入tasks，选择“Tasks:Configure Default Build Task”</a:t>
+              <a:t>此时会在</a:t>
+            </a:r>
+            <a:r>
+              <a:rPr lang="en-US" altLang="zh-CN">
+                <a:sym typeface="+mn-ea"/>
+              </a:rPr>
+              <a:t>vscpp</a:t>
+            </a:r>
+            <a:r>
+              <a:rPr lang="zh-CN" altLang="en-US">
+                <a:sym typeface="+mn-ea"/>
+              </a:rPr>
+              <a:t>目录中生成一个</a:t>
+            </a:r>
+            <a:r>
+              <a:rPr lang="en-US" altLang="zh-CN">
+                <a:sym typeface="+mn-ea"/>
+              </a:rPr>
+              <a:t>.vscode</a:t>
+            </a:r>
+            <a:r>
+              <a:rPr lang="zh-CN" altLang="en-US">
+                <a:sym typeface="+mn-ea"/>
+              </a:rPr>
+              <a:t>文件夹，里面有一个c_cpp_properties.json文件</a:t>
             </a:r>
             <a:endParaRPr lang="zh-CN" altLang="en-US"/>
           </a:p>
@@ -17618,6 +17483,459 @@
 </file>
 
 <file path=ppt/slides/slide120.xml><?xml version="1.0" encoding="utf-8"?>
+<p:sld xmlns:a="http://schemas.openxmlformats.org/drawingml/2006/main" xmlns:r="http://schemas.openxmlformats.org/officeDocument/2006/relationships" xmlns:p="http://schemas.openxmlformats.org/presentationml/2006/main">
+  <p:cSld>
+    <p:spTree>
+      <p:nvGrpSpPr>
+        <p:cNvPr id="1" name=""/>
+        <p:cNvGrpSpPr/>
+        <p:nvPr/>
+      </p:nvGrpSpPr>
+      <p:grpSpPr/>
+      <p:sp>
+        <p:nvSpPr>
+          <p:cNvPr id="2" name="内容占位符 1"/>
+          <p:cNvSpPr>
+            <a:spLocks noGrp="1"/>
+          </p:cNvSpPr>
+          <p:nvPr>
+            <p:ph idx="1"/>
+          </p:nvPr>
+        </p:nvSpPr>
+        <p:spPr/>
+        <p:txBody>
+          <a:bodyPr>
+            <a:normAutofit fontScale="60000"/>
+          </a:bodyPr>
+          <a:p>
+            <a:r>
+              <a:rPr lang="zh-CN" altLang="en-US"/>
+              <a:t>{</a:t>
+            </a:r>
+            <a:endParaRPr lang="zh-CN" altLang="en-US"/>
+          </a:p>
+          <a:p>
+            <a:r>
+              <a:rPr lang="zh-CN" altLang="en-US"/>
+              <a:t>    "configurations": [</a:t>
+            </a:r>
+            <a:endParaRPr lang="zh-CN" altLang="en-US"/>
+          </a:p>
+          <a:p>
+            <a:r>
+              <a:rPr lang="zh-CN" altLang="en-US"/>
+              <a:t>        {</a:t>
+            </a:r>
+            <a:endParaRPr lang="zh-CN" altLang="en-US"/>
+          </a:p>
+          <a:p>
+            <a:r>
+              <a:rPr lang="zh-CN" altLang="en-US"/>
+              <a:t>            "name": "Win32",</a:t>
+            </a:r>
+            <a:endParaRPr lang="zh-CN" altLang="en-US"/>
+          </a:p>
+          <a:p>
+            <a:r>
+              <a:rPr lang="zh-CN" altLang="en-US"/>
+              <a:t>            "includePath": [</a:t>
+            </a:r>
+            <a:endParaRPr lang="zh-CN" altLang="en-US"/>
+          </a:p>
+          <a:p>
+            <a:r>
+              <a:rPr lang="zh-CN" altLang="en-US"/>
+              <a:t>                "${workspaceFolder}/**",</a:t>
+            </a:r>
+            <a:endParaRPr lang="zh-CN" altLang="en-US"/>
+          </a:p>
+          <a:p>
+            <a:r>
+              <a:rPr lang="zh-CN" altLang="en-US"/>
+              <a:t>                "D:\\vcpkg\\installed\\x64-windows\\include"</a:t>
+            </a:r>
+            <a:endParaRPr lang="zh-CN" altLang="en-US"/>
+          </a:p>
+          <a:p>
+            <a:r>
+              <a:rPr lang="zh-CN" altLang="en-US"/>
+              <a:t>            ],</a:t>
+            </a:r>
+            <a:endParaRPr lang="zh-CN" altLang="en-US"/>
+          </a:p>
+          <a:p>
+            <a:r>
+              <a:rPr lang="zh-CN" altLang="en-US"/>
+              <a:t>            "defines": [</a:t>
+            </a:r>
+            <a:endParaRPr lang="zh-CN" altLang="en-US"/>
+          </a:p>
+          <a:p>
+            <a:r>
+              <a:rPr lang="zh-CN" altLang="en-US"/>
+              <a:t>                "_DEBUG",</a:t>
+            </a:r>
+            <a:endParaRPr lang="zh-CN" altLang="en-US"/>
+          </a:p>
+          <a:p>
+            <a:r>
+              <a:rPr lang="zh-CN" altLang="en-US"/>
+              <a:t>                "UNICODE",</a:t>
+            </a:r>
+            <a:endParaRPr lang="zh-CN" altLang="en-US"/>
+          </a:p>
+          <a:p>
+            <a:r>
+              <a:rPr lang="zh-CN" altLang="en-US"/>
+              <a:t>                "_UNICODE"</a:t>
+            </a:r>
+            <a:endParaRPr lang="zh-CN" altLang="en-US"/>
+          </a:p>
+          <a:p>
+            <a:r>
+              <a:rPr lang="zh-CN" altLang="en-US"/>
+              <a:t>            ],</a:t>
+            </a:r>
+            <a:endParaRPr lang="zh-CN" altLang="en-US"/>
+          </a:p>
+        </p:txBody>
+      </p:sp>
+      <p:sp>
+        <p:nvSpPr>
+          <p:cNvPr id="3" name="标题 2"/>
+          <p:cNvSpPr>
+            <a:spLocks noGrp="1"/>
+          </p:cNvSpPr>
+          <p:nvPr>
+            <p:ph type="title"/>
+          </p:nvPr>
+        </p:nvSpPr>
+        <p:spPr/>
+        <p:txBody>
+          <a:bodyPr/>
+          <a:p>
+            <a:r>
+              <a:rPr lang="en-US" altLang="zh-CN">
+                <a:sym typeface="+mn-ea"/>
+              </a:rPr>
+              <a:t>1.13 </a:t>
+            </a:r>
+            <a:r>
+              <a:rPr lang="zh-CN" altLang="en-US">
+                <a:sym typeface="+mn-ea"/>
+              </a:rPr>
+              <a:t>安装</a:t>
+            </a:r>
+            <a:r>
+              <a:rPr lang="en-US" altLang="zh-CN">
+                <a:sym typeface="+mn-ea"/>
+              </a:rPr>
+              <a:t>Visual Studio Code</a:t>
+            </a:r>
+            <a:endParaRPr lang="zh-CN" altLang="en-US"/>
+          </a:p>
+        </p:txBody>
+      </p:sp>
+    </p:spTree>
+  </p:cSld>
+  <p:clrMapOvr>
+    <a:masterClrMapping/>
+  </p:clrMapOvr>
+</p:sld>
+</file>
+
+<file path=ppt/slides/slide121.xml><?xml version="1.0" encoding="utf-8"?>
+<p:sld xmlns:a="http://schemas.openxmlformats.org/drawingml/2006/main" xmlns:r="http://schemas.openxmlformats.org/officeDocument/2006/relationships" xmlns:p="http://schemas.openxmlformats.org/presentationml/2006/main">
+  <p:cSld>
+    <p:spTree>
+      <p:nvGrpSpPr>
+        <p:cNvPr id="1" name=""/>
+        <p:cNvGrpSpPr/>
+        <p:nvPr/>
+      </p:nvGrpSpPr>
+      <p:grpSpPr/>
+      <p:sp>
+        <p:nvSpPr>
+          <p:cNvPr id="2" name="内容占位符 1"/>
+          <p:cNvSpPr>
+            <a:spLocks noGrp="1"/>
+          </p:cNvSpPr>
+          <p:nvPr>
+            <p:ph idx="1"/>
+          </p:nvPr>
+        </p:nvSpPr>
+        <p:spPr/>
+        <p:txBody>
+          <a:bodyPr>
+            <a:normAutofit fontScale="60000"/>
+          </a:bodyPr>
+          <a:p>
+            <a:r>
+              <a:rPr lang="zh-CN" altLang="en-US">
+                <a:sym typeface="+mn-ea"/>
+              </a:rPr>
+              <a:t>            "windowsSdkVersion": "10.0.22000.0",</a:t>
+            </a:r>
+            <a:endParaRPr lang="zh-CN" altLang="en-US"/>
+          </a:p>
+          <a:p>
+            <a:r>
+              <a:rPr lang="zh-CN" altLang="en-US">
+                <a:sym typeface="+mn-ea"/>
+              </a:rPr>
+              <a:t>            "compilerPath": "D:/msys64/mingw64/bin/g++.exe",</a:t>
+            </a:r>
+            <a:endParaRPr lang="zh-CN" altLang="en-US"/>
+          </a:p>
+          <a:p>
+            <a:r>
+              <a:rPr lang="zh-CN" altLang="en-US">
+                <a:sym typeface="+mn-ea"/>
+              </a:rPr>
+              <a:t>            "cStandard": "c17",</a:t>
+            </a:r>
+            <a:endParaRPr lang="zh-CN" altLang="en-US"/>
+          </a:p>
+          <a:p>
+            <a:r>
+              <a:rPr lang="zh-CN" altLang="en-US">
+                <a:sym typeface="+mn-ea"/>
+              </a:rPr>
+              <a:t>            "cppStandard": "c++20",</a:t>
+            </a:r>
+            <a:endParaRPr lang="zh-CN" altLang="en-US"/>
+          </a:p>
+          <a:p>
+            <a:r>
+              <a:rPr lang="zh-CN" altLang="en-US">
+                <a:sym typeface="+mn-ea"/>
+              </a:rPr>
+              <a:t>            "intelliSenseMode": "windows-gcc-x64",</a:t>
+            </a:r>
+            <a:endParaRPr lang="zh-CN" altLang="en-US"/>
+          </a:p>
+          <a:p>
+            <a:r>
+              <a:rPr lang="zh-CN" altLang="en-US">
+                <a:sym typeface="+mn-ea"/>
+              </a:rPr>
+              <a:t>            "compilerArgs": [</a:t>
+            </a:r>
+            <a:endParaRPr lang="zh-CN" altLang="en-US"/>
+          </a:p>
+          <a:p>
+            <a:r>
+              <a:rPr lang="zh-CN" altLang="en-US">
+                <a:sym typeface="+mn-ea"/>
+              </a:rPr>
+              <a:t>                "-std=c++20",</a:t>
+            </a:r>
+            <a:endParaRPr lang="zh-CN" altLang="en-US"/>
+          </a:p>
+          <a:p>
+            <a:r>
+              <a:rPr lang="zh-CN" altLang="en-US">
+                <a:sym typeface="+mn-ea"/>
+              </a:rPr>
+              <a:t>                "-Mmodules"</a:t>
+            </a:r>
+            <a:endParaRPr lang="zh-CN" altLang="en-US"/>
+          </a:p>
+          <a:p>
+            <a:r>
+              <a:rPr lang="zh-CN" altLang="en-US">
+                <a:sym typeface="+mn-ea"/>
+              </a:rPr>
+              <a:t>            ]</a:t>
+            </a:r>
+            <a:endParaRPr lang="zh-CN" altLang="en-US"/>
+          </a:p>
+          <a:p>
+            <a:r>
+              <a:rPr lang="zh-CN" altLang="en-US">
+                <a:sym typeface="+mn-ea"/>
+              </a:rPr>
+              <a:t>        }</a:t>
+            </a:r>
+            <a:endParaRPr lang="zh-CN" altLang="en-US"/>
+          </a:p>
+          <a:p>
+            <a:r>
+              <a:rPr lang="zh-CN" altLang="en-US">
+                <a:sym typeface="+mn-ea"/>
+              </a:rPr>
+              <a:t>    ],</a:t>
+            </a:r>
+            <a:endParaRPr lang="zh-CN" altLang="en-US"/>
+          </a:p>
+          <a:p>
+            <a:r>
+              <a:rPr lang="zh-CN" altLang="en-US">
+                <a:sym typeface="+mn-ea"/>
+              </a:rPr>
+              <a:t>    "version": 4</a:t>
+            </a:r>
+            <a:endParaRPr lang="zh-CN" altLang="en-US"/>
+          </a:p>
+          <a:p>
+            <a:r>
+              <a:rPr lang="zh-CN" altLang="en-US">
+                <a:sym typeface="+mn-ea"/>
+              </a:rPr>
+              <a:t>}</a:t>
+            </a:r>
+            <a:endParaRPr lang="zh-CN" altLang="en-US"/>
+          </a:p>
+          <a:p>
+            <a:endParaRPr lang="zh-CN" altLang="en-US"/>
+          </a:p>
+        </p:txBody>
+      </p:sp>
+      <p:sp>
+        <p:nvSpPr>
+          <p:cNvPr id="3" name="标题 2"/>
+          <p:cNvSpPr>
+            <a:spLocks noGrp="1"/>
+          </p:cNvSpPr>
+          <p:nvPr>
+            <p:ph type="title"/>
+          </p:nvPr>
+        </p:nvSpPr>
+        <p:spPr/>
+        <p:txBody>
+          <a:bodyPr/>
+          <a:p>
+            <a:r>
+              <a:rPr lang="en-US" altLang="zh-CN">
+                <a:sym typeface="+mn-ea"/>
+              </a:rPr>
+              <a:t>1.13 </a:t>
+            </a:r>
+            <a:r>
+              <a:rPr lang="zh-CN" altLang="en-US">
+                <a:sym typeface="+mn-ea"/>
+              </a:rPr>
+              <a:t>安装</a:t>
+            </a:r>
+            <a:r>
+              <a:rPr lang="en-US" altLang="zh-CN">
+                <a:sym typeface="+mn-ea"/>
+              </a:rPr>
+              <a:t>Visual Studio Code</a:t>
+            </a:r>
+            <a:endParaRPr lang="zh-CN" altLang="en-US"/>
+          </a:p>
+        </p:txBody>
+      </p:sp>
+    </p:spTree>
+  </p:cSld>
+  <p:clrMapOvr>
+    <a:masterClrMapping/>
+  </p:clrMapOvr>
+</p:sld>
+</file>
+
+<file path=ppt/slides/slide122.xml><?xml version="1.0" encoding="utf-8"?>
+<p:sld xmlns:a="http://schemas.openxmlformats.org/drawingml/2006/main" xmlns:r="http://schemas.openxmlformats.org/officeDocument/2006/relationships" xmlns:p="http://schemas.openxmlformats.org/presentationml/2006/main">
+  <p:cSld>
+    <p:spTree>
+      <p:nvGrpSpPr>
+        <p:cNvPr id="1" name=""/>
+        <p:cNvGrpSpPr/>
+        <p:nvPr/>
+      </p:nvGrpSpPr>
+      <p:grpSpPr/>
+      <p:sp>
+        <p:nvSpPr>
+          <p:cNvPr id="2" name="内容占位符 1"/>
+          <p:cNvSpPr>
+            <a:spLocks noGrp="1"/>
+          </p:cNvSpPr>
+          <p:nvPr>
+            <p:ph idx="1"/>
+          </p:nvPr>
+        </p:nvSpPr>
+        <p:spPr/>
+        <p:txBody>
+          <a:bodyPr/>
+          <a:p>
+            <a:r>
+              <a:rPr lang="zh-CN" altLang="en-US">
+                <a:sym typeface="+mn-ea"/>
+              </a:rPr>
+              <a:t>创建一个tasks.json文件来告诉VSCode如何构建（编译）程序。</a:t>
+            </a:r>
+            <a:endParaRPr lang="zh-CN" altLang="en-US">
+              <a:sym typeface="+mn-ea"/>
+            </a:endParaRPr>
+          </a:p>
+          <a:p>
+            <a:r>
+              <a:rPr lang="zh-CN" altLang="en-US">
+                <a:sym typeface="+mn-ea"/>
+              </a:rPr>
+              <a:t>该任务将调用g++编译器基于源代码创建可执行文件。 </a:t>
+            </a:r>
+            <a:endParaRPr lang="zh-CN" altLang="en-US">
+              <a:sym typeface="+mn-ea"/>
+            </a:endParaRPr>
+          </a:p>
+          <a:p>
+            <a:r>
+              <a:rPr lang="zh-CN" altLang="en-US">
+                <a:sym typeface="+mn-ea"/>
+              </a:rPr>
+              <a:t>按快捷键Ctrl+Shift+P调出命令面板，输入tasks，选择“Tasks:Configure Default Build Task”</a:t>
+            </a:r>
+            <a:endParaRPr lang="zh-CN" altLang="en-US"/>
+          </a:p>
+        </p:txBody>
+      </p:sp>
+      <p:sp>
+        <p:nvSpPr>
+          <p:cNvPr id="3" name="标题 2"/>
+          <p:cNvSpPr>
+            <a:spLocks noGrp="1"/>
+          </p:cNvSpPr>
+          <p:nvPr>
+            <p:ph type="title"/>
+          </p:nvPr>
+        </p:nvSpPr>
+        <p:spPr/>
+        <p:txBody>
+          <a:bodyPr/>
+          <a:p>
+            <a:r>
+              <a:rPr lang="en-US" altLang="zh-CN">
+                <a:sym typeface="+mn-ea"/>
+              </a:rPr>
+              <a:t>1.13 </a:t>
+            </a:r>
+            <a:r>
+              <a:rPr lang="zh-CN" altLang="en-US">
+                <a:sym typeface="+mn-ea"/>
+              </a:rPr>
+              <a:t>安装</a:t>
+            </a:r>
+            <a:r>
+              <a:rPr lang="en-US" altLang="zh-CN">
+                <a:sym typeface="+mn-ea"/>
+              </a:rPr>
+              <a:t>Visual Studio Code</a:t>
+            </a:r>
+            <a:endParaRPr lang="zh-CN" altLang="en-US"/>
+          </a:p>
+        </p:txBody>
+      </p:sp>
+    </p:spTree>
+  </p:cSld>
+  <p:clrMapOvr>
+    <a:masterClrMapping/>
+  </p:clrMapOvr>
+</p:sld>
+</file>
+
+<file path=ppt/slides/slide123.xml><?xml version="1.0" encoding="utf-8"?>
 <p:sld xmlns:a="http://schemas.openxmlformats.org/drawingml/2006/main" xmlns:r="http://schemas.openxmlformats.org/officeDocument/2006/relationships" xmlns:p="http://schemas.openxmlformats.org/presentationml/2006/main">
   <p:cSld>
     <p:spTree>
@@ -17724,7 +18042,7 @@
 </p:sld>
 </file>
 
-<file path=ppt/slides/slide121.xml><?xml version="1.0" encoding="utf-8"?>
+<file path=ppt/slides/slide124.xml><?xml version="1.0" encoding="utf-8"?>
 <p:sld xmlns:a="http://schemas.openxmlformats.org/drawingml/2006/main" xmlns:r="http://schemas.openxmlformats.org/officeDocument/2006/relationships" xmlns:p="http://schemas.openxmlformats.org/presentationml/2006/main">
   <p:cSld>
     <p:spTree>
@@ -17860,7 +18178,7 @@
 </p:sld>
 </file>
 
-<file path=ppt/slides/slide122.xml><?xml version="1.0" encoding="utf-8"?>
+<file path=ppt/slides/slide125.xml><?xml version="1.0" encoding="utf-8"?>
 <p:sld xmlns:a="http://schemas.openxmlformats.org/drawingml/2006/main" xmlns:r="http://schemas.openxmlformats.org/officeDocument/2006/relationships" xmlns:p="http://schemas.openxmlformats.org/presentationml/2006/main">
   <p:cSld>
     <p:spTree>
@@ -18008,7 +18326,7 @@
 </p:sld>
 </file>
 
-<file path=ppt/slides/slide123.xml><?xml version="1.0" encoding="utf-8"?>
+<file path=ppt/slides/slide126.xml><?xml version="1.0" encoding="utf-8"?>
 <p:sld xmlns:a="http://schemas.openxmlformats.org/drawingml/2006/main" xmlns:r="http://schemas.openxmlformats.org/officeDocument/2006/relationships" xmlns:p="http://schemas.openxmlformats.org/presentationml/2006/main">
   <p:cSld>
     <p:spTree>
@@ -18156,7 +18474,7 @@
 </p:sld>
 </file>
 
-<file path=ppt/slides/slide124.xml><?xml version="1.0" encoding="utf-8"?>
+<file path=ppt/slides/slide127.xml><?xml version="1.0" encoding="utf-8"?>
 <p:sld xmlns:a="http://schemas.openxmlformats.org/drawingml/2006/main" xmlns:r="http://schemas.openxmlformats.org/officeDocument/2006/relationships" xmlns:p="http://schemas.openxmlformats.org/presentationml/2006/main">
   <p:cSld>
     <p:spTree>
@@ -18325,7 +18643,7 @@
 </p:sld>
 </file>
 
-<file path=ppt/slides/slide125.xml><?xml version="1.0" encoding="utf-8"?>
+<file path=ppt/slides/slide128.xml><?xml version="1.0" encoding="utf-8"?>
 <p:sld xmlns:a="http://schemas.openxmlformats.org/drawingml/2006/main" xmlns:r="http://schemas.openxmlformats.org/officeDocument/2006/relationships" xmlns:p="http://schemas.openxmlformats.org/presentationml/2006/main">
   <p:cSld>
     <p:spTree>
@@ -18532,7 +18850,7 @@
 </p:sld>
 </file>
 
-<file path=ppt/slides/slide126.xml><?xml version="1.0" encoding="utf-8"?>
+<file path=ppt/slides/slide129.xml><?xml version="1.0" encoding="utf-8"?>
 <p:sld xmlns:a="http://schemas.openxmlformats.org/drawingml/2006/main" xmlns:r="http://schemas.openxmlformats.org/officeDocument/2006/relationships" xmlns:p="http://schemas.openxmlformats.org/presentationml/2006/main">
   <p:cSld>
     <p:spTree>
@@ -18660,381 +18978,6 @@
           </a:p>
         </p:txBody>
       </p:sp>
-    </p:spTree>
-  </p:cSld>
-  <p:clrMapOvr>
-    <a:masterClrMapping/>
-  </p:clrMapOvr>
-</p:sld>
-</file>
-
-<file path=ppt/slides/slide127.xml><?xml version="1.0" encoding="utf-8"?>
-<p:sld xmlns:a="http://schemas.openxmlformats.org/drawingml/2006/main" xmlns:r="http://schemas.openxmlformats.org/officeDocument/2006/relationships" xmlns:p="http://schemas.openxmlformats.org/presentationml/2006/main">
-  <p:cSld>
-    <p:spTree>
-      <p:nvGrpSpPr>
-        <p:cNvPr id="1" name=""/>
-        <p:cNvGrpSpPr/>
-        <p:nvPr/>
-      </p:nvGrpSpPr>
-      <p:grpSpPr/>
-      <p:sp>
-        <p:nvSpPr>
-          <p:cNvPr id="2" name="内容占位符 1"/>
-          <p:cNvSpPr>
-            <a:spLocks noGrp="1"/>
-          </p:cNvSpPr>
-          <p:nvPr>
-            <p:ph idx="1"/>
-          </p:nvPr>
-        </p:nvSpPr>
-        <p:spPr/>
-        <p:txBody>
-          <a:bodyPr/>
-          <a:p>
-            <a:r>
-              <a:rPr lang="en-US" altLang="zh-CN"/>
-              <a:t>Code Runner</a:t>
-            </a:r>
-            <a:r>
-              <a:rPr lang="zh-CN" altLang="en-US"/>
-              <a:t>是一个很好的工具，方便调试</a:t>
-            </a:r>
-            <a:r>
-              <a:rPr lang="zh-CN" altLang="en-US"/>
-              <a:t>运行</a:t>
-            </a:r>
-            <a:endParaRPr lang="zh-CN" altLang="en-US"/>
-          </a:p>
-          <a:p>
-            <a:r>
-              <a:rPr lang="zh-CN" altLang="en-US">
-                <a:sym typeface="+mn-ea"/>
-              </a:rPr>
-              <a:t>在左边扩展中安装好</a:t>
-            </a:r>
-            <a:r>
-              <a:rPr lang="en-US" altLang="zh-CN">
-                <a:sym typeface="+mn-ea"/>
-              </a:rPr>
-              <a:t>Code Runner</a:t>
-            </a:r>
-            <a:r>
-              <a:rPr lang="zh-CN" altLang="en-US">
-                <a:sym typeface="+mn-ea"/>
-              </a:rPr>
-              <a:t>插件</a:t>
-            </a:r>
-            <a:endParaRPr lang="zh-CN" altLang="en-US">
-              <a:sym typeface="+mn-ea"/>
-            </a:endParaRPr>
-          </a:p>
-          <a:p>
-            <a:r>
-              <a:rPr lang="zh-CN" altLang="en-US"/>
-              <a:t>如果遇到这种情况，点允许</a:t>
-            </a:r>
-            <a:r>
-              <a:rPr lang="zh-CN" altLang="en-US"/>
-              <a:t>即可</a:t>
-            </a:r>
-            <a:endParaRPr lang="zh-CN" altLang="en-US"/>
-          </a:p>
-        </p:txBody>
-      </p:sp>
-      <p:sp>
-        <p:nvSpPr>
-          <p:cNvPr id="3" name="标题 2"/>
-          <p:cNvSpPr>
-            <a:spLocks noGrp="1"/>
-          </p:cNvSpPr>
-          <p:nvPr>
-            <p:ph type="title"/>
-          </p:nvPr>
-        </p:nvSpPr>
-        <p:spPr/>
-        <p:txBody>
-          <a:bodyPr/>
-          <a:p>
-            <a:r>
-              <a:rPr lang="en-US" altLang="zh-CN">
-                <a:sym typeface="+mn-ea"/>
-              </a:rPr>
-              <a:t>1.14 </a:t>
-            </a:r>
-            <a:r>
-              <a:rPr lang="zh-CN" altLang="en-US">
-                <a:sym typeface="+mn-ea"/>
-              </a:rPr>
-              <a:t>安装</a:t>
-            </a:r>
-            <a:r>
-              <a:rPr lang="en-US" altLang="zh-CN">
-                <a:sym typeface="+mn-ea"/>
-              </a:rPr>
-              <a:t>Code Runner</a:t>
-            </a:r>
-            <a:endParaRPr lang="zh-CN" altLang="en-US"/>
-          </a:p>
-        </p:txBody>
-      </p:sp>
-      <p:pic>
-        <p:nvPicPr>
-          <p:cNvPr id="4" name="图片 3"/>
-          <p:cNvPicPr>
-            <a:picLocks noChangeAspect="1"/>
-          </p:cNvPicPr>
-          <p:nvPr>
-            <p:custDataLst>
-              <p:tags r:id="rId1"/>
-            </p:custDataLst>
-          </p:nvPr>
-        </p:nvPicPr>
-        <p:blipFill>
-          <a:blip r:embed="rId2"/>
-          <a:stretch>
-            <a:fillRect/>
-          </a:stretch>
-        </p:blipFill>
-        <p:spPr>
-          <a:xfrm>
-            <a:off x="1692275" y="4005580"/>
-            <a:ext cx="3565525" cy="2529205"/>
-          </a:xfrm>
-          <a:prstGeom prst="rect">
-            <a:avLst/>
-          </a:prstGeom>
-        </p:spPr>
-      </p:pic>
-    </p:spTree>
-  </p:cSld>
-  <p:clrMapOvr>
-    <a:masterClrMapping/>
-  </p:clrMapOvr>
-</p:sld>
-</file>
-
-<file path=ppt/slides/slide128.xml><?xml version="1.0" encoding="utf-8"?>
-<p:sld xmlns:a="http://schemas.openxmlformats.org/drawingml/2006/main" xmlns:r="http://schemas.openxmlformats.org/officeDocument/2006/relationships" xmlns:p="http://schemas.openxmlformats.org/presentationml/2006/main">
-  <p:cSld>
-    <p:spTree>
-      <p:nvGrpSpPr>
-        <p:cNvPr id="1" name=""/>
-        <p:cNvGrpSpPr/>
-        <p:nvPr/>
-      </p:nvGrpSpPr>
-      <p:grpSpPr/>
-      <p:sp>
-        <p:nvSpPr>
-          <p:cNvPr id="2" name="内容占位符 1"/>
-          <p:cNvSpPr>
-            <a:spLocks noGrp="1"/>
-          </p:cNvSpPr>
-          <p:nvPr>
-            <p:ph idx="1"/>
-          </p:nvPr>
-        </p:nvSpPr>
-        <p:spPr/>
-        <p:txBody>
-          <a:bodyPr/>
-          <a:p>
-            <a:r>
-              <a:rPr lang="zh-CN" altLang="en-US">
-                <a:sym typeface="+mn-ea"/>
-              </a:rPr>
-              <a:t>在设置中查找Code-runner: Run In Terminal</a:t>
-            </a:r>
-            <a:endParaRPr lang="zh-CN" altLang="en-US"/>
-          </a:p>
-          <a:p>
-            <a:r>
-              <a:rPr lang="zh-CN" altLang="en-US">
-                <a:sym typeface="+mn-ea"/>
-              </a:rPr>
-              <a:t>选中Whether to run code in Integrated Terminal</a:t>
-            </a:r>
-            <a:endParaRPr lang="zh-CN" altLang="en-US">
-              <a:sym typeface="+mn-ea"/>
-            </a:endParaRPr>
-          </a:p>
-          <a:p>
-            <a:r>
-              <a:rPr lang="zh-CN" altLang="en-US">
-                <a:sym typeface="+mn-ea"/>
-              </a:rPr>
-              <a:t>此后便可在集成环境的终端环境</a:t>
-            </a:r>
-            <a:r>
-              <a:rPr lang="zh-CN" altLang="en-US">
-                <a:sym typeface="+mn-ea"/>
-              </a:rPr>
-              <a:t>下调试运行</a:t>
-            </a:r>
-            <a:r>
-              <a:rPr lang="zh-CN" altLang="en-US">
-                <a:sym typeface="+mn-ea"/>
-              </a:rPr>
-              <a:t>程序</a:t>
-            </a:r>
-            <a:endParaRPr lang="zh-CN" altLang="en-US">
-              <a:sym typeface="+mn-ea"/>
-            </a:endParaRPr>
-          </a:p>
-        </p:txBody>
-      </p:sp>
-      <p:sp>
-        <p:nvSpPr>
-          <p:cNvPr id="3" name="标题 2"/>
-          <p:cNvSpPr>
-            <a:spLocks noGrp="1"/>
-          </p:cNvSpPr>
-          <p:nvPr>
-            <p:ph type="title"/>
-          </p:nvPr>
-        </p:nvSpPr>
-        <p:spPr/>
-        <p:txBody>
-          <a:bodyPr/>
-          <a:p>
-            <a:r>
-              <a:rPr lang="en-US" altLang="zh-CN">
-                <a:sym typeface="+mn-ea"/>
-              </a:rPr>
-              <a:t>1.14 </a:t>
-            </a:r>
-            <a:r>
-              <a:rPr lang="zh-CN" altLang="en-US">
-                <a:sym typeface="+mn-ea"/>
-              </a:rPr>
-              <a:t>安装</a:t>
-            </a:r>
-            <a:r>
-              <a:rPr lang="en-US" altLang="zh-CN">
-                <a:sym typeface="+mn-ea"/>
-              </a:rPr>
-              <a:t>Code Runner</a:t>
-            </a:r>
-            <a:endParaRPr lang="zh-CN" altLang="en-US"/>
-          </a:p>
-        </p:txBody>
-      </p:sp>
-    </p:spTree>
-  </p:cSld>
-  <p:clrMapOvr>
-    <a:masterClrMapping/>
-  </p:clrMapOvr>
-</p:sld>
-</file>
-
-<file path=ppt/slides/slide129.xml><?xml version="1.0" encoding="utf-8"?>
-<p:sld xmlns:a="http://schemas.openxmlformats.org/drawingml/2006/main" xmlns:r="http://schemas.openxmlformats.org/officeDocument/2006/relationships" xmlns:p="http://schemas.openxmlformats.org/presentationml/2006/main">
-  <p:cSld>
-    <p:spTree>
-      <p:nvGrpSpPr>
-        <p:cNvPr id="1" name=""/>
-        <p:cNvGrpSpPr/>
-        <p:nvPr/>
-      </p:nvGrpSpPr>
-      <p:grpSpPr/>
-      <p:sp>
-        <p:nvSpPr>
-          <p:cNvPr id="2" name="内容占位符 1"/>
-          <p:cNvSpPr>
-            <a:spLocks noGrp="1"/>
-          </p:cNvSpPr>
-          <p:nvPr>
-            <p:ph idx="1"/>
-          </p:nvPr>
-        </p:nvSpPr>
-        <p:spPr>
-          <a:xfrm>
-            <a:off x="871855" y="2675255"/>
-            <a:ext cx="7408545" cy="606425"/>
-          </a:xfrm>
-        </p:spPr>
-        <p:txBody>
-          <a:bodyPr/>
-          <a:p>
-            <a:r>
-              <a:rPr lang="zh-CN" altLang="en-US">
-                <a:sym typeface="+mn-ea"/>
-              </a:rPr>
-              <a:t>打开设置，查找</a:t>
-            </a:r>
-            <a:r>
-              <a:rPr lang="en-US" altLang="zh-CN">
-                <a:sym typeface="+mn-ea"/>
-              </a:rPr>
-              <a:t>Code-runner: Executor Map</a:t>
-            </a:r>
-            <a:endParaRPr lang="zh-CN" altLang="en-US"/>
-          </a:p>
-        </p:txBody>
-      </p:sp>
-      <p:sp>
-        <p:nvSpPr>
-          <p:cNvPr id="3" name="标题 2"/>
-          <p:cNvSpPr>
-            <a:spLocks noGrp="1"/>
-          </p:cNvSpPr>
-          <p:nvPr>
-            <p:ph type="title"/>
-          </p:nvPr>
-        </p:nvSpPr>
-        <p:spPr/>
-        <p:txBody>
-          <a:bodyPr/>
-          <a:p>
-            <a:r>
-              <a:rPr lang="en-US" altLang="zh-CN">
-                <a:sym typeface="+mn-ea"/>
-              </a:rPr>
-              <a:t>1.14 </a:t>
-            </a:r>
-            <a:r>
-              <a:rPr lang="zh-CN" altLang="en-US">
-                <a:sym typeface="+mn-ea"/>
-              </a:rPr>
-              <a:t>安装</a:t>
-            </a:r>
-            <a:r>
-              <a:rPr lang="en-US" altLang="zh-CN">
-                <a:sym typeface="+mn-ea"/>
-              </a:rPr>
-              <a:t>Code Runner</a:t>
-            </a:r>
-            <a:endParaRPr lang="zh-CN" altLang="en-US"/>
-          </a:p>
-        </p:txBody>
-      </p:sp>
-      <p:pic>
-        <p:nvPicPr>
-          <p:cNvPr id="4" name="图片 3" descr="K{[M@89D]UCUH5S]RV)MOA9"/>
-          <p:cNvPicPr>
-            <a:picLocks noChangeAspect="1"/>
-          </p:cNvPicPr>
-          <p:nvPr>
-            <p:custDataLst>
-              <p:tags r:id="rId1"/>
-            </p:custDataLst>
-          </p:nvPr>
-        </p:nvPicPr>
-        <p:blipFill>
-          <a:blip r:embed="rId2"/>
-          <a:stretch>
-            <a:fillRect/>
-          </a:stretch>
-        </p:blipFill>
-        <p:spPr>
-          <a:xfrm>
-            <a:off x="1487805" y="3429000"/>
-            <a:ext cx="5267325" cy="2143125"/>
-          </a:xfrm>
-          <a:prstGeom prst="rect">
-            <a:avLst/>
-          </a:prstGeom>
-        </p:spPr>
-      </p:pic>
     </p:spTree>
   </p:cSld>
   <p:clrMapOvr>
@@ -19157,22 +19100,16 @@
           <a:bodyPr/>
           <a:p>
             <a:r>
-              <a:rPr lang="zh-CN" altLang="en-US">
-                <a:sym typeface="+mn-ea"/>
-              </a:rPr>
-              <a:t>在</a:t>
-            </a:r>
-            <a:r>
-              <a:rPr lang="en-US" altLang="zh-CN">
-                <a:sym typeface="+mn-ea"/>
-              </a:rPr>
-              <a:t>settings.json</a:t>
-            </a:r>
-            <a:r>
-              <a:rPr lang="zh-CN" altLang="en-US">
-                <a:sym typeface="+mn-ea"/>
-              </a:rPr>
-              <a:t>中编辑</a:t>
+              <a:rPr lang="en-US" altLang="zh-CN"/>
+              <a:t>Code Runner</a:t>
+            </a:r>
+            <a:r>
+              <a:rPr lang="zh-CN" altLang="en-US"/>
+              <a:t>是一个很好的工具，方便调试</a:t>
+            </a:r>
+            <a:r>
+              <a:rPr lang="zh-CN" altLang="en-US"/>
+              <a:t>运行</a:t>
             </a:r>
             <a:endParaRPr lang="zh-CN" altLang="en-US"/>
           </a:p>
@@ -19181,25 +19118,13 @@
               <a:rPr lang="zh-CN" altLang="en-US">
                 <a:sym typeface="+mn-ea"/>
               </a:rPr>
-              <a:t>找到有</a:t>
-            </a:r>
-            <a:r>
-              <a:rPr lang="en-US" altLang="zh-CN">
-                <a:sym typeface="+mn-ea"/>
-              </a:rPr>
-              <a:t>cpp</a:t>
-            </a:r>
-            <a:r>
-              <a:rPr lang="zh-CN" altLang="en-US">
-                <a:sym typeface="+mn-ea"/>
-              </a:rPr>
-              <a:t>那一行，修改</a:t>
-            </a:r>
-            <a:r>
-              <a:rPr lang="zh-CN" altLang="en-US">
-                <a:sym typeface="+mn-ea"/>
-              </a:rPr>
-              <a:t>需如下：</a:t>
+              <a:t>在左边管理框中点击扩展</a:t>
+            </a:r>
+            <a:r>
+              <a:rPr lang="zh-CN" altLang="en-US">
+                <a:sym typeface="+mn-ea"/>
+              </a:rPr>
+              <a:t>按钮</a:t>
             </a:r>
             <a:endParaRPr lang="zh-CN" altLang="en-US">
               <a:sym typeface="+mn-ea"/>
@@ -19210,33 +19135,15 @@
               <a:rPr lang="zh-CN" altLang="en-US">
                 <a:sym typeface="+mn-ea"/>
               </a:rPr>
-              <a:t>"cpp": "cd $dir &amp;&amp; g++ </a:t>
-            </a:r>
-            <a:r>
-              <a:rPr lang="zh-CN" altLang="en-US" b="1">
-                <a:sym typeface="+mn-ea"/>
-              </a:rPr>
-              <a:t>-std=c++20 -Mmodules</a:t>
-            </a:r>
-            <a:r>
-              <a:rPr lang="zh-CN" altLang="en-US">
-                <a:sym typeface="+mn-ea"/>
-              </a:rPr>
-              <a:t> $fileName </a:t>
-            </a:r>
-            <a:r>
-              <a:rPr lang="zh-CN" altLang="en-US" b="1">
-                <a:sym typeface="+mn-ea"/>
-              </a:rPr>
-              <a:t>-I \"D:\\vcpkg\\installed\\x64-windows\\include\"</a:t>
-            </a:r>
-            <a:r>
-              <a:rPr lang="zh-CN" altLang="en-US">
-                <a:sym typeface="+mn-ea"/>
-              </a:rPr>
-              <a:t> -o $fileNameWithoutExt &amp;&amp; $dir$fileNameWithoutExt",</a:t>
-            </a:r>
-            <a:endParaRPr lang="zh-CN" altLang="en-US">
+              <a:t>在搜索框中输入</a:t>
+            </a:r>
+            <a:r>
+              <a:rPr lang="en-US" altLang="zh-CN">
+                <a:sym typeface="+mn-ea"/>
+              </a:rPr>
+              <a:t>Code Runner</a:t>
+            </a:r>
+            <a:endParaRPr lang="en-US" altLang="zh-CN">
               <a:sym typeface="+mn-ea"/>
             </a:endParaRPr>
           </a:p>
@@ -19245,53 +19152,21 @@
               <a:rPr lang="zh-CN" altLang="en-US">
                 <a:sym typeface="+mn-ea"/>
               </a:rPr>
-              <a:t>此时</a:t>
+              <a:t>安装</a:t>
             </a:r>
             <a:r>
               <a:rPr lang="en-US" altLang="zh-CN">
                 <a:sym typeface="+mn-ea"/>
               </a:rPr>
-              <a:t>VSCode</a:t>
-            </a:r>
-            <a:r>
-              <a:rPr lang="zh-CN" altLang="en-US">
-                <a:sym typeface="+mn-ea"/>
-              </a:rPr>
-              <a:t>可支持</a:t>
-            </a:r>
-            <a:r>
-              <a:rPr lang="en-US" altLang="zh-CN">
-                <a:sym typeface="+mn-ea"/>
-              </a:rPr>
-              <a:t>C++20</a:t>
-            </a:r>
-            <a:r>
-              <a:rPr lang="zh-CN" altLang="en-US">
-                <a:sym typeface="+mn-ea"/>
-              </a:rPr>
-              <a:t>和</a:t>
-            </a:r>
-            <a:r>
-              <a:rPr lang="en-US" altLang="zh-CN">
-                <a:sym typeface="+mn-ea"/>
-              </a:rPr>
-              <a:t>vcpkg</a:t>
-            </a:r>
-            <a:r>
-              <a:rPr lang="zh-CN" altLang="en-US">
-                <a:sym typeface="+mn-ea"/>
-              </a:rPr>
-              <a:t>安装的</a:t>
-            </a:r>
-            <a:r>
-              <a:rPr lang="zh-CN" altLang="en-US">
-                <a:sym typeface="+mn-ea"/>
-              </a:rPr>
-              <a:t>包</a:t>
-            </a:r>
-            <a:endParaRPr lang="zh-CN" altLang="en-US">
-              <a:sym typeface="+mn-ea"/>
-            </a:endParaRPr>
+              <a:t>Code Runner</a:t>
+            </a:r>
+            <a:r>
+              <a:rPr lang="zh-CN" altLang="en-US">
+                <a:sym typeface="+mn-ea"/>
+              </a:rPr>
+              <a:t>插件</a:t>
+            </a:r>
+            <a:endParaRPr lang="zh-CN" altLang="en-US"/>
           </a:p>
         </p:txBody>
       </p:sp>
@@ -19361,84 +19236,680 @@
         </p:nvSpPr>
         <p:spPr/>
         <p:txBody>
+          <a:bodyPr/>
+          <a:p>
+            <a:r>
+              <a:rPr lang="zh-CN" altLang="en-US">
+                <a:sym typeface="+mn-ea"/>
+              </a:rPr>
+              <a:t>在左边管理框中点击</a:t>
+            </a:r>
+            <a:r>
+              <a:rPr lang="zh-CN" altLang="en-US">
+                <a:sym typeface="+mn-ea"/>
+              </a:rPr>
+              <a:t>设置</a:t>
+            </a:r>
+            <a:endParaRPr lang="zh-CN" altLang="en-US">
+              <a:sym typeface="+mn-ea"/>
+            </a:endParaRPr>
+          </a:p>
+          <a:p>
+            <a:r>
+              <a:rPr lang="zh-CN" altLang="en-US">
+                <a:sym typeface="+mn-ea"/>
+              </a:rPr>
+              <a:t>在搜索框中</a:t>
+            </a:r>
+            <a:r>
+              <a:rPr lang="zh-CN" altLang="en-US">
+                <a:sym typeface="+mn-ea"/>
+              </a:rPr>
+              <a:t>输入Code-runner: Run In Terminal</a:t>
+            </a:r>
+            <a:endParaRPr lang="zh-CN" altLang="en-US"/>
+          </a:p>
+          <a:p>
+            <a:r>
+              <a:rPr lang="zh-CN" altLang="en-US">
+                <a:sym typeface="+mn-ea"/>
+              </a:rPr>
+              <a:t>勾选Whether to run code in Integrated Terminal</a:t>
+            </a:r>
+            <a:endParaRPr lang="zh-CN" altLang="en-US">
+              <a:sym typeface="+mn-ea"/>
+            </a:endParaRPr>
+          </a:p>
+          <a:p>
+            <a:r>
+              <a:rPr lang="zh-CN" altLang="en-US">
+                <a:sym typeface="+mn-ea"/>
+              </a:rPr>
+              <a:t>此后便可在集成环境的终端环境</a:t>
+            </a:r>
+            <a:r>
+              <a:rPr lang="zh-CN" altLang="en-US">
+                <a:sym typeface="+mn-ea"/>
+              </a:rPr>
+              <a:t>下调试运行</a:t>
+            </a:r>
+            <a:r>
+              <a:rPr lang="zh-CN" altLang="en-US">
+                <a:sym typeface="+mn-ea"/>
+              </a:rPr>
+              <a:t>程序</a:t>
+            </a:r>
+            <a:endParaRPr lang="zh-CN" altLang="en-US">
+              <a:sym typeface="+mn-ea"/>
+            </a:endParaRPr>
+          </a:p>
+        </p:txBody>
+      </p:sp>
+      <p:sp>
+        <p:nvSpPr>
+          <p:cNvPr id="3" name="标题 2"/>
+          <p:cNvSpPr>
+            <a:spLocks noGrp="1"/>
+          </p:cNvSpPr>
+          <p:nvPr>
+            <p:ph type="title"/>
+          </p:nvPr>
+        </p:nvSpPr>
+        <p:spPr/>
+        <p:txBody>
+          <a:bodyPr/>
+          <a:p>
+            <a:r>
+              <a:rPr lang="en-US" altLang="zh-CN">
+                <a:sym typeface="+mn-ea"/>
+              </a:rPr>
+              <a:t>1.14 </a:t>
+            </a:r>
+            <a:r>
+              <a:rPr lang="zh-CN" altLang="en-US">
+                <a:sym typeface="+mn-ea"/>
+              </a:rPr>
+              <a:t>安装</a:t>
+            </a:r>
+            <a:r>
+              <a:rPr lang="en-US" altLang="zh-CN">
+                <a:sym typeface="+mn-ea"/>
+              </a:rPr>
+              <a:t>Code Runner</a:t>
+            </a:r>
+            <a:endParaRPr lang="zh-CN" altLang="en-US"/>
+          </a:p>
+        </p:txBody>
+      </p:sp>
+    </p:spTree>
+  </p:cSld>
+  <p:clrMapOvr>
+    <a:masterClrMapping/>
+  </p:clrMapOvr>
+</p:sld>
+</file>
+
+<file path=ppt/slides/slide132.xml><?xml version="1.0" encoding="utf-8"?>
+<p:sld xmlns:a="http://schemas.openxmlformats.org/drawingml/2006/main" xmlns:r="http://schemas.openxmlformats.org/officeDocument/2006/relationships" xmlns:p="http://schemas.openxmlformats.org/presentationml/2006/main">
+  <p:cSld>
+    <p:spTree>
+      <p:nvGrpSpPr>
+        <p:cNvPr id="1" name=""/>
+        <p:cNvGrpSpPr/>
+        <p:nvPr/>
+      </p:nvGrpSpPr>
+      <p:grpSpPr/>
+      <p:sp>
+        <p:nvSpPr>
+          <p:cNvPr id="2" name="内容占位符 1"/>
+          <p:cNvSpPr>
+            <a:spLocks noGrp="1"/>
+          </p:cNvSpPr>
+          <p:nvPr>
+            <p:ph idx="1"/>
+          </p:nvPr>
+        </p:nvSpPr>
+        <p:spPr>
+          <a:xfrm>
+            <a:off x="871855" y="2675255"/>
+            <a:ext cx="7408545" cy="606425"/>
+          </a:xfrm>
+        </p:spPr>
+        <p:txBody>
+          <a:bodyPr/>
+          <a:p>
+            <a:r>
+              <a:rPr lang="zh-CN" altLang="en-US">
+                <a:sym typeface="+mn-ea"/>
+              </a:rPr>
+              <a:t>打开设置，查找</a:t>
+            </a:r>
+            <a:r>
+              <a:rPr lang="en-US" altLang="zh-CN">
+                <a:sym typeface="+mn-ea"/>
+              </a:rPr>
+              <a:t>Code-runner: Executor Map</a:t>
+            </a:r>
+            <a:endParaRPr lang="zh-CN" altLang="en-US"/>
+          </a:p>
+        </p:txBody>
+      </p:sp>
+      <p:sp>
+        <p:nvSpPr>
+          <p:cNvPr id="3" name="标题 2"/>
+          <p:cNvSpPr>
+            <a:spLocks noGrp="1"/>
+          </p:cNvSpPr>
+          <p:nvPr>
+            <p:ph type="title"/>
+          </p:nvPr>
+        </p:nvSpPr>
+        <p:spPr/>
+        <p:txBody>
+          <a:bodyPr/>
+          <a:p>
+            <a:r>
+              <a:rPr lang="en-US" altLang="zh-CN">
+                <a:sym typeface="+mn-ea"/>
+              </a:rPr>
+              <a:t>1.14 </a:t>
+            </a:r>
+            <a:r>
+              <a:rPr lang="zh-CN" altLang="en-US">
+                <a:sym typeface="+mn-ea"/>
+              </a:rPr>
+              <a:t>安装</a:t>
+            </a:r>
+            <a:r>
+              <a:rPr lang="en-US" altLang="zh-CN">
+                <a:sym typeface="+mn-ea"/>
+              </a:rPr>
+              <a:t>Code Runner</a:t>
+            </a:r>
+            <a:endParaRPr lang="zh-CN" altLang="en-US"/>
+          </a:p>
+        </p:txBody>
+      </p:sp>
+      <p:pic>
+        <p:nvPicPr>
+          <p:cNvPr id="4" name="图片 3" descr="K{[M@89D]UCUH5S]RV)MOA9"/>
+          <p:cNvPicPr>
+            <a:picLocks noChangeAspect="1"/>
+          </p:cNvPicPr>
+          <p:nvPr>
+            <p:custDataLst>
+              <p:tags r:id="rId1"/>
+            </p:custDataLst>
+          </p:nvPr>
+        </p:nvPicPr>
+        <p:blipFill>
+          <a:blip r:embed="rId2"/>
+          <a:stretch>
+            <a:fillRect/>
+          </a:stretch>
+        </p:blipFill>
+        <p:spPr>
+          <a:xfrm>
+            <a:off x="1487805" y="3429000"/>
+            <a:ext cx="5267325" cy="2143125"/>
+          </a:xfrm>
+          <a:prstGeom prst="rect">
+            <a:avLst/>
+          </a:prstGeom>
+        </p:spPr>
+      </p:pic>
+    </p:spTree>
+  </p:cSld>
+  <p:clrMapOvr>
+    <a:masterClrMapping/>
+  </p:clrMapOvr>
+</p:sld>
+</file>
+
+<file path=ppt/slides/slide133.xml><?xml version="1.0" encoding="utf-8"?>
+<p:sld xmlns:a="http://schemas.openxmlformats.org/drawingml/2006/main" xmlns:r="http://schemas.openxmlformats.org/officeDocument/2006/relationships" xmlns:p="http://schemas.openxmlformats.org/presentationml/2006/main">
+  <p:cSld>
+    <p:spTree>
+      <p:nvGrpSpPr>
+        <p:cNvPr id="1" name=""/>
+        <p:cNvGrpSpPr/>
+        <p:nvPr/>
+      </p:nvGrpSpPr>
+      <p:grpSpPr/>
+      <p:sp>
+        <p:nvSpPr>
+          <p:cNvPr id="2" name="内容占位符 1"/>
+          <p:cNvSpPr>
+            <a:spLocks noGrp="1"/>
+          </p:cNvSpPr>
+          <p:nvPr>
+            <p:ph idx="1"/>
+          </p:nvPr>
+        </p:nvSpPr>
+        <p:spPr/>
+        <p:txBody>
+          <a:bodyPr/>
+          <a:p>
+            <a:r>
+              <a:rPr lang="zh-CN" altLang="en-US">
+                <a:sym typeface="+mn-ea"/>
+              </a:rPr>
+              <a:t>在</a:t>
+            </a:r>
+            <a:r>
+              <a:rPr lang="en-US" altLang="zh-CN">
+                <a:sym typeface="+mn-ea"/>
+              </a:rPr>
+              <a:t>settings.json</a:t>
+            </a:r>
+            <a:r>
+              <a:rPr lang="zh-CN" altLang="en-US">
+                <a:sym typeface="+mn-ea"/>
+              </a:rPr>
+              <a:t>中编辑</a:t>
+            </a:r>
+            <a:endParaRPr lang="zh-CN" altLang="en-US"/>
+          </a:p>
+          <a:p>
+            <a:r>
+              <a:rPr lang="zh-CN" altLang="en-US">
+                <a:sym typeface="+mn-ea"/>
+              </a:rPr>
+              <a:t>找到有</a:t>
+            </a:r>
+            <a:r>
+              <a:rPr lang="en-US" altLang="zh-CN">
+                <a:sym typeface="+mn-ea"/>
+              </a:rPr>
+              <a:t>cpp</a:t>
+            </a:r>
+            <a:r>
+              <a:rPr lang="zh-CN" altLang="en-US">
+                <a:sym typeface="+mn-ea"/>
+              </a:rPr>
+              <a:t>那一行，修改</a:t>
+            </a:r>
+            <a:r>
+              <a:rPr lang="zh-CN" altLang="en-US">
+                <a:sym typeface="+mn-ea"/>
+              </a:rPr>
+              <a:t>需如下：</a:t>
+            </a:r>
+            <a:endParaRPr lang="zh-CN" altLang="en-US">
+              <a:sym typeface="+mn-ea"/>
+            </a:endParaRPr>
+          </a:p>
+          <a:p>
+            <a:r>
+              <a:rPr lang="zh-CN" altLang="en-US">
+                <a:sym typeface="+mn-ea"/>
+              </a:rPr>
+              <a:t>"cpp": "cd $dir &amp;&amp; g++ </a:t>
+            </a:r>
+            <a:r>
+              <a:rPr lang="zh-CN" altLang="en-US" b="1">
+                <a:sym typeface="+mn-ea"/>
+              </a:rPr>
+              <a:t>-std=c++20 -Mmodules</a:t>
+            </a:r>
+            <a:r>
+              <a:rPr lang="zh-CN" altLang="en-US">
+                <a:sym typeface="+mn-ea"/>
+              </a:rPr>
+              <a:t> $fileName </a:t>
+            </a:r>
+            <a:r>
+              <a:rPr lang="zh-CN" altLang="en-US" b="1">
+                <a:sym typeface="+mn-ea"/>
+              </a:rPr>
+              <a:t>-I \"D:\\vcpkg\\installed\\x64-windows\\include\"</a:t>
+            </a:r>
+            <a:r>
+              <a:rPr lang="zh-CN" altLang="en-US">
+                <a:sym typeface="+mn-ea"/>
+              </a:rPr>
+              <a:t> -o $fileNameWithoutExt &amp;&amp; $dir$fileNameWithoutExt",</a:t>
+            </a:r>
+            <a:endParaRPr lang="zh-CN" altLang="en-US">
+              <a:sym typeface="+mn-ea"/>
+            </a:endParaRPr>
+          </a:p>
+          <a:p>
+            <a:r>
+              <a:rPr lang="zh-CN" altLang="en-US">
+                <a:sym typeface="+mn-ea"/>
+              </a:rPr>
+              <a:t>此时</a:t>
+            </a:r>
+            <a:r>
+              <a:rPr lang="en-US" altLang="zh-CN">
+                <a:sym typeface="+mn-ea"/>
+              </a:rPr>
+              <a:t>VSCode</a:t>
+            </a:r>
+            <a:r>
+              <a:rPr lang="zh-CN" altLang="en-US">
+                <a:sym typeface="+mn-ea"/>
+              </a:rPr>
+              <a:t>可支持</a:t>
+            </a:r>
+            <a:r>
+              <a:rPr lang="en-US" altLang="zh-CN">
+                <a:sym typeface="+mn-ea"/>
+              </a:rPr>
+              <a:t>C++20</a:t>
+            </a:r>
+            <a:r>
+              <a:rPr lang="zh-CN" altLang="en-US">
+                <a:sym typeface="+mn-ea"/>
+              </a:rPr>
+              <a:t>和</a:t>
+            </a:r>
+            <a:r>
+              <a:rPr lang="en-US" altLang="zh-CN">
+                <a:sym typeface="+mn-ea"/>
+              </a:rPr>
+              <a:t>vcpkg</a:t>
+            </a:r>
+            <a:r>
+              <a:rPr lang="zh-CN" altLang="en-US">
+                <a:sym typeface="+mn-ea"/>
+              </a:rPr>
+              <a:t>安装的</a:t>
+            </a:r>
+            <a:r>
+              <a:rPr lang="zh-CN" altLang="en-US">
+                <a:sym typeface="+mn-ea"/>
+              </a:rPr>
+              <a:t>包</a:t>
+            </a:r>
+            <a:endParaRPr lang="zh-CN" altLang="en-US">
+              <a:sym typeface="+mn-ea"/>
+            </a:endParaRPr>
+          </a:p>
+        </p:txBody>
+      </p:sp>
+      <p:sp>
+        <p:nvSpPr>
+          <p:cNvPr id="3" name="标题 2"/>
+          <p:cNvSpPr>
+            <a:spLocks noGrp="1"/>
+          </p:cNvSpPr>
+          <p:nvPr>
+            <p:ph type="title"/>
+          </p:nvPr>
+        </p:nvSpPr>
+        <p:spPr/>
+        <p:txBody>
+          <a:bodyPr/>
+          <a:p>
+            <a:r>
+              <a:rPr lang="en-US" altLang="zh-CN">
+                <a:sym typeface="+mn-ea"/>
+              </a:rPr>
+              <a:t>1.14 </a:t>
+            </a:r>
+            <a:r>
+              <a:rPr lang="zh-CN" altLang="en-US">
+                <a:sym typeface="+mn-ea"/>
+              </a:rPr>
+              <a:t>安装</a:t>
+            </a:r>
+            <a:r>
+              <a:rPr lang="en-US" altLang="zh-CN">
+                <a:sym typeface="+mn-ea"/>
+              </a:rPr>
+              <a:t>Code Runner</a:t>
+            </a:r>
+            <a:endParaRPr lang="zh-CN" altLang="en-US"/>
+          </a:p>
+        </p:txBody>
+      </p:sp>
+    </p:spTree>
+  </p:cSld>
+  <p:clrMapOvr>
+    <a:masterClrMapping/>
+  </p:clrMapOvr>
+</p:sld>
+</file>
+
+<file path=ppt/slides/slide134.xml><?xml version="1.0" encoding="utf-8"?>
+<p:sld xmlns:a="http://schemas.openxmlformats.org/drawingml/2006/main" xmlns:r="http://schemas.openxmlformats.org/officeDocument/2006/relationships" xmlns:p="http://schemas.openxmlformats.org/presentationml/2006/main">
+  <p:cSld>
+    <p:spTree>
+      <p:nvGrpSpPr>
+        <p:cNvPr id="1" name=""/>
+        <p:cNvGrpSpPr/>
+        <p:nvPr/>
+      </p:nvGrpSpPr>
+      <p:grpSpPr/>
+      <p:sp>
+        <p:nvSpPr>
+          <p:cNvPr id="2" name="内容占位符 1"/>
+          <p:cNvSpPr>
+            <a:spLocks noGrp="1"/>
+          </p:cNvSpPr>
+          <p:nvPr>
+            <p:ph idx="1"/>
+          </p:nvPr>
+        </p:nvSpPr>
+        <p:spPr/>
+        <p:txBody>
           <a:bodyPr>
             <a:normAutofit fontScale="60000"/>
           </a:bodyPr>
           <a:p>
             <a:r>
               <a:rPr lang="en-US" altLang="zh-CN"/>
-              <a:t>// helloBoost.cpp</a:t>
+              <a:t>#include&lt;iostream&gt;</a:t>
+            </a:r>
+            <a:endParaRPr lang="en-US" altLang="zh-CN"/>
+          </a:p>
+          <a:p>
+            <a:r>
+              <a:rPr lang="en-US" altLang="zh-CN"/>
+              <a:t>#include&lt;boost/format.hpp&gt;</a:t>
+            </a:r>
+            <a:endParaRPr lang="en-US" altLang="zh-CN"/>
+          </a:p>
+          <a:p>
+            <a:r>
+              <a:rPr lang="en-US" altLang="zh-CN"/>
+              <a:t>using namespace std;</a:t>
+            </a:r>
+            <a:endParaRPr lang="en-US" altLang="zh-CN"/>
+          </a:p>
+          <a:p>
+            <a:r>
+              <a:rPr lang="en-US" altLang="zh-CN"/>
+              <a:t>using namespace boost;</a:t>
+            </a:r>
+            <a:endParaRPr lang="en-US" altLang="zh-CN"/>
+          </a:p>
+          <a:p>
+            <a:endParaRPr lang="en-US" altLang="zh-CN"/>
+          </a:p>
+          <a:p>
+            <a:r>
+              <a:rPr lang="en-US" altLang="zh-CN"/>
+              <a:t>int main()</a:t>
+            </a:r>
+            <a:endParaRPr lang="en-US" altLang="zh-CN"/>
+          </a:p>
+          <a:p>
+            <a:r>
+              <a:rPr lang="en-US" altLang="zh-CN"/>
+              <a:t>{</a:t>
+            </a:r>
+            <a:endParaRPr lang="en-US" altLang="zh-CN"/>
+          </a:p>
+          <a:p>
+            <a:r>
+              <a:rPr lang="en-US" altLang="zh-CN"/>
+              <a:t>    //目前编译器暂不支持C++20的format，这里使用boost::format</a:t>
+            </a:r>
+            <a:endParaRPr lang="en-US" altLang="zh-CN"/>
+          </a:p>
+          <a:p>
+            <a:r>
+              <a:rPr lang="en-US" altLang="zh-CN"/>
+              <a:t>    cout&lt;&lt;boost::format("There are %d ways I love you.") % 214&lt;&lt;endl;</a:t>
+            </a:r>
+            <a:endParaRPr lang="en-US" altLang="zh-CN"/>
+          </a:p>
+          <a:p>
+            <a:endParaRPr lang="en-US" altLang="zh-CN"/>
+          </a:p>
+          <a:p>
+            <a:r>
+              <a:rPr lang="en-US" altLang="zh-CN"/>
+              <a:t>    return 0;</a:t>
+            </a:r>
+            <a:endParaRPr lang="en-US" altLang="zh-CN"/>
+          </a:p>
+          <a:p>
+            <a:r>
+              <a:rPr lang="en-US" altLang="zh-CN"/>
+              <a:t>}</a:t>
+            </a:r>
+            <a:endParaRPr lang="en-US" altLang="zh-CN"/>
+          </a:p>
+        </p:txBody>
+      </p:sp>
+      <p:sp>
+        <p:nvSpPr>
+          <p:cNvPr id="3" name="标题 2"/>
+          <p:cNvSpPr>
+            <a:spLocks noGrp="1"/>
+          </p:cNvSpPr>
+          <p:nvPr>
+            <p:ph type="title"/>
+          </p:nvPr>
+        </p:nvSpPr>
+        <p:spPr/>
+        <p:txBody>
+          <a:bodyPr/>
+          <a:p>
+            <a:r>
+              <a:rPr lang="en-US" altLang="zh-CN">
+                <a:sym typeface="+mn-ea"/>
+              </a:rPr>
+              <a:t>1.14 </a:t>
+            </a:r>
+            <a:r>
+              <a:rPr lang="zh-CN" altLang="en-US">
+                <a:sym typeface="+mn-ea"/>
+              </a:rPr>
+              <a:t>安装</a:t>
+            </a:r>
+            <a:r>
+              <a:rPr lang="en-US" altLang="zh-CN">
+                <a:sym typeface="+mn-ea"/>
+              </a:rPr>
+              <a:t>Code Runner</a:t>
             </a:r>
             <a:endParaRPr lang="zh-CN" altLang="en-US"/>
           </a:p>
+        </p:txBody>
+      </p:sp>
+    </p:spTree>
+  </p:cSld>
+  <p:clrMapOvr>
+    <a:masterClrMapping/>
+  </p:clrMapOvr>
+</p:sld>
+</file>
+
+<file path=ppt/slides/slide135.xml><?xml version="1.0" encoding="utf-8"?>
+<p:sld xmlns:a="http://schemas.openxmlformats.org/drawingml/2006/main" xmlns:r="http://schemas.openxmlformats.org/officeDocument/2006/relationships" xmlns:p="http://schemas.openxmlformats.org/presentationml/2006/main">
+  <p:cSld>
+    <p:spTree>
+      <p:nvGrpSpPr>
+        <p:cNvPr id="1" name=""/>
+        <p:cNvGrpSpPr/>
+        <p:nvPr/>
+      </p:nvGrpSpPr>
+      <p:grpSpPr/>
+      <p:sp>
+        <p:nvSpPr>
+          <p:cNvPr id="2" name="内容占位符 1"/>
+          <p:cNvSpPr>
+            <a:spLocks noGrp="1"/>
+          </p:cNvSpPr>
+          <p:nvPr>
+            <p:ph idx="1"/>
+          </p:nvPr>
+        </p:nvSpPr>
+        <p:spPr/>
+        <p:txBody>
+          <a:bodyPr>
+            <a:normAutofit fontScale="80000"/>
+          </a:bodyPr>
           <a:p>
             <a:r>
               <a:rPr lang="zh-CN" altLang="en-US"/>
-              <a:t>#include&lt;iostream&gt;</a:t>
+              <a:t>点击右上角的</a:t>
+            </a:r>
+            <a:r>
+              <a:rPr lang="en-US" altLang="zh-CN"/>
+              <a:t>Code Runner</a:t>
+            </a:r>
+            <a:r>
+              <a:rPr lang="zh-CN" altLang="en-US"/>
+              <a:t>执行按钮（一个三角形的</a:t>
+            </a:r>
+            <a:r>
+              <a:rPr lang="zh-CN" altLang="en-US"/>
+              <a:t>按钮）</a:t>
             </a:r>
             <a:endParaRPr lang="zh-CN" altLang="en-US"/>
           </a:p>
           <a:p>
             <a:r>
               <a:rPr lang="zh-CN" altLang="en-US"/>
-              <a:t>#include&lt;boost/format.hpp&gt;</a:t>
+              <a:t>即可在</a:t>
+            </a:r>
+            <a:r>
+              <a:rPr lang="zh-CN" altLang="en-US"/>
+              <a:t>终端运行</a:t>
+            </a:r>
+            <a:r>
+              <a:rPr lang="zh-CN" altLang="en-US"/>
+              <a:t>程序</a:t>
             </a:r>
             <a:endParaRPr lang="zh-CN" altLang="en-US"/>
           </a:p>
           <a:p>
+            <a:r>
+              <a:rPr lang="zh-CN" altLang="en-US"/>
+              <a:t>运行结果为</a:t>
+            </a:r>
             <a:endParaRPr lang="zh-CN" altLang="en-US"/>
           </a:p>
           <a:p>
             <a:r>
-              <a:rPr lang="zh-CN" altLang="en-US"/>
-              <a:t>using namespace std;</a:t>
-            </a:r>
-            <a:endParaRPr lang="zh-CN" altLang="en-US"/>
-          </a:p>
-          <a:p>
-            <a:r>
-              <a:rPr lang="zh-CN" altLang="en-US"/>
-              <a:t>using namespace boost;</a:t>
-            </a:r>
-            <a:endParaRPr lang="zh-CN" altLang="en-US"/>
-          </a:p>
-          <a:p>
-            <a:endParaRPr lang="zh-CN" altLang="en-US"/>
-          </a:p>
-          <a:p>
-            <a:r>
-              <a:rPr lang="zh-CN" altLang="en-US"/>
-              <a:t>int main()</a:t>
-            </a:r>
-            <a:endParaRPr lang="zh-CN" altLang="en-US"/>
-          </a:p>
-          <a:p>
-            <a:r>
-              <a:rPr lang="zh-CN" altLang="en-US"/>
-              <a:t>{</a:t>
-            </a:r>
-            <a:endParaRPr lang="zh-CN" altLang="en-US"/>
-          </a:p>
-          <a:p>
-            <a:r>
-              <a:rPr lang="zh-CN" altLang="en-US"/>
-              <a:t>    cout&lt;&lt;format("Hello, Boost!")&lt;&lt;endl;</a:t>
-            </a:r>
-            <a:endParaRPr lang="zh-CN" altLang="en-US"/>
-          </a:p>
-          <a:p>
-            <a:r>
-              <a:rPr lang="zh-CN" altLang="en-US"/>
-              <a:t>    return 0;</a:t>
-            </a:r>
-            <a:endParaRPr lang="zh-CN" altLang="en-US"/>
-          </a:p>
-          <a:p>
-            <a:r>
-              <a:rPr lang="zh-CN" altLang="en-US"/>
-              <a:t>}</a:t>
-            </a:r>
-            <a:endParaRPr lang="zh-CN" altLang="en-US"/>
+              <a:rPr lang="en-US" altLang="zh-CN"/>
+              <a:t>PS D:\yjcpp218&gt; cd "d:\yjcpp218\cpp20\" ; if ($?) { g++ -std=c++20 -Mmodules fmtTest.cpp -I "D:\vcpkg\installed\x64-windows\include" -o fmtTest } ; if ($?) { .\fmtTest }</a:t>
+            </a:r>
+            <a:endParaRPr lang="en-US" altLang="zh-CN"/>
+          </a:p>
+          <a:p>
+            <a:r>
+              <a:rPr lang="en-US" altLang="zh-CN">
+                <a:sym typeface="+mn-ea"/>
+              </a:rPr>
+              <a:t>There are 214 ways I love you.</a:t>
+            </a:r>
+            <a:endParaRPr lang="en-US" altLang="zh-CN">
+              <a:sym typeface="+mn-ea"/>
+            </a:endParaRPr>
+          </a:p>
+          <a:p>
+            <a:r>
+              <a:rPr lang="en-US" altLang="zh-CN"/>
+              <a:t>PS D:\yjcpp218&gt; </a:t>
+            </a:r>
+            <a:endParaRPr lang="en-US" altLang="zh-CN"/>
           </a:p>
         </p:txBody>
       </p:sp>
@@ -29378,7 +29849,7 @@
       </p:sp>
       <p:pic>
         <p:nvPicPr>
-          <p:cNvPr id="7" name="图片 6"/>
+          <p:cNvPr id="5" name="图片 4"/>
           <p:cNvPicPr>
             <a:picLocks noChangeAspect="1"/>
           </p:cNvPicPr>
@@ -29396,8 +29867,8 @@
         </p:blipFill>
         <p:spPr>
           <a:xfrm>
-            <a:off x="3851910" y="2205355"/>
-            <a:ext cx="4114800" cy="4395470"/>
+            <a:off x="3924300" y="2565400"/>
+            <a:ext cx="3734435" cy="3663315"/>
           </a:xfrm>
           <a:prstGeom prst="rect">
             <a:avLst/>
@@ -29465,7 +29936,7 @@
               <a:rPr lang="en-US" altLang="zh-CN">
                 <a:sym typeface="+mn-ea"/>
               </a:rPr>
-              <a:t>yjcpp22</a:t>
+              <a:t>yjcpp218</a:t>
             </a:r>
             <a:endParaRPr lang="zh-CN" altLang="en-US">
               <a:sym typeface="+mn-ea"/>
@@ -29937,7 +30408,7 @@
               <a:rPr lang="en-US" altLang="zh-CN">
                 <a:sym typeface="+mn-ea"/>
               </a:rPr>
-              <a:t>yjcpp22</a:t>
+              <a:t>yjcpp218</a:t>
             </a:r>
             <a:endParaRPr lang="en-US" altLang="zh-CN">
               <a:sym typeface="+mn-ea"/>
@@ -30029,19 +30500,13 @@
               <a:rPr lang="zh-CN" altLang="en-US">
                 <a:sym typeface="+mn-ea"/>
               </a:rPr>
-              <a:t>打开</a:t>
-            </a:r>
-            <a:r>
-              <a:rPr lang="zh-CN" altLang="en-US">
-                <a:sym typeface="+mn-ea"/>
-              </a:rPr>
-              <a:t>本地文件夹</a:t>
+              <a:t>打开本地文件夹</a:t>
             </a:r>
             <a:r>
               <a:rPr lang="en-US" altLang="zh-CN">
                 <a:sym typeface="+mn-ea"/>
               </a:rPr>
-              <a:t>yjcpp22</a:t>
+              <a:t>yjcpp218</a:t>
             </a:r>
             <a:endParaRPr lang="zh-CN" altLang="en-US"/>
           </a:p>
@@ -30065,7 +30530,7 @@
               <a:rPr lang="en-US" altLang="zh-CN">
                 <a:sym typeface="+mn-ea"/>
               </a:rPr>
-              <a:t>yjcpp22</a:t>
+              <a:t>yjcpp218</a:t>
             </a:r>
             <a:r>
               <a:rPr lang="zh-CN" altLang="en-US">
@@ -30174,6 +30639,12 @@
           </a:p>
           <a:p>
             <a:r>
+              <a:rPr lang="en-US" altLang="zh-CN">
+                <a:sym typeface="+mn-ea"/>
+              </a:rPr>
+              <a:t>$ </a:t>
+            </a:r>
+            <a:r>
               <a:rPr lang="zh-CN" altLang="en-US">
                 <a:sym typeface="+mn-ea"/>
               </a:rPr>
@@ -30194,6 +30665,12 @@
           </a:p>
           <a:p>
             <a:r>
+              <a:rPr lang="en-US" altLang="zh-CN">
+                <a:sym typeface="+mn-ea"/>
+              </a:rPr>
+              <a:t>$ </a:t>
+            </a:r>
+            <a:r>
               <a:rPr lang="zh-CN" altLang="en-US">
                 <a:sym typeface="+mn-ea"/>
               </a:rPr>
@@ -30226,6 +30703,12 @@
             <a:endParaRPr lang="zh-CN" altLang="en-US"/>
           </a:p>
           <a:p>
+            <a:r>
+              <a:rPr lang="en-US" altLang="zh-CN">
+                <a:sym typeface="+mn-ea"/>
+              </a:rPr>
+              <a:t>$ </a:t>
+            </a:r>
             <a:r>
               <a:rPr lang="zh-CN" altLang="en-US">
                 <a:sym typeface="+mn-ea"/>
@@ -30929,6 +31412,12 @@
           </a:p>
           <a:p>
             <a:r>
+              <a:rPr lang="en-US" altLang="zh-CN">
+                <a:sym typeface="+mn-ea"/>
+              </a:rPr>
+              <a:t>$ </a:t>
+            </a:r>
+            <a:r>
               <a:rPr lang="zh-CN" altLang="en-US">
                 <a:sym typeface="+mn-ea"/>
               </a:rPr>
@@ -31020,7 +31509,7 @@
               <a:rPr lang="en-US" altLang="zh-CN">
                 <a:sym typeface="+mn-ea"/>
               </a:rPr>
-              <a:t>yjcpp22</a:t>
+              <a:t>yjcpp218</a:t>
             </a:r>
             <a:endParaRPr lang="en-US" altLang="zh-CN">
               <a:sym typeface="+mn-ea"/>
@@ -31168,6 +31657,40 @@
               <a:rPr lang="zh-CN" altLang="en-US">
                 <a:sym typeface="+mn-ea"/>
               </a:rPr>
+              <a:t>这里实际执行的</a:t>
+            </a:r>
+            <a:r>
+              <a:rPr lang="zh-CN" altLang="en-US">
+                <a:sym typeface="+mn-ea"/>
+              </a:rPr>
+              <a:t>是：</a:t>
+            </a:r>
+            <a:endParaRPr lang="zh-CN" altLang="en-US">
+              <a:sym typeface="+mn-ea"/>
+            </a:endParaRPr>
+          </a:p>
+          <a:p>
+            <a:r>
+              <a:rPr lang="en-US" altLang="zh-CN">
+                <a:sym typeface="+mn-ea"/>
+              </a:rPr>
+              <a:t>$ </a:t>
+            </a:r>
+            <a:r>
+              <a:rPr lang="en-US" altLang="zh-CN">
+                <a:sym typeface="+mn-ea"/>
+              </a:rPr>
+              <a:t>git remote add origin https://gitgub.com/yinjian0930/yjcpp218.git</a:t>
+            </a:r>
+            <a:endParaRPr lang="zh-CN" altLang="en-US">
+              <a:sym typeface="+mn-ea"/>
+            </a:endParaRPr>
+          </a:p>
+          <a:p>
+            <a:r>
+              <a:rPr lang="zh-CN" altLang="en-US">
+                <a:sym typeface="+mn-ea"/>
+              </a:rPr>
               <a:t>执行该命令则建立了本地与远程仓库的连接</a:t>
             </a:r>
             <a:endParaRPr lang="zh-CN" altLang="en-US"/>
@@ -31250,6 +31773,12 @@
           </a:p>
           <a:p>
             <a:r>
+              <a:rPr lang="en-US" altLang="zh-CN">
+                <a:sym typeface="+mn-ea"/>
+              </a:rPr>
+              <a:t>$ </a:t>
+            </a:r>
+            <a:r>
               <a:rPr lang="zh-CN" altLang="en-US">
                 <a:sym typeface="+mn-ea"/>
               </a:rPr>
@@ -31273,6 +31802,12 @@
             <a:endParaRPr lang="zh-CN" altLang="en-US"/>
           </a:p>
           <a:p>
+            <a:r>
+              <a:rPr lang="en-US" altLang="zh-CN">
+                <a:sym typeface="+mn-ea"/>
+              </a:rPr>
+              <a:t>$ </a:t>
+            </a:r>
             <a:r>
               <a:rPr lang="zh-CN" altLang="en-US">
                 <a:sym typeface="+mn-ea"/>
@@ -31302,6 +31837,12 @@
           </a:p>
           <a:p>
             <a:r>
+              <a:rPr lang="en-US" altLang="zh-CN">
+                <a:sym typeface="+mn-ea"/>
+              </a:rPr>
+              <a:t>$ </a:t>
+            </a:r>
+            <a:r>
               <a:rPr lang="zh-CN" altLang="en-US">
                 <a:sym typeface="+mn-ea"/>
               </a:rPr>
@@ -31341,13 +31882,25 @@
               <a:rPr lang="zh-CN" altLang="en-US">
                 <a:sym typeface="+mn-ea"/>
               </a:rPr>
-              <a:t>git push origin ma</a:t>
+              <a:t>直接执行git push origin ma</a:t>
             </a:r>
             <a:r>
               <a:rPr lang="en-US" altLang="zh-CN">
                 <a:sym typeface="+mn-ea"/>
               </a:rPr>
               <a:t>in</a:t>
+            </a:r>
+            <a:r>
+              <a:rPr lang="zh-CN" altLang="en-US">
+                <a:sym typeface="+mn-ea"/>
+              </a:rPr>
+              <a:t>就可以</a:t>
+            </a:r>
+            <a:r>
+              <a:rPr lang="zh-CN" altLang="en-US">
+                <a:sym typeface="+mn-ea"/>
+              </a:rPr>
+              <a:t>了</a:t>
             </a:r>
             <a:endParaRPr lang="zh-CN" altLang="en-US">
               <a:sym typeface="+mn-ea"/>
@@ -31446,6 +31999,12 @@
               <a:rPr lang="en-US" altLang="zh-CN">
                 <a:sym typeface="+mn-ea"/>
               </a:rPr>
+              <a:t>$ </a:t>
+            </a:r>
+            <a:r>
+              <a:rPr lang="en-US" altLang="zh-CN">
+                <a:sym typeface="+mn-ea"/>
+              </a:rPr>
               <a:t>git config --global http.sslVerify false</a:t>
             </a:r>
             <a:endParaRPr lang="en-US" altLang="zh-CN"/>
@@ -31460,6 +32019,12 @@
             <a:endParaRPr lang="zh-CN" altLang="en-US"/>
           </a:p>
           <a:p>
+            <a:r>
+              <a:rPr lang="en-US" altLang="zh-CN">
+                <a:sym typeface="+mn-ea"/>
+              </a:rPr>
+              <a:t>$ </a:t>
+            </a:r>
             <a:r>
               <a:rPr lang="en-US" altLang="zh-CN">
                 <a:sym typeface="+mn-ea"/>
@@ -31542,7 +32107,7 @@
             </a:r>
             <a:r>
               <a:rPr lang="en-US" altLang="zh-CN"/>
-              <a:t>git gui</a:t>
+              <a:t>Git Gui</a:t>
             </a:r>
             <a:r>
               <a:rPr lang="zh-CN" altLang="en-US"/>
@@ -31550,7 +32115,7 @@
             </a:r>
             <a:r>
               <a:rPr lang="en-US" altLang="zh-CN"/>
-              <a:t>github desktop</a:t>
+              <a:t>Github Desktop</a:t>
             </a:r>
             <a:endParaRPr lang="en-US" altLang="zh-CN"/>
           </a:p>
@@ -31572,6 +32137,52 @@
               <a:t>命令行</a:t>
             </a:r>
             <a:endParaRPr lang="zh-CN" altLang="en-US"/>
+          </a:p>
+          <a:p>
+            <a:r>
+              <a:rPr lang="en-US" altLang="zh-CN"/>
+              <a:t>git gui</a:t>
+            </a:r>
+            <a:r>
+              <a:rPr lang="zh-CN" altLang="en-US"/>
+              <a:t>通过鼠标右击本地文件夹</a:t>
+            </a:r>
+            <a:r>
+              <a:rPr lang="en-US" altLang="zh-CN"/>
+              <a:t>(yjcpp218)</a:t>
+            </a:r>
+            <a:r>
+              <a:rPr lang="zh-CN" altLang="en-US"/>
+              <a:t>可以</a:t>
+            </a:r>
+            <a:r>
+              <a:rPr lang="zh-CN" altLang="en-US"/>
+              <a:t>运行</a:t>
+            </a:r>
+            <a:endParaRPr lang="zh-CN" altLang="en-US"/>
+          </a:p>
+          <a:p>
+            <a:r>
+              <a:rPr lang="en-US" altLang="zh-CN">
+                <a:sym typeface="+mn-ea"/>
+              </a:rPr>
+              <a:t>Github Desktop</a:t>
+            </a:r>
+            <a:r>
+              <a:rPr lang="zh-CN" altLang="en-US">
+                <a:sym typeface="+mn-ea"/>
+              </a:rPr>
+              <a:t>需要去官网下载安装，它是一个客户端</a:t>
+            </a:r>
+            <a:r>
+              <a:rPr lang="zh-CN" altLang="en-US">
+                <a:sym typeface="+mn-ea"/>
+              </a:rPr>
+              <a:t>程序</a:t>
+            </a:r>
+            <a:endParaRPr lang="zh-CN" altLang="en-US">
+              <a:sym typeface="+mn-ea"/>
+            </a:endParaRPr>
           </a:p>
         </p:txBody>
       </p:sp>
@@ -31893,7 +32504,7 @@
           <a:p>
             <a:r>
               <a:rPr lang="zh-CN" altLang="en-US"/>
-              <a:t>右键点击</a:t>
+              <a:t>打开文件浏览器，打开</a:t>
             </a:r>
             <a:r>
               <a:rPr lang="en-US" altLang="zh-CN"/>
@@ -31901,6 +32512,21 @@
             </a:r>
             <a:r>
               <a:rPr lang="zh-CN" altLang="en-US"/>
+              <a:t>盘</a:t>
+            </a:r>
+            <a:endParaRPr lang="zh-CN" altLang="en-US"/>
+          </a:p>
+          <a:p>
+            <a:r>
+              <a:rPr lang="zh-CN" altLang="en-US"/>
+              <a:t>鼠标右击</a:t>
+            </a:r>
+            <a:r>
+              <a:rPr lang="en-US" altLang="zh-CN"/>
+              <a:t>D</a:t>
+            </a:r>
+            <a:r>
+              <a:rPr lang="zh-CN" altLang="en-US"/>
               <a:t>盘空白</a:t>
             </a:r>
             <a:r>
@@ -31931,7 +32557,7 @@
           <a:p>
             <a:r>
               <a:rPr lang="en-US" altLang="zh-CN"/>
-              <a:t>git clone </a:t>
+              <a:t>$ git clone </a:t>
             </a:r>
             <a:r>
               <a:rPr lang="zh-CN" altLang="en-US">
@@ -32386,7 +33012,7 @@
         <p:spPr>
           <a:xfrm>
             <a:off x="871855" y="2675255"/>
-            <a:ext cx="7408545" cy="3637280"/>
+            <a:ext cx="7408545" cy="1771650"/>
           </a:xfrm>
         </p:spPr>
         <p:txBody>
@@ -32435,9 +33061,6 @@
               <a:rPr lang="en-US" altLang="zh-CN"/>
               <a:t>cd vcpkg</a:t>
             </a:r>
-            <a:endParaRPr lang="en-US" altLang="zh-CN"/>
-          </a:p>
-          <a:p>
             <a:endParaRPr lang="en-US" altLang="zh-CN"/>
           </a:p>
         </p:txBody>
@@ -32478,6 +33101,34 @@
           </a:p>
         </p:txBody>
       </p:sp>
+      <p:pic>
+        <p:nvPicPr>
+          <p:cNvPr id="4" name="图片 3"/>
+          <p:cNvPicPr>
+            <a:picLocks noChangeAspect="1"/>
+          </p:cNvPicPr>
+          <p:nvPr>
+            <p:custDataLst>
+              <p:tags r:id="rId1"/>
+            </p:custDataLst>
+          </p:nvPr>
+        </p:nvPicPr>
+        <p:blipFill>
+          <a:blip r:embed="rId2"/>
+          <a:stretch>
+            <a:fillRect/>
+          </a:stretch>
+        </p:blipFill>
+        <p:spPr>
+          <a:xfrm>
+            <a:off x="3275965" y="3213100"/>
+            <a:ext cx="5682615" cy="3275965"/>
+          </a:xfrm>
+          <a:prstGeom prst="rect">
+            <a:avLst/>
+          </a:prstGeom>
+        </p:spPr>
+      </p:pic>
     </p:spTree>
   </p:cSld>
   <p:clrMapOvr>
@@ -32701,7 +33352,7 @@
               <a:rPr lang="en-US" altLang="zh-CN">
                 <a:sym typeface="+mn-ea"/>
               </a:rPr>
-              <a:t>d:\vcpkg-master&gt; vcpkg install boost --treplet=x64-windows</a:t>
+              <a:t>d:\vcpkg&gt; vcpkg install boost --treplet=x64-windows</a:t>
             </a:r>
             <a:endParaRPr lang="en-US" altLang="zh-CN"/>
           </a:p>
@@ -32721,7 +33372,7 @@
               <a:rPr lang="en-US" altLang="zh-CN">
                 <a:sym typeface="+mn-ea"/>
               </a:rPr>
-              <a:t>d:\vcpkg-master&gt; vcpkg install boost:x64-windows</a:t>
+              <a:t>d:\vcpkg&gt; vcpkg install boost:x64-windows</a:t>
             </a:r>
             <a:endParaRPr lang="en-US" altLang="zh-CN"/>
           </a:p>
@@ -32826,14 +33477,44 @@
         </p:spPr>
         <p:txBody>
           <a:bodyPr>
-            <a:normAutofit lnSpcReduction="20000"/>
+            <a:normAutofit fontScale="80000"/>
           </a:bodyPr>
           <a:p>
             <a:r>
               <a:rPr lang="zh-CN" altLang="en-US">
                 <a:sym typeface="+mn-ea"/>
               </a:rPr>
-              <a:t>执行命令：vcpkg integrate project</a:t>
+              <a:t>执行命令：</a:t>
+            </a:r>
+            <a:endParaRPr lang="zh-CN" altLang="en-US">
+              <a:sym typeface="+mn-ea"/>
+            </a:endParaRPr>
+          </a:p>
+          <a:p>
+            <a:r>
+              <a:rPr lang="en-US" altLang="zh-CN">
+                <a:sym typeface="+mn-ea"/>
+              </a:rPr>
+              <a:t>d:\vcpkg&gt;</a:t>
+            </a:r>
+            <a:r>
+              <a:rPr lang="zh-CN" altLang="en-US">
+                <a:sym typeface="+mn-ea"/>
+              </a:rPr>
+              <a:t>vcpkg integrate project</a:t>
+            </a:r>
+            <a:endParaRPr lang="zh-CN" altLang="en-US">
+              <a:sym typeface="+mn-ea"/>
+            </a:endParaRPr>
+          </a:p>
+          <a:p>
+            <a:r>
+              <a:rPr lang="zh-CN" altLang="en-US"/>
+              <a:t>执行成功</a:t>
+            </a:r>
+            <a:r>
+              <a:rPr lang="zh-CN" altLang="en-US"/>
+              <a:t>后，复制</a:t>
             </a:r>
             <a:endParaRPr lang="zh-CN" altLang="en-US"/>
           </a:p>
@@ -32842,6 +33523,15 @@
               <a:rPr lang="zh-CN" altLang="en-US">
                 <a:sym typeface="+mn-ea"/>
               </a:rPr>
+              <a:t>Install-Package "vcpkg.D.vcpkgmaster" -Source "D:\vcpkg\scripts\buildsystems"</a:t>
+            </a:r>
+            <a:endParaRPr lang="zh-CN" altLang="en-US"/>
+          </a:p>
+          <a:p>
+            <a:r>
+              <a:rPr lang="zh-CN" altLang="en-US">
+                <a:sym typeface="+mn-ea"/>
+              </a:rPr>
               <a:t>打开Visual Studio项目，点击菜单 工具-NuGet包管理器-程序包管理器控制台</a:t>
             </a:r>
             <a:endParaRPr lang="zh-CN" altLang="en-US"/>
@@ -32857,28 +33547,16 @@
           </a:p>
           <a:p>
             <a:r>
+              <a:rPr lang="en-US" altLang="zh-CN">
+                <a:sym typeface="+mn-ea"/>
+              </a:rPr>
+              <a:t>PM&gt; </a:t>
+            </a:r>
+            <a:r>
               <a:rPr lang="zh-CN" altLang="en-US">
                 <a:sym typeface="+mn-ea"/>
               </a:rPr>
               <a:t>Install-Package "vcpkg.D.vcpkgmaster" -Source "D:\vcpkg\scripts\buildsystems"</a:t>
-            </a:r>
-            <a:endParaRPr lang="zh-CN" altLang="en-US"/>
-          </a:p>
-          <a:p>
-            <a:r>
-              <a:rPr lang="zh-CN" altLang="en-US">
-                <a:sym typeface="+mn-ea"/>
-              </a:rPr>
-              <a:t>点击菜单 点击菜单 工具-NuGet包管理器-程序包管理器设置，选择程序包源，如图。修改名称为vcpkg，选择目录D:\vcpkg\scripts\buildsystem</a:t>
-            </a:r>
-            <a:endParaRPr lang="zh-CN" altLang="en-US"/>
-          </a:p>
-          <a:p>
-            <a:r>
-              <a:rPr lang="zh-CN" altLang="en-US">
-                <a:sym typeface="+mn-ea"/>
-              </a:rPr>
-              <a:t>点更新</a:t>
             </a:r>
             <a:endParaRPr lang="zh-CN" altLang="en-US"/>
           </a:p>
@@ -32923,86 +33601,6 @@
 </file>
 
 <file path=ppt/slides/slide68.xml><?xml version="1.0" encoding="utf-8"?>
-<p:sld xmlns:a="http://schemas.openxmlformats.org/drawingml/2006/main" xmlns:r="http://schemas.openxmlformats.org/officeDocument/2006/relationships" xmlns:p="http://schemas.openxmlformats.org/presentationml/2006/main">
-  <p:cSld>
-    <p:spTree>
-      <p:nvGrpSpPr>
-        <p:cNvPr id="1" name=""/>
-        <p:cNvGrpSpPr/>
-        <p:nvPr/>
-      </p:nvGrpSpPr>
-      <p:grpSpPr/>
-      <p:sp>
-        <p:nvSpPr>
-          <p:cNvPr id="3" name="标题 2"/>
-          <p:cNvSpPr>
-            <a:spLocks noGrp="1"/>
-          </p:cNvSpPr>
-          <p:nvPr>
-            <p:ph type="title"/>
-          </p:nvPr>
-        </p:nvSpPr>
-        <p:spPr/>
-        <p:txBody>
-          <a:bodyPr/>
-          <a:p>
-            <a:r>
-              <a:rPr lang="en-US" altLang="zh-CN">
-                <a:sym typeface="+mn-ea"/>
-              </a:rPr>
-              <a:t>1.10 </a:t>
-            </a:r>
-            <a:r>
-              <a:rPr lang="en-US" altLang="zh-CN">
-                <a:sym typeface="+mn-ea"/>
-              </a:rPr>
-              <a:t>vcpkg集成到VS</a:t>
-            </a:r>
-            <a:endParaRPr lang="zh-CN" altLang="en-US"/>
-          </a:p>
-        </p:txBody>
-      </p:sp>
-      <p:pic>
-        <p:nvPicPr>
-          <p:cNvPr id="4" name="图片 1"/>
-          <p:cNvPicPr>
-            <a:picLocks noChangeAspect="1"/>
-          </p:cNvPicPr>
-          <p:nvPr>
-            <p:custDataLst>
-              <p:tags r:id="rId1"/>
-            </p:custDataLst>
-          </p:nvPr>
-        </p:nvPicPr>
-        <p:blipFill>
-          <a:blip r:embed="rId2"/>
-          <a:stretch>
-            <a:fillRect/>
-          </a:stretch>
-        </p:blipFill>
-        <p:spPr>
-          <a:xfrm>
-            <a:off x="1043305" y="2276475"/>
-            <a:ext cx="6737350" cy="3637280"/>
-          </a:xfrm>
-          <a:prstGeom prst="rect">
-            <a:avLst/>
-          </a:prstGeom>
-          <a:noFill/>
-          <a:ln>
-            <a:noFill/>
-          </a:ln>
-        </p:spPr>
-      </p:pic>
-    </p:spTree>
-  </p:cSld>
-  <p:clrMapOvr>
-    <a:masterClrMapping/>
-  </p:clrMapOvr>
-</p:sld>
-</file>
-
-<file path=ppt/slides/slide69.xml><?xml version="1.0" encoding="utf-8"?>
 <p:sld xmlns:a="http://schemas.openxmlformats.org/drawingml/2006/main" xmlns:r="http://schemas.openxmlformats.org/officeDocument/2006/relationships" xmlns:p="http://schemas.openxmlformats.org/presentationml/2006/main">
   <p:cSld>
     <p:spTree>
@@ -33030,14 +33628,20 @@
         </p:spPr>
         <p:txBody>
           <a:bodyPr>
-            <a:normAutofit fontScale="80000"/>
+            <a:normAutofit/>
           </a:bodyPr>
           <a:p>
             <a:r>
+              <a:rPr lang="zh-CN" altLang="en-US">
+                <a:sym typeface="+mn-ea"/>
+              </a:rPr>
+              <a:t>打开</a:t>
+            </a:r>
+            <a:r>
               <a:rPr lang="en-US" altLang="zh-CN">
                 <a:sym typeface="+mn-ea"/>
               </a:rPr>
-              <a:t>//helloBoost.cpp</a:t>
+              <a:t>Visual Studio</a:t>
             </a:r>
             <a:endParaRPr lang="zh-CN" altLang="en-US">
               <a:sym typeface="+mn-ea"/>
@@ -33048,7 +33652,24 @@
               <a:rPr lang="zh-CN" altLang="en-US">
                 <a:sym typeface="+mn-ea"/>
               </a:rPr>
-              <a:t>#include&lt;iostream&gt;</a:t>
+              <a:t>点击菜单，</a:t>
+            </a:r>
+            <a:r>
+              <a:rPr lang="zh-CN" altLang="en-US">
+                <a:sym typeface="+mn-ea"/>
+              </a:rPr>
+              <a:t>选择工具-NuGet包管理器-程序包管理器设置，选择程序包源，如图。</a:t>
+            </a:r>
+            <a:endParaRPr lang="zh-CN" altLang="en-US">
+              <a:sym typeface="+mn-ea"/>
+            </a:endParaRPr>
+          </a:p>
+          <a:p>
+            <a:r>
+              <a:rPr lang="zh-CN" altLang="en-US">
+                <a:sym typeface="+mn-ea"/>
+              </a:rPr>
+              <a:t>修改名称为vcpkg，选择目录D:\vcpkg\scripts\buildsystem</a:t>
             </a:r>
             <a:endParaRPr lang="zh-CN" altLang="en-US"/>
           </a:p>
@@ -33057,116 +33678,7 @@
               <a:rPr lang="zh-CN" altLang="en-US">
                 <a:sym typeface="+mn-ea"/>
               </a:rPr>
-              <a:t>#include&lt;boost/</a:t>
-            </a:r>
-            <a:r>
-              <a:rPr lang="en-US" altLang="zh-CN">
-                <a:sym typeface="+mn-ea"/>
-              </a:rPr>
-              <a:t>format</a:t>
-            </a:r>
-            <a:r>
-              <a:rPr lang="zh-CN" altLang="en-US">
-                <a:sym typeface="+mn-ea"/>
-              </a:rPr>
-              <a:t>.hpp&gt;</a:t>
-            </a:r>
-            <a:endParaRPr lang="zh-CN" altLang="en-US"/>
-          </a:p>
-          <a:p>
-            <a:r>
-              <a:rPr lang="zh-CN" altLang="en-US">
-                <a:sym typeface="+mn-ea"/>
-              </a:rPr>
-              <a:t>using namespace std;</a:t>
-            </a:r>
-            <a:endParaRPr lang="zh-CN" altLang="en-US"/>
-          </a:p>
-          <a:p>
-            <a:r>
-              <a:rPr lang="en-US" altLang="zh-CN"/>
-              <a:t>using namespace boost;</a:t>
-            </a:r>
-            <a:endParaRPr lang="zh-CN" altLang="en-US"/>
-          </a:p>
-          <a:p>
-            <a:r>
-              <a:rPr lang="zh-CN" altLang="en-US">
-                <a:sym typeface="+mn-ea"/>
-              </a:rPr>
-              <a:t>int main()</a:t>
-            </a:r>
-            <a:endParaRPr lang="zh-CN" altLang="en-US"/>
-          </a:p>
-          <a:p>
-            <a:r>
-              <a:rPr lang="zh-CN" altLang="en-US">
-                <a:sym typeface="+mn-ea"/>
-              </a:rPr>
-              <a:t>{</a:t>
-            </a:r>
-            <a:endParaRPr lang="zh-CN" altLang="en-US"/>
-          </a:p>
-          <a:p>
-            <a:r>
-              <a:rPr lang="zh-CN" altLang="en-US">
-                <a:sym typeface="+mn-ea"/>
-              </a:rPr>
-              <a:t>	cout &lt;&lt; </a:t>
-            </a:r>
-            <a:r>
-              <a:rPr lang="en-US" altLang="zh-CN">
-                <a:sym typeface="+mn-ea"/>
-              </a:rPr>
-              <a:t>format(</a:t>
-            </a:r>
-            <a:r>
-              <a:rPr lang="zh-CN" altLang="en-US">
-                <a:sym typeface="+mn-ea"/>
-              </a:rPr>
-              <a:t>"Hello, </a:t>
-            </a:r>
-            <a:r>
-              <a:rPr lang="en-US" altLang="zh-CN">
-                <a:sym typeface="+mn-ea"/>
-              </a:rPr>
-              <a:t>Boost</a:t>
-            </a:r>
-            <a:r>
-              <a:rPr lang="zh-CN" altLang="en-US">
-                <a:sym typeface="+mn-ea"/>
-              </a:rPr>
-              <a:t>!"</a:t>
-            </a:r>
-            <a:r>
-              <a:rPr lang="en-US" altLang="zh-CN">
-                <a:sym typeface="+mn-ea"/>
-              </a:rPr>
-              <a:t>)</a:t>
-            </a:r>
-            <a:r>
-              <a:rPr lang="zh-CN" altLang="en-US">
-                <a:sym typeface="+mn-ea"/>
-              </a:rPr>
-              <a:t> &lt;&lt; endl;</a:t>
-            </a:r>
-            <a:endParaRPr lang="zh-CN" altLang="en-US"/>
-          </a:p>
-          <a:p>
-            <a:r>
-              <a:rPr lang="zh-CN" altLang="en-US">
-                <a:sym typeface="+mn-ea"/>
-              </a:rPr>
-              <a:t>	return 0;</a:t>
-            </a:r>
-            <a:endParaRPr lang="zh-CN" altLang="en-US"/>
-          </a:p>
-          <a:p>
-            <a:r>
-              <a:rPr lang="zh-CN" altLang="en-US">
-                <a:sym typeface="+mn-ea"/>
-              </a:rPr>
-              <a:t>}</a:t>
+              <a:t>点更新</a:t>
             </a:r>
             <a:endParaRPr lang="zh-CN" altLang="en-US"/>
           </a:p>
@@ -33202,6 +33714,82 @@
           </a:p>
         </p:txBody>
       </p:sp>
+    </p:spTree>
+  </p:cSld>
+  <p:clrMapOvr>
+    <a:masterClrMapping/>
+  </p:clrMapOvr>
+</p:sld>
+</file>
+
+<file path=ppt/slides/slide69.xml><?xml version="1.0" encoding="utf-8"?>
+<p:sld xmlns:a="http://schemas.openxmlformats.org/drawingml/2006/main" xmlns:r="http://schemas.openxmlformats.org/officeDocument/2006/relationships" xmlns:p="http://schemas.openxmlformats.org/presentationml/2006/main">
+  <p:cSld>
+    <p:spTree>
+      <p:nvGrpSpPr>
+        <p:cNvPr id="1" name=""/>
+        <p:cNvGrpSpPr/>
+        <p:nvPr/>
+      </p:nvGrpSpPr>
+      <p:grpSpPr/>
+      <p:sp>
+        <p:nvSpPr>
+          <p:cNvPr id="3" name="标题 2"/>
+          <p:cNvSpPr>
+            <a:spLocks noGrp="1"/>
+          </p:cNvSpPr>
+          <p:nvPr>
+            <p:ph type="title"/>
+          </p:nvPr>
+        </p:nvSpPr>
+        <p:spPr/>
+        <p:txBody>
+          <a:bodyPr/>
+          <a:p>
+            <a:r>
+              <a:rPr lang="en-US" altLang="zh-CN">
+                <a:sym typeface="+mn-ea"/>
+              </a:rPr>
+              <a:t>1.10 </a:t>
+            </a:r>
+            <a:r>
+              <a:rPr lang="en-US" altLang="zh-CN">
+                <a:sym typeface="+mn-ea"/>
+              </a:rPr>
+              <a:t>vcpkg集成到VS</a:t>
+            </a:r>
+            <a:endParaRPr lang="zh-CN" altLang="en-US"/>
+          </a:p>
+        </p:txBody>
+      </p:sp>
+      <p:pic>
+        <p:nvPicPr>
+          <p:cNvPr id="2" name="图片 1"/>
+          <p:cNvPicPr>
+            <a:picLocks noChangeAspect="1"/>
+          </p:cNvPicPr>
+          <p:nvPr>
+            <p:custDataLst>
+              <p:tags r:id="rId1"/>
+            </p:custDataLst>
+          </p:nvPr>
+        </p:nvPicPr>
+        <p:blipFill>
+          <a:blip r:embed="rId2"/>
+          <a:stretch>
+            <a:fillRect/>
+          </a:stretch>
+        </p:blipFill>
+        <p:spPr>
+          <a:xfrm>
+            <a:off x="972185" y="2310130"/>
+            <a:ext cx="7343140" cy="4129405"/>
+          </a:xfrm>
+          <a:prstGeom prst="rect">
+            <a:avLst/>
+          </a:prstGeom>
+        </p:spPr>
+      </p:pic>
     </p:spTree>
   </p:cSld>
   <p:clrMapOvr>
@@ -33355,6 +33943,335 @@
 </file>
 
 <file path=ppt/slides/slide70.xml><?xml version="1.0" encoding="utf-8"?>
+<p:sld xmlns:a="http://schemas.openxmlformats.org/drawingml/2006/main" xmlns:r="http://schemas.openxmlformats.org/officeDocument/2006/relationships" xmlns:p="http://schemas.openxmlformats.org/presentationml/2006/main">
+  <p:cSld>
+    <p:spTree>
+      <p:nvGrpSpPr>
+        <p:cNvPr id="1" name=""/>
+        <p:cNvGrpSpPr/>
+        <p:nvPr/>
+      </p:nvGrpSpPr>
+      <p:grpSpPr/>
+      <p:sp>
+        <p:nvSpPr>
+          <p:cNvPr id="2" name="内容占位符 1"/>
+          <p:cNvSpPr>
+            <a:spLocks noGrp="1"/>
+          </p:cNvSpPr>
+          <p:nvPr>
+            <p:ph idx="1"/>
+          </p:nvPr>
+        </p:nvSpPr>
+        <p:spPr>
+          <a:xfrm>
+            <a:off x="871855" y="2675255"/>
+            <a:ext cx="7408545" cy="3637280"/>
+          </a:xfrm>
+        </p:spPr>
+        <p:txBody>
+          <a:bodyPr>
+            <a:normAutofit/>
+          </a:bodyPr>
+          <a:p>
+            <a:r>
+              <a:rPr lang="zh-CN" altLang="en-US">
+                <a:sym typeface="+mn-ea"/>
+              </a:rPr>
+              <a:t>打开</a:t>
+            </a:r>
+            <a:r>
+              <a:rPr lang="en-US" altLang="zh-CN">
+                <a:sym typeface="+mn-ea"/>
+              </a:rPr>
+              <a:t>Visual Studio 2022</a:t>
+            </a:r>
+            <a:endParaRPr lang="en-US" altLang="zh-CN">
+              <a:sym typeface="+mn-ea"/>
+            </a:endParaRPr>
+          </a:p>
+          <a:p>
+            <a:r>
+              <a:rPr lang="zh-CN" altLang="en-US">
+                <a:sym typeface="+mn-ea"/>
+              </a:rPr>
+              <a:t>创建一个</a:t>
+            </a:r>
+            <a:r>
+              <a:rPr lang="zh-CN" altLang="en-US">
+                <a:sym typeface="+mn-ea"/>
+              </a:rPr>
+              <a:t>工程</a:t>
+            </a:r>
+            <a:endParaRPr lang="zh-CN" altLang="en-US">
+              <a:sym typeface="+mn-ea"/>
+            </a:endParaRPr>
+          </a:p>
+          <a:p>
+            <a:r>
+              <a:rPr lang="zh-CN" altLang="en-US">
+                <a:sym typeface="+mn-ea"/>
+              </a:rPr>
+              <a:t>创建一个主程序文件</a:t>
+            </a:r>
+            <a:r>
+              <a:rPr lang="en-US" altLang="zh-CN">
+                <a:sym typeface="+mn-ea"/>
+              </a:rPr>
+              <a:t>helloBoost.cpp</a:t>
+            </a:r>
+            <a:endParaRPr lang="en-US" altLang="zh-CN">
+              <a:sym typeface="+mn-ea"/>
+            </a:endParaRPr>
+          </a:p>
+        </p:txBody>
+      </p:sp>
+      <p:sp>
+        <p:nvSpPr>
+          <p:cNvPr id="3" name="标题 2"/>
+          <p:cNvSpPr>
+            <a:spLocks noGrp="1"/>
+          </p:cNvSpPr>
+          <p:nvPr>
+            <p:ph type="title"/>
+          </p:nvPr>
+        </p:nvSpPr>
+        <p:spPr/>
+        <p:txBody>
+          <a:bodyPr/>
+          <a:p>
+            <a:r>
+              <a:rPr lang="en-US" altLang="zh-CN">
+                <a:sym typeface="+mn-ea"/>
+              </a:rPr>
+              <a:t>1.10 </a:t>
+            </a:r>
+            <a:r>
+              <a:rPr lang="en-US" altLang="zh-CN">
+                <a:sym typeface="+mn-ea"/>
+              </a:rPr>
+              <a:t>vcpkg集成到VS</a:t>
+            </a:r>
+            <a:endParaRPr lang="zh-CN" altLang="en-US"/>
+          </a:p>
+        </p:txBody>
+      </p:sp>
+    </p:spTree>
+  </p:cSld>
+  <p:clrMapOvr>
+    <a:masterClrMapping/>
+  </p:clrMapOvr>
+</p:sld>
+</file>
+
+<file path=ppt/slides/slide71.xml><?xml version="1.0" encoding="utf-8"?>
+<p:sld xmlns:a="http://schemas.openxmlformats.org/drawingml/2006/main" xmlns:r="http://schemas.openxmlformats.org/officeDocument/2006/relationships" xmlns:p="http://schemas.openxmlformats.org/presentationml/2006/main">
+  <p:cSld>
+    <p:spTree>
+      <p:nvGrpSpPr>
+        <p:cNvPr id="1" name=""/>
+        <p:cNvGrpSpPr/>
+        <p:nvPr/>
+      </p:nvGrpSpPr>
+      <p:grpSpPr/>
+      <p:sp>
+        <p:nvSpPr>
+          <p:cNvPr id="2" name="内容占位符 1"/>
+          <p:cNvSpPr>
+            <a:spLocks noGrp="1"/>
+          </p:cNvSpPr>
+          <p:nvPr>
+            <p:ph idx="1"/>
+          </p:nvPr>
+        </p:nvSpPr>
+        <p:spPr>
+          <a:xfrm>
+            <a:off x="871855" y="2675255"/>
+            <a:ext cx="7408545" cy="3637280"/>
+          </a:xfrm>
+        </p:spPr>
+        <p:txBody>
+          <a:bodyPr>
+            <a:normAutofit fontScale="80000"/>
+          </a:bodyPr>
+          <a:p>
+            <a:r>
+              <a:rPr lang="en-US" altLang="zh-CN">
+                <a:sym typeface="+mn-ea"/>
+              </a:rPr>
+              <a:t>//helloBoost.cpp</a:t>
+            </a:r>
+            <a:endParaRPr lang="zh-CN" altLang="en-US">
+              <a:sym typeface="+mn-ea"/>
+            </a:endParaRPr>
+          </a:p>
+          <a:p>
+            <a:r>
+              <a:rPr lang="zh-CN" altLang="en-US">
+                <a:sym typeface="+mn-ea"/>
+              </a:rPr>
+              <a:t>#include&lt;iostream&gt;</a:t>
+            </a:r>
+            <a:endParaRPr lang="zh-CN" altLang="en-US"/>
+          </a:p>
+          <a:p>
+            <a:r>
+              <a:rPr lang="zh-CN" altLang="en-US">
+                <a:sym typeface="+mn-ea"/>
+              </a:rPr>
+              <a:t>#include&lt;boost/</a:t>
+            </a:r>
+            <a:r>
+              <a:rPr lang="en-US" altLang="zh-CN">
+                <a:sym typeface="+mn-ea"/>
+              </a:rPr>
+              <a:t>format</a:t>
+            </a:r>
+            <a:r>
+              <a:rPr lang="zh-CN" altLang="en-US">
+                <a:sym typeface="+mn-ea"/>
+              </a:rPr>
+              <a:t>.hpp&gt;</a:t>
+            </a:r>
+            <a:endParaRPr lang="zh-CN" altLang="en-US"/>
+          </a:p>
+          <a:p>
+            <a:r>
+              <a:rPr lang="zh-CN" altLang="en-US">
+                <a:sym typeface="+mn-ea"/>
+              </a:rPr>
+              <a:t>using namespace std;</a:t>
+            </a:r>
+            <a:endParaRPr lang="zh-CN" altLang="en-US"/>
+          </a:p>
+          <a:p>
+            <a:r>
+              <a:rPr lang="en-US" altLang="zh-CN"/>
+              <a:t>using namespace boost;</a:t>
+            </a:r>
+            <a:endParaRPr lang="zh-CN" altLang="en-US"/>
+          </a:p>
+          <a:p>
+            <a:r>
+              <a:rPr lang="zh-CN" altLang="en-US">
+                <a:sym typeface="+mn-ea"/>
+              </a:rPr>
+              <a:t>int main()</a:t>
+            </a:r>
+            <a:endParaRPr lang="zh-CN" altLang="en-US"/>
+          </a:p>
+          <a:p>
+            <a:r>
+              <a:rPr lang="zh-CN" altLang="en-US">
+                <a:sym typeface="+mn-ea"/>
+              </a:rPr>
+              <a:t>{</a:t>
+            </a:r>
+            <a:endParaRPr lang="zh-CN" altLang="en-US"/>
+          </a:p>
+          <a:p>
+            <a:r>
+              <a:rPr lang="zh-CN" altLang="en-US">
+                <a:sym typeface="+mn-ea"/>
+              </a:rPr>
+              <a:t>	cout &lt;&lt; </a:t>
+            </a:r>
+            <a:r>
+              <a:rPr lang="en-US" altLang="zh-CN">
+                <a:sym typeface="+mn-ea"/>
+              </a:rPr>
+              <a:t>format(</a:t>
+            </a:r>
+            <a:r>
+              <a:rPr lang="zh-CN" altLang="en-US">
+                <a:sym typeface="+mn-ea"/>
+              </a:rPr>
+              <a:t>"Hello, </a:t>
+            </a:r>
+            <a:r>
+              <a:rPr lang="en-US" altLang="zh-CN">
+                <a:sym typeface="+mn-ea"/>
+              </a:rPr>
+              <a:t>Boost</a:t>
+            </a:r>
+            <a:r>
+              <a:rPr lang="zh-CN" altLang="en-US">
+                <a:sym typeface="+mn-ea"/>
+              </a:rPr>
+              <a:t>!"</a:t>
+            </a:r>
+            <a:r>
+              <a:rPr lang="en-US" altLang="zh-CN">
+                <a:sym typeface="+mn-ea"/>
+              </a:rPr>
+              <a:t>)</a:t>
+            </a:r>
+            <a:r>
+              <a:rPr lang="zh-CN" altLang="en-US">
+                <a:sym typeface="+mn-ea"/>
+              </a:rPr>
+              <a:t> &lt;&lt; endl;</a:t>
+            </a:r>
+            <a:endParaRPr lang="zh-CN" altLang="en-US"/>
+          </a:p>
+          <a:p>
+            <a:r>
+              <a:rPr lang="zh-CN" altLang="en-US">
+                <a:sym typeface="+mn-ea"/>
+              </a:rPr>
+              <a:t>	return 0;</a:t>
+            </a:r>
+            <a:endParaRPr lang="zh-CN" altLang="en-US"/>
+          </a:p>
+          <a:p>
+            <a:r>
+              <a:rPr lang="zh-CN" altLang="en-US">
+                <a:sym typeface="+mn-ea"/>
+              </a:rPr>
+              <a:t>}</a:t>
+            </a:r>
+            <a:endParaRPr lang="zh-CN" altLang="en-US"/>
+          </a:p>
+        </p:txBody>
+      </p:sp>
+      <p:sp>
+        <p:nvSpPr>
+          <p:cNvPr id="3" name="标题 2"/>
+          <p:cNvSpPr>
+            <a:spLocks noGrp="1"/>
+          </p:cNvSpPr>
+          <p:nvPr>
+            <p:ph type="title"/>
+          </p:nvPr>
+        </p:nvSpPr>
+        <p:spPr/>
+        <p:txBody>
+          <a:bodyPr/>
+          <a:p>
+            <a:r>
+              <a:rPr lang="en-US" altLang="zh-CN">
+                <a:sym typeface="+mn-ea"/>
+              </a:rPr>
+              <a:t>1.10 </a:t>
+            </a:r>
+            <a:r>
+              <a:rPr lang="en-US" altLang="zh-CN">
+                <a:sym typeface="+mn-ea"/>
+              </a:rPr>
+              <a:t>vcpkg集成到VS</a:t>
+            </a:r>
+            <a:endParaRPr lang="zh-CN" altLang="en-US"/>
+          </a:p>
+        </p:txBody>
+      </p:sp>
+    </p:spTree>
+  </p:cSld>
+  <p:clrMapOvr>
+    <a:masterClrMapping/>
+  </p:clrMapOvr>
+</p:sld>
+</file>
+
+<file path=ppt/slides/slide72.xml><?xml version="1.0" encoding="utf-8"?>
 <p:sld xmlns:a="http://schemas.openxmlformats.org/drawingml/2006/main" xmlns:r="http://schemas.openxmlformats.org/officeDocument/2006/relationships" xmlns:p="http://schemas.openxmlformats.org/presentationml/2006/main">
   <p:cSld>
     <p:spTree>
@@ -33516,7 +34433,7 @@
 </p:sld>
 </file>
 
-<file path=ppt/slides/slide71.xml><?xml version="1.0" encoding="utf-8"?>
+<file path=ppt/slides/slide73.xml><?xml version="1.0" encoding="utf-8"?>
 <p:sld xmlns:a="http://schemas.openxmlformats.org/drawingml/2006/main" xmlns:r="http://schemas.openxmlformats.org/officeDocument/2006/relationships" xmlns:p="http://schemas.openxmlformats.org/presentationml/2006/main">
   <p:cSld>
     <p:spTree>
@@ -33647,7 +34564,7 @@
 </p:sld>
 </file>
 
-<file path=ppt/slides/slide72.xml><?xml version="1.0" encoding="utf-8"?>
+<file path=ppt/slides/slide74.xml><?xml version="1.0" encoding="utf-8"?>
 <p:sld xmlns:a="http://schemas.openxmlformats.org/drawingml/2006/main" xmlns:r="http://schemas.openxmlformats.org/officeDocument/2006/relationships" xmlns:p="http://schemas.openxmlformats.org/presentationml/2006/main">
   <p:cSld>
     <p:spTree>
@@ -33787,7 +34704,7 @@
 </p:sld>
 </file>
 
-<file path=ppt/slides/slide73.xml><?xml version="1.0" encoding="utf-8"?>
+<file path=ppt/slides/slide75.xml><?xml version="1.0" encoding="utf-8"?>
 <p:sld xmlns:a="http://schemas.openxmlformats.org/drawingml/2006/main" xmlns:r="http://schemas.openxmlformats.org/officeDocument/2006/relationships" xmlns:p="http://schemas.openxmlformats.org/presentationml/2006/main">
   <p:cSld>
     <p:spTree>
@@ -33912,7 +34829,7 @@
 </p:sld>
 </file>
 
-<file path=ppt/slides/slide74.xml><?xml version="1.0" encoding="utf-8"?>
+<file path=ppt/slides/slide76.xml><?xml version="1.0" encoding="utf-8"?>
 <p:sld xmlns:a="http://schemas.openxmlformats.org/drawingml/2006/main" xmlns:r="http://schemas.openxmlformats.org/officeDocument/2006/relationships" xmlns:p="http://schemas.openxmlformats.org/presentationml/2006/main">
   <p:cSld>
     <p:spTree>
@@ -34090,7 +35007,7 @@
 </p:sld>
 </file>
 
-<file path=ppt/slides/slide75.xml><?xml version="1.0" encoding="utf-8"?>
+<file path=ppt/slides/slide77.xml><?xml version="1.0" encoding="utf-8"?>
 <p:sld xmlns:a="http://schemas.openxmlformats.org/drawingml/2006/main" xmlns:r="http://schemas.openxmlformats.org/officeDocument/2006/relationships" xmlns:p="http://schemas.openxmlformats.org/presentationml/2006/main">
   <p:cSld>
     <p:spTree>
@@ -34246,7 +35163,7 @@
 </p:sld>
 </file>
 
-<file path=ppt/slides/slide76.xml><?xml version="1.0" encoding="utf-8"?>
+<file path=ppt/slides/slide78.xml><?xml version="1.0" encoding="utf-8"?>
 <p:sld xmlns:a="http://schemas.openxmlformats.org/drawingml/2006/main" xmlns:r="http://schemas.openxmlformats.org/officeDocument/2006/relationships" xmlns:p="http://schemas.openxmlformats.org/presentationml/2006/main">
   <p:cSld>
     <p:spTree>
@@ -34398,7 +35315,7 @@
 </p:sld>
 </file>
 
-<file path=ppt/slides/slide77.xml><?xml version="1.0" encoding="utf-8"?>
+<file path=ppt/slides/slide79.xml><?xml version="1.0" encoding="utf-8"?>
 <p:sld xmlns:a="http://schemas.openxmlformats.org/drawingml/2006/main" xmlns:r="http://schemas.openxmlformats.org/officeDocument/2006/relationships" xmlns:p="http://schemas.openxmlformats.org/presentationml/2006/main">
   <p:cSld>
     <p:spTree>
@@ -34590,248 +35507,6 @@
           <a:xfrm>
             <a:off x="3204210" y="2565400"/>
             <a:ext cx="5591175" cy="3912235"/>
-          </a:xfrm>
-          <a:prstGeom prst="rect">
-            <a:avLst/>
-          </a:prstGeom>
-        </p:spPr>
-      </p:pic>
-    </p:spTree>
-  </p:cSld>
-  <p:clrMapOvr>
-    <a:masterClrMapping/>
-  </p:clrMapOvr>
-</p:sld>
-</file>
-
-<file path=ppt/slides/slide78.xml><?xml version="1.0" encoding="utf-8"?>
-<p:sld xmlns:a="http://schemas.openxmlformats.org/drawingml/2006/main" xmlns:r="http://schemas.openxmlformats.org/officeDocument/2006/relationships" xmlns:p="http://schemas.openxmlformats.org/presentationml/2006/main">
-  <p:cSld>
-    <p:spTree>
-      <p:nvGrpSpPr>
-        <p:cNvPr id="1" name=""/>
-        <p:cNvGrpSpPr/>
-        <p:nvPr/>
-      </p:nvGrpSpPr>
-      <p:grpSpPr/>
-      <p:sp>
-        <p:nvSpPr>
-          <p:cNvPr id="2" name="内容占位符 1"/>
-          <p:cNvSpPr>
-            <a:spLocks noGrp="1"/>
-          </p:cNvSpPr>
-          <p:nvPr>
-            <p:ph idx="1"/>
-          </p:nvPr>
-        </p:nvSpPr>
-        <p:spPr>
-          <a:xfrm>
-            <a:off x="871855" y="2675255"/>
-            <a:ext cx="7408545" cy="535940"/>
-          </a:xfrm>
-        </p:spPr>
-        <p:txBody>
-          <a:bodyPr>
-            <a:normAutofit/>
-          </a:bodyPr>
-          <a:p>
-            <a:r>
-              <a:rPr lang="zh-CN" altLang="en-US">
-                <a:sym typeface="+mn-ea"/>
-              </a:rPr>
-              <a:t>此时程序就可以正常编译</a:t>
-            </a:r>
-            <a:r>
-              <a:rPr lang="zh-CN" altLang="en-US">
-                <a:sym typeface="+mn-ea"/>
-              </a:rPr>
-              <a:t>执行了</a:t>
-            </a:r>
-            <a:endParaRPr lang="zh-CN" altLang="en-US">
-              <a:sym typeface="+mn-ea"/>
-            </a:endParaRPr>
-          </a:p>
-        </p:txBody>
-      </p:sp>
-      <p:sp>
-        <p:nvSpPr>
-          <p:cNvPr id="3" name="标题 2"/>
-          <p:cNvSpPr>
-            <a:spLocks noGrp="1"/>
-          </p:cNvSpPr>
-          <p:nvPr>
-            <p:ph type="title"/>
-          </p:nvPr>
-        </p:nvSpPr>
-        <p:spPr/>
-        <p:txBody>
-          <a:bodyPr/>
-          <a:p>
-            <a:r>
-              <a:rPr lang="en-US" altLang="zh-CN">
-                <a:sym typeface="+mn-ea"/>
-              </a:rPr>
-              <a:t>1.11 VS2022</a:t>
-            </a:r>
-            <a:r>
-              <a:rPr lang="zh-CN" altLang="en-US">
-                <a:sym typeface="+mn-ea"/>
-              </a:rPr>
-              <a:t>支持</a:t>
-            </a:r>
-            <a:r>
-              <a:rPr lang="en-US" altLang="zh-CN">
-                <a:sym typeface="+mn-ea"/>
-              </a:rPr>
-              <a:t>c++20</a:t>
-            </a:r>
-            <a:r>
-              <a:rPr lang="zh-CN" altLang="en-US">
-                <a:sym typeface="+mn-ea"/>
-              </a:rPr>
-              <a:t>配置</a:t>
-            </a:r>
-            <a:endParaRPr lang="zh-CN" altLang="en-US"/>
-          </a:p>
-        </p:txBody>
-      </p:sp>
-      <p:pic>
-        <p:nvPicPr>
-          <p:cNvPr id="4" name="图片 3"/>
-          <p:cNvPicPr>
-            <a:picLocks noChangeAspect="1"/>
-          </p:cNvPicPr>
-          <p:nvPr>
-            <p:custDataLst>
-              <p:tags r:id="rId1"/>
-            </p:custDataLst>
-          </p:nvPr>
-        </p:nvPicPr>
-        <p:blipFill>
-          <a:blip r:embed="rId2"/>
-          <a:stretch>
-            <a:fillRect/>
-          </a:stretch>
-        </p:blipFill>
-        <p:spPr>
-          <a:xfrm>
-            <a:off x="1331595" y="3284855"/>
-            <a:ext cx="5566410" cy="2910840"/>
-          </a:xfrm>
-          <a:prstGeom prst="rect">
-            <a:avLst/>
-          </a:prstGeom>
-        </p:spPr>
-      </p:pic>
-    </p:spTree>
-  </p:cSld>
-  <p:clrMapOvr>
-    <a:masterClrMapping/>
-  </p:clrMapOvr>
-</p:sld>
-</file>
-
-<file path=ppt/slides/slide79.xml><?xml version="1.0" encoding="utf-8"?>
-<p:sld xmlns:a="http://schemas.openxmlformats.org/drawingml/2006/main" xmlns:r="http://schemas.openxmlformats.org/officeDocument/2006/relationships" xmlns:p="http://schemas.openxmlformats.org/presentationml/2006/main">
-  <p:cSld>
-    <p:spTree>
-      <p:nvGrpSpPr>
-        <p:cNvPr id="1" name=""/>
-        <p:cNvGrpSpPr/>
-        <p:nvPr/>
-      </p:nvGrpSpPr>
-      <p:grpSpPr/>
-      <p:sp>
-        <p:nvSpPr>
-          <p:cNvPr id="2" name="内容占位符 1"/>
-          <p:cNvSpPr>
-            <a:spLocks noGrp="1"/>
-          </p:cNvSpPr>
-          <p:nvPr>
-            <p:ph idx="1"/>
-          </p:nvPr>
-        </p:nvSpPr>
-        <p:spPr>
-          <a:xfrm>
-            <a:off x="871855" y="2675255"/>
-            <a:ext cx="7408545" cy="546100"/>
-          </a:xfrm>
-        </p:spPr>
-        <p:txBody>
-          <a:bodyPr/>
-          <a:p>
-            <a:r>
-              <a:rPr lang="zh-CN" altLang="en-US">
-                <a:sym typeface="+mn-ea"/>
-              </a:rPr>
-              <a:t>去https://www.msys2.org/网站下载</a:t>
-            </a:r>
-            <a:r>
-              <a:rPr lang="zh-CN" altLang="en-US">
-                <a:sym typeface="+mn-ea"/>
-              </a:rPr>
-              <a:t>mingw-w64</a:t>
-            </a:r>
-            <a:endParaRPr lang="zh-CN" altLang="en-US"/>
-          </a:p>
-        </p:txBody>
-      </p:sp>
-      <p:sp>
-        <p:nvSpPr>
-          <p:cNvPr id="3" name="标题 2"/>
-          <p:cNvSpPr>
-            <a:spLocks noGrp="1"/>
-          </p:cNvSpPr>
-          <p:nvPr>
-            <p:ph type="title"/>
-          </p:nvPr>
-        </p:nvSpPr>
-        <p:spPr/>
-        <p:txBody>
-          <a:bodyPr/>
-          <a:p>
-            <a:r>
-              <a:rPr lang="en-US" altLang="zh-CN"/>
-              <a:t>1.12 </a:t>
-            </a:r>
-            <a:r>
-              <a:rPr lang="zh-CN" altLang="en-US" dirty="0">
-                <a:sym typeface="+mn-ea"/>
-              </a:rPr>
-              <a:t>安装</a:t>
-            </a:r>
-            <a:r>
-              <a:rPr lang="en-US" altLang="zh-CN" dirty="0">
-                <a:sym typeface="+mn-ea"/>
-              </a:rPr>
-              <a:t>mingw</a:t>
-            </a:r>
-            <a:endParaRPr lang="en-US" altLang="zh-CN"/>
-          </a:p>
-        </p:txBody>
-      </p:sp>
-      <p:pic>
-        <p:nvPicPr>
-          <p:cNvPr id="4" name="图片 3"/>
-          <p:cNvPicPr>
-            <a:picLocks noChangeAspect="1"/>
-          </p:cNvPicPr>
-          <p:nvPr>
-            <p:custDataLst>
-              <p:tags r:id="rId1"/>
-            </p:custDataLst>
-          </p:nvPr>
-        </p:nvPicPr>
-        <p:blipFill>
-          <a:blip r:embed="rId2"/>
-          <a:stretch>
-            <a:fillRect/>
-          </a:stretch>
-        </p:blipFill>
-        <p:spPr>
-          <a:xfrm>
-            <a:off x="1475740" y="3357245"/>
-            <a:ext cx="5172075" cy="2909570"/>
           </a:xfrm>
           <a:prstGeom prst="rect">
             <a:avLst/>
@@ -34975,6 +35650,248 @@
         <p:spPr>
           <a:xfrm>
             <a:off x="871855" y="2675255"/>
+            <a:ext cx="7408545" cy="535940"/>
+          </a:xfrm>
+        </p:spPr>
+        <p:txBody>
+          <a:bodyPr>
+            <a:normAutofit/>
+          </a:bodyPr>
+          <a:p>
+            <a:r>
+              <a:rPr lang="zh-CN" altLang="en-US">
+                <a:sym typeface="+mn-ea"/>
+              </a:rPr>
+              <a:t>此时程序就可以正常编译</a:t>
+            </a:r>
+            <a:r>
+              <a:rPr lang="zh-CN" altLang="en-US">
+                <a:sym typeface="+mn-ea"/>
+              </a:rPr>
+              <a:t>执行了</a:t>
+            </a:r>
+            <a:endParaRPr lang="zh-CN" altLang="en-US">
+              <a:sym typeface="+mn-ea"/>
+            </a:endParaRPr>
+          </a:p>
+        </p:txBody>
+      </p:sp>
+      <p:sp>
+        <p:nvSpPr>
+          <p:cNvPr id="3" name="标题 2"/>
+          <p:cNvSpPr>
+            <a:spLocks noGrp="1"/>
+          </p:cNvSpPr>
+          <p:nvPr>
+            <p:ph type="title"/>
+          </p:nvPr>
+        </p:nvSpPr>
+        <p:spPr/>
+        <p:txBody>
+          <a:bodyPr/>
+          <a:p>
+            <a:r>
+              <a:rPr lang="en-US" altLang="zh-CN">
+                <a:sym typeface="+mn-ea"/>
+              </a:rPr>
+              <a:t>1.11 VS2022</a:t>
+            </a:r>
+            <a:r>
+              <a:rPr lang="zh-CN" altLang="en-US">
+                <a:sym typeface="+mn-ea"/>
+              </a:rPr>
+              <a:t>支持</a:t>
+            </a:r>
+            <a:r>
+              <a:rPr lang="en-US" altLang="zh-CN">
+                <a:sym typeface="+mn-ea"/>
+              </a:rPr>
+              <a:t>c++20</a:t>
+            </a:r>
+            <a:r>
+              <a:rPr lang="zh-CN" altLang="en-US">
+                <a:sym typeface="+mn-ea"/>
+              </a:rPr>
+              <a:t>配置</a:t>
+            </a:r>
+            <a:endParaRPr lang="zh-CN" altLang="en-US"/>
+          </a:p>
+        </p:txBody>
+      </p:sp>
+      <p:pic>
+        <p:nvPicPr>
+          <p:cNvPr id="5" name="图片 4"/>
+          <p:cNvPicPr>
+            <a:picLocks noChangeAspect="1"/>
+          </p:cNvPicPr>
+          <p:nvPr>
+            <p:custDataLst>
+              <p:tags r:id="rId1"/>
+            </p:custDataLst>
+          </p:nvPr>
+        </p:nvPicPr>
+        <p:blipFill>
+          <a:blip r:embed="rId2"/>
+          <a:stretch>
+            <a:fillRect/>
+          </a:stretch>
+        </p:blipFill>
+        <p:spPr>
+          <a:xfrm>
+            <a:off x="1259840" y="3357245"/>
+            <a:ext cx="6205220" cy="3112135"/>
+          </a:xfrm>
+          <a:prstGeom prst="rect">
+            <a:avLst/>
+          </a:prstGeom>
+        </p:spPr>
+      </p:pic>
+    </p:spTree>
+  </p:cSld>
+  <p:clrMapOvr>
+    <a:masterClrMapping/>
+  </p:clrMapOvr>
+</p:sld>
+</file>
+
+<file path=ppt/slides/slide81.xml><?xml version="1.0" encoding="utf-8"?>
+<p:sld xmlns:a="http://schemas.openxmlformats.org/drawingml/2006/main" xmlns:r="http://schemas.openxmlformats.org/officeDocument/2006/relationships" xmlns:p="http://schemas.openxmlformats.org/presentationml/2006/main">
+  <p:cSld>
+    <p:spTree>
+      <p:nvGrpSpPr>
+        <p:cNvPr id="1" name=""/>
+        <p:cNvGrpSpPr/>
+        <p:nvPr/>
+      </p:nvGrpSpPr>
+      <p:grpSpPr/>
+      <p:sp>
+        <p:nvSpPr>
+          <p:cNvPr id="2" name="内容占位符 1"/>
+          <p:cNvSpPr>
+            <a:spLocks noGrp="1"/>
+          </p:cNvSpPr>
+          <p:nvPr>
+            <p:ph idx="1"/>
+          </p:nvPr>
+        </p:nvSpPr>
+        <p:spPr>
+          <a:xfrm>
+            <a:off x="871855" y="2675255"/>
+            <a:ext cx="7408545" cy="546100"/>
+          </a:xfrm>
+        </p:spPr>
+        <p:txBody>
+          <a:bodyPr/>
+          <a:p>
+            <a:r>
+              <a:rPr lang="zh-CN" altLang="en-US">
+                <a:sym typeface="+mn-ea"/>
+              </a:rPr>
+              <a:t>去https://www.msys2.org/网站下载</a:t>
+            </a:r>
+            <a:r>
+              <a:rPr lang="zh-CN" altLang="en-US">
+                <a:sym typeface="+mn-ea"/>
+              </a:rPr>
+              <a:t>mingw-w64</a:t>
+            </a:r>
+            <a:endParaRPr lang="zh-CN" altLang="en-US"/>
+          </a:p>
+        </p:txBody>
+      </p:sp>
+      <p:sp>
+        <p:nvSpPr>
+          <p:cNvPr id="3" name="标题 2"/>
+          <p:cNvSpPr>
+            <a:spLocks noGrp="1"/>
+          </p:cNvSpPr>
+          <p:nvPr>
+            <p:ph type="title"/>
+          </p:nvPr>
+        </p:nvSpPr>
+        <p:spPr/>
+        <p:txBody>
+          <a:bodyPr/>
+          <a:p>
+            <a:r>
+              <a:rPr lang="en-US" altLang="zh-CN"/>
+              <a:t>1.12 </a:t>
+            </a:r>
+            <a:r>
+              <a:rPr lang="zh-CN" altLang="en-US" dirty="0">
+                <a:sym typeface="+mn-ea"/>
+              </a:rPr>
+              <a:t>安装</a:t>
+            </a:r>
+            <a:r>
+              <a:rPr lang="en-US" altLang="zh-CN" dirty="0">
+                <a:sym typeface="+mn-ea"/>
+              </a:rPr>
+              <a:t>mingw</a:t>
+            </a:r>
+            <a:endParaRPr lang="en-US" altLang="zh-CN"/>
+          </a:p>
+        </p:txBody>
+      </p:sp>
+      <p:pic>
+        <p:nvPicPr>
+          <p:cNvPr id="4" name="图片 3"/>
+          <p:cNvPicPr>
+            <a:picLocks noChangeAspect="1"/>
+          </p:cNvPicPr>
+          <p:nvPr>
+            <p:custDataLst>
+              <p:tags r:id="rId1"/>
+            </p:custDataLst>
+          </p:nvPr>
+        </p:nvPicPr>
+        <p:blipFill>
+          <a:blip r:embed="rId2"/>
+          <a:stretch>
+            <a:fillRect/>
+          </a:stretch>
+        </p:blipFill>
+        <p:spPr>
+          <a:xfrm>
+            <a:off x="1475740" y="3357245"/>
+            <a:ext cx="5172075" cy="2909570"/>
+          </a:xfrm>
+          <a:prstGeom prst="rect">
+            <a:avLst/>
+          </a:prstGeom>
+        </p:spPr>
+      </p:pic>
+    </p:spTree>
+  </p:cSld>
+  <p:clrMapOvr>
+    <a:masterClrMapping/>
+  </p:clrMapOvr>
+</p:sld>
+</file>
+
+<file path=ppt/slides/slide82.xml><?xml version="1.0" encoding="utf-8"?>
+<p:sld xmlns:a="http://schemas.openxmlformats.org/drawingml/2006/main" xmlns:r="http://schemas.openxmlformats.org/officeDocument/2006/relationships" xmlns:p="http://schemas.openxmlformats.org/presentationml/2006/main">
+  <p:cSld>
+    <p:spTree>
+      <p:nvGrpSpPr>
+        <p:cNvPr id="1" name=""/>
+        <p:cNvGrpSpPr/>
+        <p:nvPr/>
+      </p:nvGrpSpPr>
+      <p:grpSpPr/>
+      <p:sp>
+        <p:nvSpPr>
+          <p:cNvPr id="2" name="内容占位符 1"/>
+          <p:cNvSpPr>
+            <a:spLocks noGrp="1"/>
+          </p:cNvSpPr>
+          <p:nvPr>
+            <p:ph idx="1"/>
+          </p:nvPr>
+        </p:nvSpPr>
+        <p:spPr>
+          <a:xfrm>
+            <a:off x="871855" y="2675255"/>
             <a:ext cx="7408545" cy="539750"/>
           </a:xfrm>
         </p:spPr>
@@ -35069,7 +35986,7 @@
 </p:sld>
 </file>
 
-<file path=ppt/slides/slide81.xml><?xml version="1.0" encoding="utf-8"?>
+<file path=ppt/slides/slide83.xml><?xml version="1.0" encoding="utf-8"?>
 <p:sld xmlns:a="http://schemas.openxmlformats.org/drawingml/2006/main" xmlns:r="http://schemas.openxmlformats.org/officeDocument/2006/relationships" xmlns:p="http://schemas.openxmlformats.org/presentationml/2006/main">
   <p:cSld>
     <p:spTree>
@@ -35200,7 +36117,7 @@
 </p:sld>
 </file>
 
-<file path=ppt/slides/slide82.xml><?xml version="1.0" encoding="utf-8"?>
+<file path=ppt/slides/slide84.xml><?xml version="1.0" encoding="utf-8"?>
 <p:sld xmlns:a="http://schemas.openxmlformats.org/drawingml/2006/main" xmlns:r="http://schemas.openxmlformats.org/officeDocument/2006/relationships" xmlns:p="http://schemas.openxmlformats.org/presentationml/2006/main">
   <p:cSld>
     <p:spTree>
@@ -35277,7 +36194,7 @@
       </p:sp>
       <p:pic>
         <p:nvPicPr>
-          <p:cNvPr id="6" name="图片 5"/>
+          <p:cNvPr id="4" name="图片 3"/>
           <p:cNvPicPr>
             <a:picLocks noChangeAspect="1"/>
           </p:cNvPicPr>
@@ -35295,8 +36212,8 @@
         </p:blipFill>
         <p:spPr>
           <a:xfrm>
-            <a:off x="1339850" y="3429000"/>
-            <a:ext cx="6052820" cy="2724785"/>
+            <a:off x="1332230" y="3285490"/>
+            <a:ext cx="5082540" cy="2585720"/>
           </a:xfrm>
           <a:prstGeom prst="rect">
             <a:avLst/>
@@ -35311,7 +36228,7 @@
 </p:sld>
 </file>
 
-<file path=ppt/slides/slide83.xml><?xml version="1.0" encoding="utf-8"?>
+<file path=ppt/slides/slide85.xml><?xml version="1.0" encoding="utf-8"?>
 <p:sld xmlns:a="http://schemas.openxmlformats.org/drawingml/2006/main" xmlns:r="http://schemas.openxmlformats.org/officeDocument/2006/relationships" xmlns:p="http://schemas.openxmlformats.org/presentationml/2006/main">
   <p:cSld>
     <p:spTree>
@@ -35388,7 +36305,7 @@
       </p:sp>
       <p:pic>
         <p:nvPicPr>
-          <p:cNvPr id="4" name="图片 3"/>
+          <p:cNvPr id="5" name="图片 4"/>
           <p:cNvPicPr>
             <a:picLocks noChangeAspect="1"/>
           </p:cNvPicPr>
@@ -35406,8 +36323,8 @@
         </p:blipFill>
         <p:spPr>
           <a:xfrm>
-            <a:off x="4355465" y="2204720"/>
-            <a:ext cx="3924935" cy="4193540"/>
+            <a:off x="4462145" y="2708910"/>
+            <a:ext cx="3818255" cy="3745865"/>
           </a:xfrm>
           <a:prstGeom prst="rect">
             <a:avLst/>
@@ -35422,7 +36339,7 @@
 </p:sld>
 </file>
 
-<file path=ppt/slides/slide84.xml><?xml version="1.0" encoding="utf-8"?>
+<file path=ppt/slides/slide86.xml><?xml version="1.0" encoding="utf-8"?>
 <p:sld xmlns:a="http://schemas.openxmlformats.org/drawingml/2006/main" xmlns:r="http://schemas.openxmlformats.org/officeDocument/2006/relationships" xmlns:p="http://schemas.openxmlformats.org/presentationml/2006/main">
   <p:cSld>
     <p:spTree>
@@ -35524,7 +36441,7 @@
 </p:sld>
 </file>
 
-<file path=ppt/slides/slide85.xml><?xml version="1.0" encoding="utf-8"?>
+<file path=ppt/slides/slide87.xml><?xml version="1.0" encoding="utf-8"?>
 <p:sld xmlns:a="http://schemas.openxmlformats.org/drawingml/2006/main" xmlns:r="http://schemas.openxmlformats.org/officeDocument/2006/relationships" xmlns:p="http://schemas.openxmlformats.org/presentationml/2006/main">
   <p:cSld>
     <p:spTree>
@@ -35606,7 +36523,7 @@
 </p:sld>
 </file>
 
-<file path=ppt/slides/slide86.xml><?xml version="1.0" encoding="utf-8"?>
+<file path=ppt/slides/slide88.xml><?xml version="1.0" encoding="utf-8"?>
 <p:sld xmlns:a="http://schemas.openxmlformats.org/drawingml/2006/main" xmlns:r="http://schemas.openxmlformats.org/officeDocument/2006/relationships" xmlns:p="http://schemas.openxmlformats.org/presentationml/2006/main">
   <p:cSld>
     <p:spTree>
@@ -35723,7 +36640,7 @@
 </p:sld>
 </file>
 
-<file path=ppt/slides/slide87.xml><?xml version="1.0" encoding="utf-8"?>
+<file path=ppt/slides/slide89.xml><?xml version="1.0" encoding="utf-8"?>
 <p:sld xmlns:a="http://schemas.openxmlformats.org/drawingml/2006/main" xmlns:r="http://schemas.openxmlformats.org/officeDocument/2006/relationships" xmlns:p="http://schemas.openxmlformats.org/presentationml/2006/main">
   <p:cSld>
     <p:spTree>
@@ -35832,219 +36749,6 @@
           <a:xfrm>
             <a:off x="1475740" y="3500755"/>
             <a:ext cx="5124450" cy="1724025"/>
-          </a:xfrm>
-          <a:prstGeom prst="rect">
-            <a:avLst/>
-          </a:prstGeom>
-        </p:spPr>
-      </p:pic>
-    </p:spTree>
-  </p:cSld>
-  <p:clrMapOvr>
-    <a:masterClrMapping/>
-  </p:clrMapOvr>
-</p:sld>
-</file>
-
-<file path=ppt/slides/slide88.xml><?xml version="1.0" encoding="utf-8"?>
-<p:sld xmlns:a="http://schemas.openxmlformats.org/drawingml/2006/main" xmlns:r="http://schemas.openxmlformats.org/officeDocument/2006/relationships" xmlns:p="http://schemas.openxmlformats.org/presentationml/2006/main">
-  <p:cSld>
-    <p:spTree>
-      <p:nvGrpSpPr>
-        <p:cNvPr id="1" name=""/>
-        <p:cNvGrpSpPr/>
-        <p:nvPr/>
-      </p:nvGrpSpPr>
-      <p:grpSpPr/>
-      <p:sp>
-        <p:nvSpPr>
-          <p:cNvPr id="2" name="内容占位符 1"/>
-          <p:cNvSpPr>
-            <a:spLocks noGrp="1"/>
-          </p:cNvSpPr>
-          <p:nvPr>
-            <p:ph idx="1"/>
-          </p:nvPr>
-        </p:nvSpPr>
-        <p:spPr/>
-        <p:txBody>
-          <a:bodyPr/>
-          <a:p>
-            <a:r>
-              <a:rPr lang="zh-CN" altLang="en-US">
-                <a:sym typeface="+mn-ea"/>
-              </a:rPr>
-              <a:t>在弹出的新页面中选择</a:t>
-            </a:r>
-            <a:r>
-              <a:rPr lang="en-US" altLang="zh-CN">
-                <a:sym typeface="+mn-ea"/>
-              </a:rPr>
-              <a:t>mingw-w64-x86_64-gcc</a:t>
-            </a:r>
-            <a:endParaRPr lang="zh-CN" altLang="en-US"/>
-          </a:p>
-        </p:txBody>
-      </p:sp>
-      <p:sp>
-        <p:nvSpPr>
-          <p:cNvPr id="3" name="标题 2"/>
-          <p:cNvSpPr>
-            <a:spLocks noGrp="1"/>
-          </p:cNvSpPr>
-          <p:nvPr>
-            <p:ph type="title"/>
-          </p:nvPr>
-        </p:nvSpPr>
-        <p:spPr/>
-        <p:txBody>
-          <a:bodyPr/>
-          <a:p>
-            <a:r>
-              <a:rPr lang="en-US" altLang="zh-CN">
-                <a:sym typeface="+mn-ea"/>
-              </a:rPr>
-              <a:t>1.12 </a:t>
-            </a:r>
-            <a:r>
-              <a:rPr lang="zh-CN" altLang="en-US" dirty="0">
-                <a:sym typeface="+mn-ea"/>
-              </a:rPr>
-              <a:t>安装</a:t>
-            </a:r>
-            <a:r>
-              <a:rPr lang="en-US" altLang="zh-CN" dirty="0">
-                <a:sym typeface="+mn-ea"/>
-              </a:rPr>
-              <a:t>mingw</a:t>
-            </a:r>
-            <a:endParaRPr lang="zh-CN" altLang="en-US"/>
-          </a:p>
-        </p:txBody>
-      </p:sp>
-    </p:spTree>
-  </p:cSld>
-  <p:clrMapOvr>
-    <a:masterClrMapping/>
-  </p:clrMapOvr>
-</p:sld>
-</file>
-
-<file path=ppt/slides/slide89.xml><?xml version="1.0" encoding="utf-8"?>
-<p:sld xmlns:a="http://schemas.openxmlformats.org/drawingml/2006/main" xmlns:r="http://schemas.openxmlformats.org/officeDocument/2006/relationships" xmlns:p="http://schemas.openxmlformats.org/presentationml/2006/main">
-  <p:cSld>
-    <p:spTree>
-      <p:nvGrpSpPr>
-        <p:cNvPr id="1" name=""/>
-        <p:cNvGrpSpPr/>
-        <p:nvPr/>
-      </p:nvGrpSpPr>
-      <p:grpSpPr/>
-      <p:sp>
-        <p:nvSpPr>
-          <p:cNvPr id="2" name="内容占位符 1"/>
-          <p:cNvSpPr>
-            <a:spLocks noGrp="1"/>
-          </p:cNvSpPr>
-          <p:nvPr>
-            <p:ph idx="1"/>
-          </p:nvPr>
-        </p:nvSpPr>
-        <p:spPr>
-          <a:xfrm>
-            <a:off x="871855" y="2675255"/>
-            <a:ext cx="7408545" cy="558800"/>
-          </a:xfrm>
-        </p:spPr>
-        <p:txBody>
-          <a:bodyPr/>
-          <a:p>
-            <a:r>
-              <a:rPr lang="zh-CN" altLang="en-US">
-                <a:sym typeface="+mn-ea"/>
-              </a:rPr>
-              <a:t>点击</a:t>
-            </a:r>
-            <a:r>
-              <a:rPr lang="en-US" altLang="zh-CN">
-                <a:sym typeface="+mn-ea"/>
-              </a:rPr>
-              <a:t>Installation</a:t>
-            </a:r>
-            <a:r>
-              <a:rPr lang="zh-CN" altLang="en-US">
-                <a:sym typeface="+mn-ea"/>
-              </a:rPr>
-              <a:t>框中的复制按钮，</a:t>
-            </a:r>
-            <a:r>
-              <a:rPr lang="zh-CN" altLang="en-US">
-                <a:sym typeface="+mn-ea"/>
-              </a:rPr>
-              <a:t>可以复制地址</a:t>
-            </a:r>
-            <a:endParaRPr lang="zh-CN" altLang="en-US"/>
-          </a:p>
-        </p:txBody>
-      </p:sp>
-      <p:sp>
-        <p:nvSpPr>
-          <p:cNvPr id="3" name="标题 2"/>
-          <p:cNvSpPr>
-            <a:spLocks noGrp="1"/>
-          </p:cNvSpPr>
-          <p:nvPr>
-            <p:ph type="title"/>
-          </p:nvPr>
-        </p:nvSpPr>
-        <p:spPr/>
-        <p:txBody>
-          <a:bodyPr/>
-          <a:p>
-            <a:r>
-              <a:rPr lang="en-US" altLang="zh-CN">
-                <a:sym typeface="+mn-ea"/>
-              </a:rPr>
-              <a:t>1.12 </a:t>
-            </a:r>
-            <a:r>
-              <a:rPr lang="zh-CN" altLang="en-US" dirty="0">
-                <a:sym typeface="+mn-ea"/>
-              </a:rPr>
-              <a:t>安装</a:t>
-            </a:r>
-            <a:r>
-              <a:rPr lang="en-US" altLang="zh-CN" dirty="0">
-                <a:sym typeface="+mn-ea"/>
-              </a:rPr>
-              <a:t>mingw</a:t>
-            </a:r>
-            <a:endParaRPr lang="zh-CN" altLang="en-US"/>
-          </a:p>
-        </p:txBody>
-      </p:sp>
-      <p:pic>
-        <p:nvPicPr>
-          <p:cNvPr id="4" name="图片 3" descr="@U[`U7UF)CFJ6IR}2}S_24P"/>
-          <p:cNvPicPr>
-            <a:picLocks noChangeAspect="1"/>
-          </p:cNvPicPr>
-          <p:nvPr>
-            <p:custDataLst>
-              <p:tags r:id="rId1"/>
-            </p:custDataLst>
-          </p:nvPr>
-        </p:nvPicPr>
-        <p:blipFill>
-          <a:blip r:embed="rId2"/>
-          <a:stretch>
-            <a:fillRect/>
-          </a:stretch>
-        </p:blipFill>
-        <p:spPr>
-          <a:xfrm>
-            <a:off x="1165225" y="3429000"/>
-            <a:ext cx="6871335" cy="2564765"/>
           </a:xfrm>
           <a:prstGeom prst="rect">
             <a:avLst/>
@@ -36213,6 +36917,219 @@
             <p:ph idx="1"/>
           </p:nvPr>
         </p:nvSpPr>
+        <p:spPr/>
+        <p:txBody>
+          <a:bodyPr/>
+          <a:p>
+            <a:r>
+              <a:rPr lang="zh-CN" altLang="en-US">
+                <a:sym typeface="+mn-ea"/>
+              </a:rPr>
+              <a:t>在弹出的新页面中选择</a:t>
+            </a:r>
+            <a:r>
+              <a:rPr lang="en-US" altLang="zh-CN">
+                <a:sym typeface="+mn-ea"/>
+              </a:rPr>
+              <a:t>mingw-w64-x86_64-gcc</a:t>
+            </a:r>
+            <a:endParaRPr lang="zh-CN" altLang="en-US"/>
+          </a:p>
+        </p:txBody>
+      </p:sp>
+      <p:sp>
+        <p:nvSpPr>
+          <p:cNvPr id="3" name="标题 2"/>
+          <p:cNvSpPr>
+            <a:spLocks noGrp="1"/>
+          </p:cNvSpPr>
+          <p:nvPr>
+            <p:ph type="title"/>
+          </p:nvPr>
+        </p:nvSpPr>
+        <p:spPr/>
+        <p:txBody>
+          <a:bodyPr/>
+          <a:p>
+            <a:r>
+              <a:rPr lang="en-US" altLang="zh-CN">
+                <a:sym typeface="+mn-ea"/>
+              </a:rPr>
+              <a:t>1.12 </a:t>
+            </a:r>
+            <a:r>
+              <a:rPr lang="zh-CN" altLang="en-US" dirty="0">
+                <a:sym typeface="+mn-ea"/>
+              </a:rPr>
+              <a:t>安装</a:t>
+            </a:r>
+            <a:r>
+              <a:rPr lang="en-US" altLang="zh-CN" dirty="0">
+                <a:sym typeface="+mn-ea"/>
+              </a:rPr>
+              <a:t>mingw</a:t>
+            </a:r>
+            <a:endParaRPr lang="zh-CN" altLang="en-US"/>
+          </a:p>
+        </p:txBody>
+      </p:sp>
+    </p:spTree>
+  </p:cSld>
+  <p:clrMapOvr>
+    <a:masterClrMapping/>
+  </p:clrMapOvr>
+</p:sld>
+</file>
+
+<file path=ppt/slides/slide91.xml><?xml version="1.0" encoding="utf-8"?>
+<p:sld xmlns:a="http://schemas.openxmlformats.org/drawingml/2006/main" xmlns:r="http://schemas.openxmlformats.org/officeDocument/2006/relationships" xmlns:p="http://schemas.openxmlformats.org/presentationml/2006/main">
+  <p:cSld>
+    <p:spTree>
+      <p:nvGrpSpPr>
+        <p:cNvPr id="1" name=""/>
+        <p:cNvGrpSpPr/>
+        <p:nvPr/>
+      </p:nvGrpSpPr>
+      <p:grpSpPr/>
+      <p:sp>
+        <p:nvSpPr>
+          <p:cNvPr id="2" name="内容占位符 1"/>
+          <p:cNvSpPr>
+            <a:spLocks noGrp="1"/>
+          </p:cNvSpPr>
+          <p:nvPr>
+            <p:ph idx="1"/>
+          </p:nvPr>
+        </p:nvSpPr>
+        <p:spPr>
+          <a:xfrm>
+            <a:off x="871855" y="2675255"/>
+            <a:ext cx="7408545" cy="558800"/>
+          </a:xfrm>
+        </p:spPr>
+        <p:txBody>
+          <a:bodyPr/>
+          <a:p>
+            <a:r>
+              <a:rPr lang="zh-CN" altLang="en-US">
+                <a:sym typeface="+mn-ea"/>
+              </a:rPr>
+              <a:t>点击</a:t>
+            </a:r>
+            <a:r>
+              <a:rPr lang="en-US" altLang="zh-CN">
+                <a:sym typeface="+mn-ea"/>
+              </a:rPr>
+              <a:t>Installation</a:t>
+            </a:r>
+            <a:r>
+              <a:rPr lang="zh-CN" altLang="en-US">
+                <a:sym typeface="+mn-ea"/>
+              </a:rPr>
+              <a:t>框中的复制按钮，</a:t>
+            </a:r>
+            <a:r>
+              <a:rPr lang="zh-CN" altLang="en-US">
+                <a:sym typeface="+mn-ea"/>
+              </a:rPr>
+              <a:t>可以复制地址</a:t>
+            </a:r>
+            <a:endParaRPr lang="zh-CN" altLang="en-US"/>
+          </a:p>
+        </p:txBody>
+      </p:sp>
+      <p:sp>
+        <p:nvSpPr>
+          <p:cNvPr id="3" name="标题 2"/>
+          <p:cNvSpPr>
+            <a:spLocks noGrp="1"/>
+          </p:cNvSpPr>
+          <p:nvPr>
+            <p:ph type="title"/>
+          </p:nvPr>
+        </p:nvSpPr>
+        <p:spPr/>
+        <p:txBody>
+          <a:bodyPr/>
+          <a:p>
+            <a:r>
+              <a:rPr lang="en-US" altLang="zh-CN">
+                <a:sym typeface="+mn-ea"/>
+              </a:rPr>
+              <a:t>1.12 </a:t>
+            </a:r>
+            <a:r>
+              <a:rPr lang="zh-CN" altLang="en-US" dirty="0">
+                <a:sym typeface="+mn-ea"/>
+              </a:rPr>
+              <a:t>安装</a:t>
+            </a:r>
+            <a:r>
+              <a:rPr lang="en-US" altLang="zh-CN" dirty="0">
+                <a:sym typeface="+mn-ea"/>
+              </a:rPr>
+              <a:t>mingw</a:t>
+            </a:r>
+            <a:endParaRPr lang="zh-CN" altLang="en-US"/>
+          </a:p>
+        </p:txBody>
+      </p:sp>
+      <p:pic>
+        <p:nvPicPr>
+          <p:cNvPr id="4" name="图片 3" descr="@U[`U7UF)CFJ6IR}2}S_24P"/>
+          <p:cNvPicPr>
+            <a:picLocks noChangeAspect="1"/>
+          </p:cNvPicPr>
+          <p:nvPr>
+            <p:custDataLst>
+              <p:tags r:id="rId1"/>
+            </p:custDataLst>
+          </p:nvPr>
+        </p:nvPicPr>
+        <p:blipFill>
+          <a:blip r:embed="rId2"/>
+          <a:stretch>
+            <a:fillRect/>
+          </a:stretch>
+        </p:blipFill>
+        <p:spPr>
+          <a:xfrm>
+            <a:off x="1165225" y="3429000"/>
+            <a:ext cx="6871335" cy="2564765"/>
+          </a:xfrm>
+          <a:prstGeom prst="rect">
+            <a:avLst/>
+          </a:prstGeom>
+        </p:spPr>
+      </p:pic>
+    </p:spTree>
+  </p:cSld>
+  <p:clrMapOvr>
+    <a:masterClrMapping/>
+  </p:clrMapOvr>
+</p:sld>
+</file>
+
+<file path=ppt/slides/slide92.xml><?xml version="1.0" encoding="utf-8"?>
+<p:sld xmlns:a="http://schemas.openxmlformats.org/drawingml/2006/main" xmlns:r="http://schemas.openxmlformats.org/officeDocument/2006/relationships" xmlns:p="http://schemas.openxmlformats.org/presentationml/2006/main">
+  <p:cSld>
+    <p:spTree>
+      <p:nvGrpSpPr>
+        <p:cNvPr id="1" name=""/>
+        <p:cNvGrpSpPr/>
+        <p:nvPr/>
+      </p:nvGrpSpPr>
+      <p:grpSpPr/>
+      <p:sp>
+        <p:nvSpPr>
+          <p:cNvPr id="2" name="内容占位符 1"/>
+          <p:cNvSpPr>
+            <a:spLocks noGrp="1"/>
+          </p:cNvSpPr>
+          <p:nvPr>
+            <p:ph idx="1"/>
+          </p:nvPr>
+        </p:nvSpPr>
         <p:spPr>
           <a:xfrm>
             <a:off x="871855" y="2675255"/>
@@ -36343,7 +37260,7 @@
 </p:sld>
 </file>
 
-<file path=ppt/slides/slide91.xml><?xml version="1.0" encoding="utf-8"?>
+<file path=ppt/slides/slide93.xml><?xml version="1.0" encoding="utf-8"?>
 <p:sld xmlns:a="http://schemas.openxmlformats.org/drawingml/2006/main" xmlns:r="http://schemas.openxmlformats.org/officeDocument/2006/relationships" xmlns:p="http://schemas.openxmlformats.org/presentationml/2006/main">
   <p:cSld>
     <p:spTree>
@@ -36425,234 +37342,6 @@
 </p:sld>
 </file>
 
-<file path=ppt/slides/slide92.xml><?xml version="1.0" encoding="utf-8"?>
-<p:sld xmlns:a="http://schemas.openxmlformats.org/drawingml/2006/main" xmlns:r="http://schemas.openxmlformats.org/officeDocument/2006/relationships" xmlns:p="http://schemas.openxmlformats.org/presentationml/2006/main">
-  <p:cSld>
-    <p:spTree>
-      <p:nvGrpSpPr>
-        <p:cNvPr id="1" name=""/>
-        <p:cNvGrpSpPr/>
-        <p:nvPr/>
-      </p:nvGrpSpPr>
-      <p:grpSpPr/>
-      <p:sp>
-        <p:nvSpPr>
-          <p:cNvPr id="2" name="内容占位符 1"/>
-          <p:cNvSpPr>
-            <a:spLocks noGrp="1"/>
-          </p:cNvSpPr>
-          <p:nvPr>
-            <p:ph idx="1"/>
-          </p:nvPr>
-        </p:nvSpPr>
-        <p:spPr/>
-        <p:txBody>
-          <a:bodyPr/>
-          <a:p>
-            <a:r>
-              <a:rPr lang="zh-CN" altLang="en-US">
-                <a:sym typeface="+mn-ea"/>
-              </a:rPr>
-              <a:t>在终端模式下执行如下三条命令：</a:t>
-            </a:r>
-            <a:endParaRPr lang="zh-CN" altLang="en-US"/>
-          </a:p>
-          <a:p>
-            <a:r>
-              <a:rPr lang="zh-CN" altLang="en-US">
-                <a:sym typeface="+mn-ea"/>
-              </a:rPr>
-              <a:t>pacman -S mingw-w64-x86_64-gcc  --disable-download-timeout</a:t>
-            </a:r>
-            <a:endParaRPr lang="zh-CN" altLang="en-US"/>
-          </a:p>
-          <a:p>
-            <a:r>
-              <a:rPr lang="zh-CN" altLang="en-US">
-                <a:sym typeface="+mn-ea"/>
-              </a:rPr>
-              <a:t>pacman -S mingw-w64-x86_64-make  --disable-download-timeout</a:t>
-            </a:r>
-            <a:endParaRPr lang="zh-CN" altLang="en-US"/>
-          </a:p>
-          <a:p>
-            <a:r>
-              <a:rPr lang="zh-CN" altLang="en-US">
-                <a:sym typeface="+mn-ea"/>
-              </a:rPr>
-              <a:t>pacman -S mingw-w64-x86_64-gdb  --disable-download-timeout</a:t>
-            </a:r>
-            <a:endParaRPr lang="zh-CN" altLang="en-US"/>
-          </a:p>
-          <a:p>
-            <a:endParaRPr lang="zh-CN" altLang="en-US"/>
-          </a:p>
-        </p:txBody>
-      </p:sp>
-      <p:sp>
-        <p:nvSpPr>
-          <p:cNvPr id="3" name="标题 2"/>
-          <p:cNvSpPr>
-            <a:spLocks noGrp="1"/>
-          </p:cNvSpPr>
-          <p:nvPr>
-            <p:ph type="title"/>
-          </p:nvPr>
-        </p:nvSpPr>
-        <p:spPr/>
-        <p:txBody>
-          <a:bodyPr/>
-          <a:p>
-            <a:r>
-              <a:rPr lang="en-US" altLang="zh-CN">
-                <a:sym typeface="+mn-ea"/>
-              </a:rPr>
-              <a:t>1.12 </a:t>
-            </a:r>
-            <a:r>
-              <a:rPr lang="zh-CN" altLang="en-US" dirty="0">
-                <a:sym typeface="+mn-ea"/>
-              </a:rPr>
-              <a:t>安装</a:t>
-            </a:r>
-            <a:r>
-              <a:rPr lang="en-US" altLang="zh-CN" dirty="0">
-                <a:sym typeface="+mn-ea"/>
-              </a:rPr>
-              <a:t>mingw</a:t>
-            </a:r>
-            <a:endParaRPr lang="zh-CN" altLang="en-US"/>
-          </a:p>
-        </p:txBody>
-      </p:sp>
-    </p:spTree>
-  </p:cSld>
-  <p:clrMapOvr>
-    <a:masterClrMapping/>
-  </p:clrMapOvr>
-</p:sld>
-</file>
-
-<file path=ppt/slides/slide93.xml><?xml version="1.0" encoding="utf-8"?>
-<p:sld xmlns:a="http://schemas.openxmlformats.org/drawingml/2006/main" xmlns:r="http://schemas.openxmlformats.org/officeDocument/2006/relationships" xmlns:p="http://schemas.openxmlformats.org/presentationml/2006/main">
-  <p:cSld>
-    <p:spTree>
-      <p:nvGrpSpPr>
-        <p:cNvPr id="1" name=""/>
-        <p:cNvGrpSpPr/>
-        <p:nvPr/>
-      </p:nvGrpSpPr>
-      <p:grpSpPr/>
-      <p:sp>
-        <p:nvSpPr>
-          <p:cNvPr id="2" name="内容占位符 1"/>
-          <p:cNvSpPr>
-            <a:spLocks noGrp="1"/>
-          </p:cNvSpPr>
-          <p:nvPr>
-            <p:ph idx="1"/>
-          </p:nvPr>
-        </p:nvSpPr>
-        <p:spPr/>
-        <p:txBody>
-          <a:bodyPr/>
-          <a:p>
-            <a:r>
-              <a:rPr lang="en-US" altLang="zh-CN">
-                <a:sym typeface="+mn-ea"/>
-              </a:rPr>
-              <a:t>mingw-w64</a:t>
-            </a:r>
-            <a:r>
-              <a:rPr lang="zh-CN" altLang="en-US">
-                <a:sym typeface="+mn-ea"/>
-              </a:rPr>
-              <a:t>安装完毕</a:t>
-            </a:r>
-            <a:endParaRPr lang="zh-CN" altLang="en-US"/>
-          </a:p>
-          <a:p>
-            <a:r>
-              <a:rPr lang="zh-CN" altLang="en-US">
-                <a:sym typeface="+mn-ea"/>
-              </a:rPr>
-              <a:t>可以支持</a:t>
-            </a:r>
-            <a:r>
-              <a:rPr lang="en-US" altLang="zh-CN">
-                <a:sym typeface="+mn-ea"/>
-              </a:rPr>
-              <a:t>C++20</a:t>
-            </a:r>
-            <a:endParaRPr lang="en-US" altLang="zh-CN"/>
-          </a:p>
-          <a:p>
-            <a:r>
-              <a:rPr lang="zh-CN" altLang="en-US">
-                <a:sym typeface="+mn-ea"/>
-              </a:rPr>
-              <a:t>可以打开C:\msys64\mingw64\bin查看其中的内容</a:t>
-            </a:r>
-            <a:endParaRPr lang="zh-CN" altLang="en-US"/>
-          </a:p>
-          <a:p>
-            <a:r>
-              <a:rPr lang="zh-CN" altLang="en-US">
-                <a:sym typeface="+mn-ea"/>
-              </a:rPr>
-              <a:t>如果有，表示安装成功</a:t>
-            </a:r>
-            <a:endParaRPr lang="zh-CN" altLang="en-US"/>
-          </a:p>
-          <a:p>
-            <a:endParaRPr lang="zh-CN" altLang="en-US"/>
-          </a:p>
-        </p:txBody>
-      </p:sp>
-      <p:sp>
-        <p:nvSpPr>
-          <p:cNvPr id="3" name="标题 2"/>
-          <p:cNvSpPr>
-            <a:spLocks noGrp="1"/>
-          </p:cNvSpPr>
-          <p:nvPr>
-            <p:ph type="title"/>
-          </p:nvPr>
-        </p:nvSpPr>
-        <p:spPr/>
-        <p:txBody>
-          <a:bodyPr/>
-          <a:p>
-            <a:r>
-              <a:rPr lang="en-US" altLang="zh-CN">
-                <a:sym typeface="+mn-ea"/>
-              </a:rPr>
-              <a:t>1.12 </a:t>
-            </a:r>
-            <a:r>
-              <a:rPr lang="zh-CN" altLang="en-US" dirty="0">
-                <a:sym typeface="+mn-ea"/>
-              </a:rPr>
-              <a:t>安装</a:t>
-            </a:r>
-            <a:r>
-              <a:rPr lang="en-US" altLang="zh-CN" dirty="0">
-                <a:sym typeface="+mn-ea"/>
-              </a:rPr>
-              <a:t>mingw</a:t>
-            </a:r>
-            <a:endParaRPr lang="zh-CN" altLang="en-US"/>
-          </a:p>
-        </p:txBody>
-      </p:sp>
-    </p:spTree>
-  </p:cSld>
-  <p:clrMapOvr>
-    <a:masterClrMapping/>
-  </p:clrMapOvr>
-</p:sld>
-</file>
-
 <file path=ppt/slides/slide94.xml><?xml version="1.0" encoding="utf-8"?>
 <p:sld xmlns:a="http://schemas.openxmlformats.org/drawingml/2006/main" xmlns:r="http://schemas.openxmlformats.org/officeDocument/2006/relationships" xmlns:p="http://schemas.openxmlformats.org/presentationml/2006/main">
   <p:cSld>
@@ -36681,58 +37370,56 @@
               <a:rPr lang="zh-CN" altLang="en-US">
                 <a:sym typeface="+mn-ea"/>
               </a:rPr>
-              <a:t>安装</a:t>
-            </a:r>
+              <a:t>在终端模式下执行如下三条命令：</a:t>
+            </a:r>
+            <a:endParaRPr lang="zh-CN" altLang="en-US"/>
+          </a:p>
+          <a:p>
             <a:r>
               <a:rPr lang="en-US" altLang="zh-CN">
                 <a:sym typeface="+mn-ea"/>
               </a:rPr>
-              <a:t>Visual Studio Code</a:t>
-            </a:r>
-            <a:r>
-              <a:rPr lang="zh-CN" altLang="en-US">
-                <a:sym typeface="+mn-ea"/>
-              </a:rPr>
-              <a:t>，简称</a:t>
-            </a:r>
+              <a:t>$ </a:t>
+            </a:r>
+            <a:r>
+              <a:rPr lang="zh-CN" altLang="en-US">
+                <a:sym typeface="+mn-ea"/>
+              </a:rPr>
+              <a:t>pacman -S mingw-w64-x86_64-gcc  --disable-download-timeout</a:t>
+            </a:r>
+            <a:endParaRPr lang="zh-CN" altLang="en-US"/>
+          </a:p>
+          <a:p>
             <a:r>
               <a:rPr lang="en-US" altLang="zh-CN">
                 <a:sym typeface="+mn-ea"/>
               </a:rPr>
-              <a:t>VSCode</a:t>
-            </a:r>
-            <a:endParaRPr lang="en-US" altLang="zh-CN">
-              <a:sym typeface="+mn-ea"/>
-            </a:endParaRPr>
-          </a:p>
-          <a:p>
-            <a:r>
-              <a:rPr lang="zh-CN" altLang="en-US">
-                <a:sym typeface="+mn-ea"/>
-              </a:rPr>
-              <a:t>打开</a:t>
-            </a:r>
+              <a:t>$ </a:t>
+            </a:r>
+            <a:r>
+              <a:rPr lang="zh-CN" altLang="en-US">
+                <a:sym typeface="+mn-ea"/>
+              </a:rPr>
+              <a:t>pacman -S mingw-w64-x86_64-make  --disable-download-timeout</a:t>
+            </a:r>
+            <a:endParaRPr lang="zh-CN" altLang="en-US"/>
+          </a:p>
+          <a:p>
             <a:r>
               <a:rPr lang="en-US" altLang="zh-CN">
                 <a:sym typeface="+mn-ea"/>
               </a:rPr>
-              <a:t>VSCode</a:t>
-            </a:r>
-            <a:r>
-              <a:rPr lang="zh-CN" altLang="en-US">
-                <a:sym typeface="+mn-ea"/>
-              </a:rPr>
-              <a:t>主页</a:t>
+              <a:t>$ </a:t>
+            </a:r>
+            <a:r>
+              <a:rPr lang="zh-CN" altLang="en-US">
+                <a:sym typeface="+mn-ea"/>
+              </a:rPr>
+              <a:t>pacman -S mingw-w64-x86_64-gdb  --disable-download-timeout</a:t>
             </a:r>
             <a:endParaRPr lang="zh-CN" altLang="en-US"/>
           </a:p>
           <a:p>
-            <a:r>
-              <a:rPr lang="zh-CN" altLang="en-US">
-                <a:sym typeface="+mn-ea"/>
-              </a:rPr>
-              <a:t>https://code.visualstudio.com/</a:t>
-            </a:r>
             <a:endParaRPr lang="zh-CN" altLang="en-US"/>
           </a:p>
         </p:txBody>
@@ -36755,19 +37442,19 @@
               <a:rPr lang="en-US" altLang="zh-CN">
                 <a:sym typeface="+mn-ea"/>
               </a:rPr>
-              <a:t>1.13 </a:t>
-            </a:r>
-            <a:r>
-              <a:rPr lang="zh-CN" altLang="en-US">
+              <a:t>1.12 </a:t>
+            </a:r>
+            <a:r>
+              <a:rPr lang="zh-CN" altLang="en-US" dirty="0">
                 <a:sym typeface="+mn-ea"/>
               </a:rPr>
               <a:t>安装</a:t>
             </a:r>
             <a:r>
-              <a:rPr lang="en-US" altLang="zh-CN">
-                <a:sym typeface="+mn-ea"/>
-              </a:rPr>
-              <a:t>Visual Studio Code</a:t>
+              <a:rPr lang="en-US" altLang="zh-CN" dirty="0">
+                <a:sym typeface="+mn-ea"/>
+              </a:rPr>
+              <a:t>mingw</a:t>
             </a:r>
             <a:endParaRPr lang="zh-CN" altLang="en-US"/>
           </a:p>
@@ -36782,6 +37469,266 @@
 </file>
 
 <file path=ppt/slides/slide95.xml><?xml version="1.0" encoding="utf-8"?>
+<p:sld xmlns:a="http://schemas.openxmlformats.org/drawingml/2006/main" xmlns:r="http://schemas.openxmlformats.org/officeDocument/2006/relationships" xmlns:p="http://schemas.openxmlformats.org/presentationml/2006/main">
+  <p:cSld>
+    <p:spTree>
+      <p:nvGrpSpPr>
+        <p:cNvPr id="1" name=""/>
+        <p:cNvGrpSpPr/>
+        <p:nvPr/>
+      </p:nvGrpSpPr>
+      <p:grpSpPr/>
+      <p:sp>
+        <p:nvSpPr>
+          <p:cNvPr id="2" name="内容占位符 1"/>
+          <p:cNvSpPr>
+            <a:spLocks noGrp="1"/>
+          </p:cNvSpPr>
+          <p:nvPr>
+            <p:ph idx="1"/>
+          </p:nvPr>
+        </p:nvSpPr>
+        <p:spPr/>
+        <p:txBody>
+          <a:bodyPr/>
+          <a:p>
+            <a:r>
+              <a:rPr lang="en-US" altLang="zh-CN">
+                <a:sym typeface="+mn-ea"/>
+              </a:rPr>
+              <a:t>mingw-w64</a:t>
+            </a:r>
+            <a:r>
+              <a:rPr lang="zh-CN" altLang="en-US">
+                <a:sym typeface="+mn-ea"/>
+              </a:rPr>
+              <a:t>安装完毕</a:t>
+            </a:r>
+            <a:endParaRPr lang="zh-CN" altLang="en-US"/>
+          </a:p>
+          <a:p>
+            <a:r>
+              <a:rPr lang="zh-CN" altLang="en-US">
+                <a:sym typeface="+mn-ea"/>
+              </a:rPr>
+              <a:t>可以支持</a:t>
+            </a:r>
+            <a:r>
+              <a:rPr lang="en-US" altLang="zh-CN">
+                <a:sym typeface="+mn-ea"/>
+              </a:rPr>
+              <a:t>C++20</a:t>
+            </a:r>
+            <a:endParaRPr lang="en-US" altLang="zh-CN"/>
+          </a:p>
+          <a:p>
+            <a:r>
+              <a:rPr lang="zh-CN" altLang="en-US">
+                <a:sym typeface="+mn-ea"/>
+              </a:rPr>
+              <a:t>可以打开</a:t>
+            </a:r>
+            <a:r>
+              <a:rPr lang="en-US" altLang="zh-CN">
+                <a:sym typeface="+mn-ea"/>
+              </a:rPr>
+              <a:t>D</a:t>
+            </a:r>
+            <a:r>
+              <a:rPr lang="zh-CN" altLang="en-US">
+                <a:sym typeface="+mn-ea"/>
+              </a:rPr>
+              <a:t>:\msys64\mingw64\bin查看其中的内容</a:t>
+            </a:r>
+            <a:endParaRPr lang="zh-CN" altLang="en-US"/>
+          </a:p>
+          <a:p>
+            <a:r>
+              <a:rPr lang="zh-CN" altLang="en-US">
+                <a:sym typeface="+mn-ea"/>
+              </a:rPr>
+              <a:t>如果有，表示安装成功</a:t>
+            </a:r>
+            <a:endParaRPr lang="zh-CN" altLang="en-US"/>
+          </a:p>
+          <a:p>
+            <a:endParaRPr lang="zh-CN" altLang="en-US"/>
+          </a:p>
+        </p:txBody>
+      </p:sp>
+      <p:sp>
+        <p:nvSpPr>
+          <p:cNvPr id="3" name="标题 2"/>
+          <p:cNvSpPr>
+            <a:spLocks noGrp="1"/>
+          </p:cNvSpPr>
+          <p:nvPr>
+            <p:ph type="title"/>
+          </p:nvPr>
+        </p:nvSpPr>
+        <p:spPr/>
+        <p:txBody>
+          <a:bodyPr/>
+          <a:p>
+            <a:r>
+              <a:rPr lang="en-US" altLang="zh-CN">
+                <a:sym typeface="+mn-ea"/>
+              </a:rPr>
+              <a:t>1.12 </a:t>
+            </a:r>
+            <a:r>
+              <a:rPr lang="zh-CN" altLang="en-US" dirty="0">
+                <a:sym typeface="+mn-ea"/>
+              </a:rPr>
+              <a:t>安装</a:t>
+            </a:r>
+            <a:r>
+              <a:rPr lang="en-US" altLang="zh-CN" dirty="0">
+                <a:sym typeface="+mn-ea"/>
+              </a:rPr>
+              <a:t>mingw</a:t>
+            </a:r>
+            <a:endParaRPr lang="zh-CN" altLang="en-US"/>
+          </a:p>
+        </p:txBody>
+      </p:sp>
+    </p:spTree>
+  </p:cSld>
+  <p:clrMapOvr>
+    <a:masterClrMapping/>
+  </p:clrMapOvr>
+</p:sld>
+</file>
+
+<file path=ppt/slides/slide96.xml><?xml version="1.0" encoding="utf-8"?>
+<p:sld xmlns:a="http://schemas.openxmlformats.org/drawingml/2006/main" xmlns:r="http://schemas.openxmlformats.org/officeDocument/2006/relationships" xmlns:p="http://schemas.openxmlformats.org/presentationml/2006/main">
+  <p:cSld>
+    <p:spTree>
+      <p:nvGrpSpPr>
+        <p:cNvPr id="1" name=""/>
+        <p:cNvGrpSpPr/>
+        <p:nvPr/>
+      </p:nvGrpSpPr>
+      <p:grpSpPr/>
+      <p:sp>
+        <p:nvSpPr>
+          <p:cNvPr id="2" name="内容占位符 1"/>
+          <p:cNvSpPr>
+            <a:spLocks noGrp="1"/>
+          </p:cNvSpPr>
+          <p:nvPr>
+            <p:ph idx="1"/>
+          </p:nvPr>
+        </p:nvSpPr>
+        <p:spPr/>
+        <p:txBody>
+          <a:bodyPr/>
+          <a:p>
+            <a:r>
+              <a:rPr lang="zh-CN" altLang="en-US">
+                <a:sym typeface="+mn-ea"/>
+              </a:rPr>
+              <a:t>安装</a:t>
+            </a:r>
+            <a:r>
+              <a:rPr lang="en-US" altLang="zh-CN">
+                <a:sym typeface="+mn-ea"/>
+              </a:rPr>
+              <a:t>Visual Studio Code</a:t>
+            </a:r>
+            <a:r>
+              <a:rPr lang="zh-CN" altLang="en-US">
+                <a:sym typeface="+mn-ea"/>
+              </a:rPr>
+              <a:t>，简称</a:t>
+            </a:r>
+            <a:r>
+              <a:rPr lang="en-US" altLang="zh-CN">
+                <a:sym typeface="+mn-ea"/>
+              </a:rPr>
+              <a:t>VSCode</a:t>
+            </a:r>
+            <a:endParaRPr lang="en-US" altLang="zh-CN">
+              <a:sym typeface="+mn-ea"/>
+            </a:endParaRPr>
+          </a:p>
+          <a:p>
+            <a:r>
+              <a:rPr lang="zh-CN" altLang="en-US">
+                <a:sym typeface="+mn-ea"/>
+              </a:rPr>
+              <a:t>打开</a:t>
+            </a:r>
+            <a:r>
+              <a:rPr lang="en-US" altLang="zh-CN">
+                <a:sym typeface="+mn-ea"/>
+              </a:rPr>
+              <a:t>VSCode</a:t>
+            </a:r>
+            <a:r>
+              <a:rPr lang="zh-CN" altLang="en-US">
+                <a:sym typeface="+mn-ea"/>
+              </a:rPr>
+              <a:t>主页</a:t>
+            </a:r>
+            <a:endParaRPr lang="zh-CN" altLang="en-US"/>
+          </a:p>
+          <a:p>
+            <a:r>
+              <a:rPr lang="zh-CN" altLang="en-US">
+                <a:sym typeface="+mn-ea"/>
+              </a:rPr>
+              <a:t>https://code.visualstudio.com/</a:t>
+            </a:r>
+            <a:endParaRPr lang="zh-CN" altLang="en-US"/>
+          </a:p>
+        </p:txBody>
+      </p:sp>
+      <p:sp>
+        <p:nvSpPr>
+          <p:cNvPr id="3" name="标题 2"/>
+          <p:cNvSpPr>
+            <a:spLocks noGrp="1"/>
+          </p:cNvSpPr>
+          <p:nvPr>
+            <p:ph type="title"/>
+          </p:nvPr>
+        </p:nvSpPr>
+        <p:spPr/>
+        <p:txBody>
+          <a:bodyPr/>
+          <a:p>
+            <a:r>
+              <a:rPr lang="en-US" altLang="zh-CN">
+                <a:sym typeface="+mn-ea"/>
+              </a:rPr>
+              <a:t>1.13 </a:t>
+            </a:r>
+            <a:r>
+              <a:rPr lang="zh-CN" altLang="en-US">
+                <a:sym typeface="+mn-ea"/>
+              </a:rPr>
+              <a:t>安装</a:t>
+            </a:r>
+            <a:r>
+              <a:rPr lang="en-US" altLang="zh-CN">
+                <a:sym typeface="+mn-ea"/>
+              </a:rPr>
+              <a:t>Visual Studio Code</a:t>
+            </a:r>
+            <a:endParaRPr lang="zh-CN" altLang="en-US"/>
+          </a:p>
+        </p:txBody>
+      </p:sp>
+    </p:spTree>
+  </p:cSld>
+  <p:clrMapOvr>
+    <a:masterClrMapping/>
+  </p:clrMapOvr>
+</p:sld>
+</file>
+
+<file path=ppt/slides/slide97.xml><?xml version="1.0" encoding="utf-8"?>
 <p:sld xmlns:a="http://schemas.openxmlformats.org/drawingml/2006/main" xmlns:r="http://schemas.openxmlformats.org/officeDocument/2006/relationships" xmlns:p="http://schemas.openxmlformats.org/presentationml/2006/main">
   <p:cSld>
     <p:spTree>
@@ -36863,7 +37810,7 @@
 </p:sld>
 </file>
 
-<file path=ppt/slides/slide96.xml><?xml version="1.0" encoding="utf-8"?>
+<file path=ppt/slides/slide98.xml><?xml version="1.0" encoding="utf-8"?>
 <p:sld xmlns:a="http://schemas.openxmlformats.org/drawingml/2006/main" xmlns:r="http://schemas.openxmlformats.org/officeDocument/2006/relationships" xmlns:p="http://schemas.openxmlformats.org/presentationml/2006/main">
   <p:cSld>
     <p:spTree>
@@ -36992,7 +37939,7 @@
 </p:sld>
 </file>
 
-<file path=ppt/slides/slide97.xml><?xml version="1.0" encoding="utf-8"?>
+<file path=ppt/slides/slide99.xml><?xml version="1.0" encoding="utf-8"?>
 <p:sld xmlns:a="http://schemas.openxmlformats.org/drawingml/2006/main" xmlns:r="http://schemas.openxmlformats.org/officeDocument/2006/relationships" xmlns:p="http://schemas.openxmlformats.org/presentationml/2006/main">
   <p:cSld>
     <p:spTree>
@@ -37146,290 +38093,6 @@
           </a:p>
         </p:txBody>
       </p:sp>
-    </p:spTree>
-  </p:cSld>
-  <p:clrMapOvr>
-    <a:masterClrMapping/>
-  </p:clrMapOvr>
-</p:sld>
-</file>
-
-<file path=ppt/slides/slide98.xml><?xml version="1.0" encoding="utf-8"?>
-<p:sld xmlns:a="http://schemas.openxmlformats.org/drawingml/2006/main" xmlns:r="http://schemas.openxmlformats.org/officeDocument/2006/relationships" xmlns:p="http://schemas.openxmlformats.org/presentationml/2006/main">
-  <p:cSld>
-    <p:spTree>
-      <p:nvGrpSpPr>
-        <p:cNvPr id="1" name=""/>
-        <p:cNvGrpSpPr/>
-        <p:nvPr/>
-      </p:nvGrpSpPr>
-      <p:grpSpPr/>
-      <p:sp>
-        <p:nvSpPr>
-          <p:cNvPr id="2" name="内容占位符 1"/>
-          <p:cNvSpPr>
-            <a:spLocks noGrp="1"/>
-          </p:cNvSpPr>
-          <p:nvPr>
-            <p:ph idx="1"/>
-          </p:nvPr>
-        </p:nvSpPr>
-        <p:spPr>
-          <a:xfrm>
-            <a:off x="871855" y="2675255"/>
-            <a:ext cx="7408545" cy="473710"/>
-          </a:xfrm>
-        </p:spPr>
-        <p:txBody>
-          <a:bodyPr>
-            <a:normAutofit lnSpcReduction="20000"/>
-          </a:bodyPr>
-          <a:p>
-            <a:r>
-              <a:rPr lang="zh-CN" altLang="en-US">
-                <a:sym typeface="+mn-ea"/>
-              </a:rPr>
-              <a:t>选择</a:t>
-            </a:r>
-            <a:r>
-              <a:rPr lang="en-US" altLang="zh-CN">
-                <a:sym typeface="+mn-ea"/>
-              </a:rPr>
-              <a:t>“</a:t>
-            </a:r>
-            <a:r>
-              <a:rPr lang="zh-CN" altLang="en-US">
-                <a:sym typeface="+mn-ea"/>
-              </a:rPr>
-              <a:t>我同意此协议</a:t>
-            </a:r>
-            <a:r>
-              <a:rPr lang="en-US" altLang="zh-CN">
-                <a:sym typeface="+mn-ea"/>
-              </a:rPr>
-              <a:t>”</a:t>
-            </a:r>
-            <a:r>
-              <a:rPr lang="zh-CN" altLang="en-US">
-                <a:sym typeface="+mn-ea"/>
-              </a:rPr>
-              <a:t>，然后点击</a:t>
-            </a:r>
-            <a:r>
-              <a:rPr lang="en-US" altLang="zh-CN">
-                <a:sym typeface="+mn-ea"/>
-              </a:rPr>
-              <a:t>“</a:t>
-            </a:r>
-            <a:r>
-              <a:rPr lang="zh-CN" altLang="en-US">
-                <a:sym typeface="+mn-ea"/>
-              </a:rPr>
-              <a:t>下一步</a:t>
-            </a:r>
-            <a:r>
-              <a:rPr lang="en-US" altLang="zh-CN">
-                <a:sym typeface="+mn-ea"/>
-              </a:rPr>
-              <a:t>”</a:t>
-            </a:r>
-            <a:endParaRPr lang="zh-CN" altLang="en-US"/>
-          </a:p>
-        </p:txBody>
-      </p:sp>
-      <p:sp>
-        <p:nvSpPr>
-          <p:cNvPr id="3" name="标题 2"/>
-          <p:cNvSpPr>
-            <a:spLocks noGrp="1"/>
-          </p:cNvSpPr>
-          <p:nvPr>
-            <p:ph type="title"/>
-          </p:nvPr>
-        </p:nvSpPr>
-        <p:spPr/>
-        <p:txBody>
-          <a:bodyPr/>
-          <a:p>
-            <a:r>
-              <a:rPr lang="en-US" altLang="zh-CN">
-                <a:sym typeface="+mn-ea"/>
-              </a:rPr>
-              <a:t>1.13 </a:t>
-            </a:r>
-            <a:r>
-              <a:rPr lang="zh-CN" altLang="en-US">
-                <a:sym typeface="+mn-ea"/>
-              </a:rPr>
-              <a:t>安装</a:t>
-            </a:r>
-            <a:r>
-              <a:rPr lang="en-US" altLang="zh-CN">
-                <a:sym typeface="+mn-ea"/>
-              </a:rPr>
-              <a:t>Visual Studio Code</a:t>
-            </a:r>
-            <a:endParaRPr lang="zh-CN" altLang="en-US"/>
-          </a:p>
-        </p:txBody>
-      </p:sp>
-      <p:pic>
-        <p:nvPicPr>
-          <p:cNvPr id="4" name="图片 3"/>
-          <p:cNvPicPr>
-            <a:picLocks noChangeAspect="1"/>
-          </p:cNvPicPr>
-          <p:nvPr>
-            <p:custDataLst>
-              <p:tags r:id="rId1"/>
-            </p:custDataLst>
-          </p:nvPr>
-        </p:nvPicPr>
-        <p:blipFill>
-          <a:blip r:embed="rId2"/>
-          <a:stretch>
-            <a:fillRect/>
-          </a:stretch>
-        </p:blipFill>
-        <p:spPr>
-          <a:xfrm>
-            <a:off x="1692275" y="3213100"/>
-            <a:ext cx="3936365" cy="3220085"/>
-          </a:xfrm>
-          <a:prstGeom prst="rect">
-            <a:avLst/>
-          </a:prstGeom>
-        </p:spPr>
-      </p:pic>
-    </p:spTree>
-  </p:cSld>
-  <p:clrMapOvr>
-    <a:masterClrMapping/>
-  </p:clrMapOvr>
-</p:sld>
-</file>
-
-<file path=ppt/slides/slide99.xml><?xml version="1.0" encoding="utf-8"?>
-<p:sld xmlns:a="http://schemas.openxmlformats.org/drawingml/2006/main" xmlns:r="http://schemas.openxmlformats.org/officeDocument/2006/relationships" xmlns:p="http://schemas.openxmlformats.org/presentationml/2006/main">
-  <p:cSld>
-    <p:spTree>
-      <p:nvGrpSpPr>
-        <p:cNvPr id="1" name=""/>
-        <p:cNvGrpSpPr/>
-        <p:nvPr/>
-      </p:nvGrpSpPr>
-      <p:grpSpPr/>
-      <p:sp>
-        <p:nvSpPr>
-          <p:cNvPr id="2" name="内容占位符 1"/>
-          <p:cNvSpPr>
-            <a:spLocks noGrp="1"/>
-          </p:cNvSpPr>
-          <p:nvPr>
-            <p:ph idx="1"/>
-          </p:nvPr>
-        </p:nvSpPr>
-        <p:spPr>
-          <a:xfrm>
-            <a:off x="871855" y="2675255"/>
-            <a:ext cx="7408545" cy="534035"/>
-          </a:xfrm>
-        </p:spPr>
-        <p:txBody>
-          <a:bodyPr/>
-          <a:p>
-            <a:r>
-              <a:rPr lang="zh-CN" altLang="en-US">
-                <a:sym typeface="+mn-ea"/>
-              </a:rPr>
-              <a:t>此处可以修改安装目录，如果不想修改点</a:t>
-            </a:r>
-            <a:r>
-              <a:rPr lang="en-US" altLang="zh-CN">
-                <a:sym typeface="+mn-ea"/>
-              </a:rPr>
-              <a:t>“</a:t>
-            </a:r>
-            <a:r>
-              <a:rPr lang="zh-CN" altLang="en-US">
-                <a:sym typeface="+mn-ea"/>
-              </a:rPr>
-              <a:t>下一步</a:t>
-            </a:r>
-            <a:r>
-              <a:rPr lang="en-US" altLang="zh-CN">
-                <a:sym typeface="+mn-ea"/>
-              </a:rPr>
-              <a:t>”</a:t>
-            </a:r>
-            <a:endParaRPr lang="zh-CN" altLang="en-US"/>
-          </a:p>
-        </p:txBody>
-      </p:sp>
-      <p:sp>
-        <p:nvSpPr>
-          <p:cNvPr id="3" name="标题 2"/>
-          <p:cNvSpPr>
-            <a:spLocks noGrp="1"/>
-          </p:cNvSpPr>
-          <p:nvPr>
-            <p:ph type="title"/>
-          </p:nvPr>
-        </p:nvSpPr>
-        <p:spPr/>
-        <p:txBody>
-          <a:bodyPr/>
-          <a:p>
-            <a:r>
-              <a:rPr lang="en-US" altLang="zh-CN">
-                <a:sym typeface="+mn-ea"/>
-              </a:rPr>
-              <a:t>1.13 </a:t>
-            </a:r>
-            <a:r>
-              <a:rPr lang="zh-CN" altLang="en-US">
-                <a:sym typeface="+mn-ea"/>
-              </a:rPr>
-              <a:t>安装</a:t>
-            </a:r>
-            <a:r>
-              <a:rPr lang="en-US" altLang="zh-CN">
-                <a:sym typeface="+mn-ea"/>
-              </a:rPr>
-              <a:t>Visual Studio Code</a:t>
-            </a:r>
-            <a:endParaRPr lang="zh-CN" altLang="en-US"/>
-          </a:p>
-        </p:txBody>
-      </p:sp>
-      <p:pic>
-        <p:nvPicPr>
-          <p:cNvPr id="4" name="图片 3"/>
-          <p:cNvPicPr>
-            <a:picLocks noChangeAspect="1"/>
-          </p:cNvPicPr>
-          <p:nvPr>
-            <p:custDataLst>
-              <p:tags r:id="rId1"/>
-            </p:custDataLst>
-          </p:nvPr>
-        </p:nvPicPr>
-        <p:blipFill>
-          <a:blip r:embed="rId2"/>
-          <a:stretch>
-            <a:fillRect/>
-          </a:stretch>
-        </p:blipFill>
-        <p:spPr>
-          <a:xfrm>
-            <a:off x="1403985" y="3141345"/>
-            <a:ext cx="4020820" cy="3289300"/>
-          </a:xfrm>
-          <a:prstGeom prst="rect">
-            <a:avLst/>
-          </a:prstGeom>
-        </p:spPr>
-      </p:pic>
     </p:spTree>
   </p:cSld>
   <p:clrMapOvr>
@@ -37466,13 +38129,13 @@
 <file path=ppt/tags/tag13.xml><?xml version="1.0" encoding="utf-8"?>
 <p:tagLst xmlns:p="http://schemas.openxmlformats.org/presentationml/2006/main">
   <p:tag name="KSO_WM_BEAUTIFY_FLAG" val=""/>
-  <p:tag name="KSO_WM_UNIT_PLACING_PICTURE_USER_VIEWPORT" val="{&quot;height&quot;:6831,&quot;width&quot;:5149}"/>
 </p:tagLst>
 </file>
 
 <file path=ppt/tags/tag14.xml><?xml version="1.0" encoding="utf-8"?>
 <p:tagLst xmlns:p="http://schemas.openxmlformats.org/presentationml/2006/main">
   <p:tag name="KSO_WM_BEAUTIFY_FLAG" val=""/>
+  <p:tag name="KSO_WM_UNIT_PLACING_PICTURE_USER_VIEWPORT" val="{&quot;height&quot;:6831,&quot;width&quot;:5149}"/>
 </p:tagLst>
 </file>
 
@@ -37527,13 +38190,13 @@
 <file path=ppt/tags/tag22.xml><?xml version="1.0" encoding="utf-8"?>
 <p:tagLst xmlns:p="http://schemas.openxmlformats.org/presentationml/2006/main">
   <p:tag name="KSO_WM_BEAUTIFY_FLAG" val=""/>
-  <p:tag name="KSO_WM_UNIT_PLACING_PICTURE_USER_VIEWPORT" val="{&quot;height&quot;:3465,&quot;width&quot;:11370}"/>
 </p:tagLst>
 </file>
 
 <file path=ppt/tags/tag23.xml><?xml version="1.0" encoding="utf-8"?>
 <p:tagLst xmlns:p="http://schemas.openxmlformats.org/presentationml/2006/main">
   <p:tag name="KSO_WM_BEAUTIFY_FLAG" val=""/>
+  <p:tag name="KSO_WM_UNIT_PLACING_PICTURE_USER_VIEWPORT" val="{&quot;height&quot;:3465,&quot;width&quot;:11370}"/>
 </p:tagLst>
 </file>
 
@@ -37660,7 +38323,6 @@
 <file path=ppt/tags/tag42.xml><?xml version="1.0" encoding="utf-8"?>
 <p:tagLst xmlns:p="http://schemas.openxmlformats.org/presentationml/2006/main">
   <p:tag name="KSO_WM_BEAUTIFY_FLAG" val=""/>
-  <p:tag name="KSO_WM_UNIT_PLACING_PICTURE_USER_VIEWPORT" val="{&quot;height&quot;:7260,&quot;width&quot;:13788}"/>
 </p:tagLst>
 </file>
 
@@ -37725,12 +38387,6 @@
 </file>
 
 <file path=ppt/tags/tag52.xml><?xml version="1.0" encoding="utf-8"?>
-<p:tagLst xmlns:p="http://schemas.openxmlformats.org/presentationml/2006/main">
-  <p:tag name="KSO_WM_BEAUTIFY_FLAG" val=""/>
-</p:tagLst>
-</file>
-
-<file path=ppt/tags/tag53.xml><?xml version="1.0" encoding="utf-8"?>
 <p:tagLst xmlns:p="http://schemas.openxmlformats.org/presentationml/2006/main">
   <p:tag name="COMMONDATA" val="eyJoZGlkIjoiOTNkYTYwNjllMWIzZWJkZmIwNzAyZWI5OTFkY2NkZDEifQ=="/>
   <p:tag name="KSO_WPP_MARK_KEY" val="7c302615-d988-42ce-b852-6287d3030952"/>

--- a/ppt/ch01_绪论_1.pptx
+++ b/ppt/ch01_绪论_1.pptx
@@ -19696,7 +19696,7 @@
         <p:spPr/>
         <p:txBody>
           <a:bodyPr>
-            <a:normAutofit fontScale="60000"/>
+            <a:normAutofit fontScale="70000"/>
           </a:bodyPr>
           <a:p>
             <a:r>
@@ -19717,16 +19717,6 @@
               <a:rPr lang="en-US" altLang="zh-CN"/>
               <a:t>using namespace std;</a:t>
             </a:r>
-            <a:endParaRPr lang="en-US" altLang="zh-CN"/>
-          </a:p>
-          <a:p>
-            <a:r>
-              <a:rPr lang="en-US" altLang="zh-CN"/>
-              <a:t>using namespace boost;</a:t>
-            </a:r>
-            <a:endParaRPr lang="en-US" altLang="zh-CN"/>
-          </a:p>
-          <a:p>
             <a:endParaRPr lang="en-US" altLang="zh-CN"/>
           </a:p>
           <a:p>

--- a/ppt/ch01_绪论_1.pptx
+++ b/ppt/ch01_绪论_1.pptx
@@ -33171,7 +33171,7 @@
               <a:rPr lang="en-US" altLang="zh-CN">
                 <a:sym typeface="+mn-ea"/>
               </a:rPr>
-              <a:t>d:\vcpkg&gt;bootstrap.bat</a:t>
+              <a:t>d:\vcpkg&gt;bootstrap-vcpkg.bat</a:t>
             </a:r>
             <a:endParaRPr lang="en-US" altLang="zh-CN"/>
           </a:p>
@@ -33342,9 +33342,17 @@
               <a:rPr lang="en-US" altLang="zh-CN">
                 <a:sym typeface="+mn-ea"/>
               </a:rPr>
-              <a:t>d:\vcpkg&gt; vcpkg install boost --treplet=x64-windows</a:t>
-            </a:r>
-            <a:endParaRPr lang="en-US" altLang="zh-CN"/>
+              <a:t>d:\vcpkg&gt; </a:t>
+            </a:r>
+            <a:r>
+              <a:rPr lang="en-US" altLang="zh-CN">
+                <a:sym typeface="+mn-ea"/>
+              </a:rPr>
+              <a:t>vcpkg install boost:x64-windows</a:t>
+            </a:r>
+            <a:endParaRPr lang="en-US" altLang="zh-CN">
+              <a:sym typeface="+mn-ea"/>
+            </a:endParaRPr>
           </a:p>
           <a:p>
             <a:r>
@@ -33362,7 +33370,13 @@
               <a:rPr lang="en-US" altLang="zh-CN">
                 <a:sym typeface="+mn-ea"/>
               </a:rPr>
-              <a:t>d:\vcpkg&gt; vcpkg install boost:x64-windows</a:t>
+              <a:t>d:\vcpkg&gt; </a:t>
+            </a:r>
+            <a:r>
+              <a:rPr lang="en-US" altLang="zh-CN">
+                <a:sym typeface="+mn-ea"/>
+              </a:rPr>
+              <a:t>vcpkg install boost --treplet=x64-windows</a:t>
             </a:r>
             <a:endParaRPr lang="en-US" altLang="zh-CN"/>
           </a:p>
@@ -38378,7 +38392,7 @@
 
 <file path=ppt/tags/tag52.xml><?xml version="1.0" encoding="utf-8"?>
 <p:tagLst xmlns:p="http://schemas.openxmlformats.org/presentationml/2006/main">
-  <p:tag name="COMMONDATA" val="eyJoZGlkIjoiOTNkYTYwNjllMWIzZWJkZmIwNzAyZWI5OTFkY2NkZDEifQ=="/>
+  <p:tag name="COMMONDATA" val="eyJoZGlkIjoiZjEyYmQzYTQ1NDNiYWRjMTYyNDU3NmVlNDkyZWE4NDEifQ=="/>
   <p:tag name="KSO_WPP_MARK_KEY" val="7c302615-d988-42ce-b852-6287d3030952"/>
 </p:tagLst>
 </file>
